--- a/FieldExperiments/AB Testing.pptx
+++ b/FieldExperiments/AB Testing.pptx
@@ -5,30 +5,38 @@
     <p:sldMasterId id="2147483648" r:id="rId1"/>
   </p:sldMasterIdLst>
   <p:notesMasterIdLst>
-    <p:notesMasterId r:id="rId23"/>
+    <p:notesMasterId r:id="rId31"/>
   </p:notesMasterIdLst>
   <p:sldIdLst>
     <p:sldId id="256" r:id="rId2"/>
-    <p:sldId id="257" r:id="rId3"/>
-    <p:sldId id="259" r:id="rId4"/>
-    <p:sldId id="258" r:id="rId5"/>
-    <p:sldId id="265" r:id="rId6"/>
-    <p:sldId id="264" r:id="rId7"/>
-    <p:sldId id="260" r:id="rId8"/>
-    <p:sldId id="262" r:id="rId9"/>
-    <p:sldId id="263" r:id="rId10"/>
-    <p:sldId id="266" r:id="rId11"/>
+    <p:sldId id="259" r:id="rId3"/>
+    <p:sldId id="258" r:id="rId4"/>
+    <p:sldId id="264" r:id="rId5"/>
+    <p:sldId id="285" r:id="rId6"/>
+    <p:sldId id="260" r:id="rId7"/>
+    <p:sldId id="262" r:id="rId8"/>
+    <p:sldId id="263" r:id="rId9"/>
+    <p:sldId id="266" r:id="rId10"/>
+    <p:sldId id="286" r:id="rId11"/>
     <p:sldId id="268" r:id="rId12"/>
     <p:sldId id="269" r:id="rId13"/>
     <p:sldId id="270" r:id="rId14"/>
     <p:sldId id="267" r:id="rId15"/>
     <p:sldId id="271" r:id="rId16"/>
     <p:sldId id="272" r:id="rId17"/>
-    <p:sldId id="275" r:id="rId18"/>
-    <p:sldId id="277" r:id="rId19"/>
-    <p:sldId id="276" r:id="rId20"/>
-    <p:sldId id="274" r:id="rId21"/>
-    <p:sldId id="273" r:id="rId22"/>
+    <p:sldId id="279" r:id="rId18"/>
+    <p:sldId id="275" r:id="rId19"/>
+    <p:sldId id="277" r:id="rId20"/>
+    <p:sldId id="276" r:id="rId21"/>
+    <p:sldId id="280" r:id="rId22"/>
+    <p:sldId id="282" r:id="rId23"/>
+    <p:sldId id="274" r:id="rId24"/>
+    <p:sldId id="283" r:id="rId25"/>
+    <p:sldId id="284" r:id="rId26"/>
+    <p:sldId id="273" r:id="rId27"/>
+    <p:sldId id="287" r:id="rId28"/>
+    <p:sldId id="281" r:id="rId29"/>
+    <p:sldId id="278" r:id="rId30"/>
   </p:sldIdLst>
   <p:sldSz cx="12192000" cy="6858000"/>
   <p:notesSz cx="6858000" cy="9144000"/>
@@ -3517,14 +3525,16 @@
         </p:nvSpPr>
         <p:spPr/>
         <p:txBody>
-          <a:bodyPr/>
+          <a:bodyPr>
+            <a:normAutofit/>
+          </a:bodyPr>
           <a:lstStyle/>
           <a:p>
             <a:r>
-              <a:rPr lang="en-US" dirty="0" smtClean="0"/>
+              <a:rPr lang="en-US" sz="8000" b="1" dirty="0" smtClean="0"/>
               <a:t>A/B Testing</a:t>
             </a:r>
-            <a:endParaRPr lang="en-US" dirty="0"/>
+            <a:endParaRPr lang="en-US" sz="8000" b="1" dirty="0"/>
           </a:p>
         </p:txBody>
       </p:sp>
@@ -3540,17 +3550,67 @@
         </p:nvSpPr>
         <p:spPr/>
         <p:txBody>
-          <a:bodyPr/>
+          <a:bodyPr>
+            <a:normAutofit/>
+          </a:bodyPr>
           <a:lstStyle/>
           <a:p>
             <a:r>
-              <a:rPr lang="en-US" dirty="0" smtClean="0"/>
-              <a:t>Slightly more than just A and B</a:t>
-            </a:r>
-            <a:endParaRPr lang="en-US" dirty="0"/>
-          </a:p>
-        </p:txBody>
-      </p:sp>
+              <a:rPr lang="en-US" sz="3600" dirty="0" smtClean="0"/>
+              <a:t/>
+            </a:r>
+            <a:br>
+              <a:rPr lang="en-US" sz="3600" dirty="0" smtClean="0"/>
+            </a:br>
+            <a:r>
+              <a:rPr lang="en-US" sz="3600" dirty="0" smtClean="0"/>
+              <a:t>More than just A and B…</a:t>
+            </a:r>
+            <a:endParaRPr lang="en-US" sz="3600" dirty="0"/>
+          </a:p>
+        </p:txBody>
+      </p:sp>
+      <p:pic>
+        <p:nvPicPr>
+          <p:cNvPr id="2050" name="Picture 2" descr="etworld Technology Limited"/>
+          <p:cNvPicPr>
+            <a:picLocks noChangeAspect="1" noChangeArrowheads="1"/>
+          </p:cNvPicPr>
+          <p:nvPr/>
+        </p:nvPicPr>
+        <p:blipFill>
+          <a:blip r:embed="rId2">
+            <a:extLst>
+              <a:ext uri="{28A0092B-C50C-407E-A947-70E740481C1C}">
+                <a14:useLocalDpi xmlns:a14="http://schemas.microsoft.com/office/drawing/2010/main" val="0"/>
+              </a:ext>
+            </a:extLst>
+          </a:blip>
+          <a:srcRect/>
+          <a:stretch>
+            <a:fillRect/>
+          </a:stretch>
+        </p:blipFill>
+        <p:spPr bwMode="auto">
+          <a:xfrm>
+            <a:off x="8752114" y="5682343"/>
+            <a:ext cx="2857500" cy="952500"/>
+          </a:xfrm>
+          <a:prstGeom prst="rect">
+            <a:avLst/>
+          </a:prstGeom>
+          <a:noFill/>
+          <a:extLst>
+            <a:ext uri="{909E8E84-426E-40DD-AFC4-6F175D3DCCD1}">
+              <a14:hiddenFill xmlns:a14="http://schemas.microsoft.com/office/drawing/2010/main">
+                <a:solidFill>
+                  <a:srgbClr val="FFFFFF"/>
+                </a:solidFill>
+              </a14:hiddenFill>
+            </a:ext>
+          </a:extLst>
+        </p:spPr>
+      </p:pic>
     </p:spTree>
     <p:extLst>
       <p:ext uri="{BB962C8B-B14F-4D97-AF65-F5344CB8AC3E}">
@@ -3588,44 +3648,20 @@
           <a:chExt cx="0" cy="0"/>
         </a:xfrm>
       </p:grpSpPr>
-      <p:pic>
-        <p:nvPicPr>
-          <p:cNvPr id="3" name="Picture 2"/>
-          <p:cNvPicPr>
-            <a:picLocks noChangeAspect="1"/>
-          </p:cNvPicPr>
-          <p:nvPr/>
-        </p:nvPicPr>
-        <p:blipFill>
-          <a:blip r:embed="rId2"/>
-          <a:stretch>
-            <a:fillRect/>
-          </a:stretch>
-        </p:blipFill>
+      <p:sp>
+        <p:nvSpPr>
+          <p:cNvPr id="4" name="Title 3"/>
+          <p:cNvSpPr>
+            <a:spLocks noGrp="1"/>
+          </p:cNvSpPr>
+          <p:nvPr>
+            <p:ph type="title"/>
+          </p:nvPr>
+        </p:nvSpPr>
         <p:spPr>
           <a:xfrm>
-            <a:off x="2677876" y="994225"/>
-            <a:ext cx="6477000" cy="5359400"/>
-          </a:xfrm>
-          <a:prstGeom prst="rect">
-            <a:avLst/>
-          </a:prstGeom>
-        </p:spPr>
-      </p:pic>
-      <p:sp>
-        <p:nvSpPr>
-          <p:cNvPr id="2" name="Title 1"/>
-          <p:cNvSpPr>
-            <a:spLocks noGrp="1"/>
-          </p:cNvSpPr>
-          <p:nvPr>
-            <p:ph type="title"/>
-          </p:nvPr>
-        </p:nvSpPr>
-        <p:spPr>
-          <a:xfrm>
-            <a:off x="560612" y="136520"/>
-            <a:ext cx="10515600" cy="1325563"/>
+            <a:off x="555171" y="1709738"/>
+            <a:ext cx="11201400" cy="2852737"/>
           </a:xfrm>
         </p:spPr>
         <p:txBody>
@@ -3633,17 +3669,47 @@
           <a:lstStyle/>
           <a:p>
             <a:r>
+              <a:rPr lang="en-US" sz="5400" dirty="0" smtClean="0"/>
+              <a:t>Lesson learned:</a:t>
+            </a:r>
+            <a:r>
               <a:rPr lang="en-US" dirty="0" smtClean="0"/>
-              <a:t>High-level flow for an A/B Test</a:t>
-            </a:r>
-            <a:endParaRPr lang="en-US" dirty="0"/>
+              <a:t> </a:t>
+            </a:r>
+            <a:br>
+              <a:rPr lang="en-US" dirty="0" smtClean="0"/>
+            </a:br>
+            <a:r>
+              <a:rPr lang="en-US" b="1" dirty="0" smtClean="0"/>
+              <a:t>Need to do A/B testing</a:t>
+            </a:r>
+            <a:endParaRPr lang="en-US" b="1" dirty="0"/>
+          </a:p>
+        </p:txBody>
+      </p:sp>
+      <p:sp>
+        <p:nvSpPr>
+          <p:cNvPr id="5" name="Text Placeholder 4"/>
+          <p:cNvSpPr>
+            <a:spLocks noGrp="1"/>
+          </p:cNvSpPr>
+          <p:nvPr>
+            <p:ph type="body" idx="1"/>
+          </p:nvPr>
+        </p:nvSpPr>
+        <p:spPr/>
+        <p:txBody>
+          <a:bodyPr/>
+          <a:lstStyle/>
+          <a:p>
+            <a:endParaRPr lang="en-US"/>
           </a:p>
         </p:txBody>
       </p:sp>
     </p:spTree>
     <p:extLst>
       <p:ext uri="{BB962C8B-B14F-4D97-AF65-F5344CB8AC3E}">
-        <p14:creationId xmlns:p14="http://schemas.microsoft.com/office/powerpoint/2010/main" val="1359101949"/>
+        <p14:creationId xmlns:p14="http://schemas.microsoft.com/office/powerpoint/2010/main" val="1631856501"/>
       </p:ext>
     </p:extLst>
   </p:cSld>
@@ -4548,8 +4614,12 @@
               </a:spcBef>
             </a:pPr>
             <a:r>
+              <a:rPr lang="en-US" sz="2800" b="1" dirty="0" smtClean="0"/>
+              <a:t>Same</a:t>
+            </a:r>
+            <a:r>
               <a:rPr lang="en-US" sz="2800" dirty="0" smtClean="0"/>
-              <a:t>Same probability: 0.03</a:t>
+              <a:t> probability: 0.03</a:t>
             </a:r>
           </a:p>
           <a:p>
@@ -4618,7 +4688,7 @@
             </a:pPr>
             <a:r>
               <a:rPr lang="en-US" sz="2800" b="1" dirty="0" smtClean="0"/>
-              <a:t>The question: </a:t>
+              <a:t>Key question: </a:t>
             </a:r>
             <a:r>
               <a:rPr lang="en-US" sz="2800" dirty="0" smtClean="0"/>
@@ -4886,9 +4956,16 @@
           <a:p>
             <a:r>
               <a:rPr lang="en-US" dirty="0" smtClean="0"/>
-              <a:t>But what should we measure?</a:t>
-            </a:r>
-            <a:endParaRPr lang="en-US" dirty="0"/>
+              <a:t>Next:</a:t>
+            </a:r>
+            <a:br>
+              <a:rPr lang="en-US" dirty="0" smtClean="0"/>
+            </a:br>
+            <a:r>
+              <a:rPr lang="en-US" b="1" dirty="0" smtClean="0"/>
+              <a:t>What should we measure?</a:t>
+            </a:r>
+            <a:endParaRPr lang="en-US" b="1" dirty="0"/>
           </a:p>
         </p:txBody>
       </p:sp>
@@ -5008,7 +5085,7 @@
           <a:p>
             <a:r>
               <a:rPr lang="en-US" dirty="0" smtClean="0"/>
-              <a:t>Sometimes it’s easy.</a:t>
+              <a:t>Sometimes it looks easy.</a:t>
             </a:r>
           </a:p>
           <a:p>
@@ -5038,19 +5115,8 @@
           <a:p>
             <a:r>
               <a:rPr lang="en-US" dirty="0" smtClean="0"/>
-              <a:t>Sometimes it’s tricky</a:t>
-            </a:r>
-          </a:p>
-          <a:p>
-            <a:pPr lvl="1"/>
-            <a:r>
-              <a:rPr lang="en-US" dirty="0" smtClean="0"/>
-              <a:t>Any example?</a:t>
-            </a:r>
-          </a:p>
-          <a:p>
-            <a:pPr lvl="1"/>
-            <a:endParaRPr lang="en-US" dirty="0" smtClean="0"/>
+              <a:t>It could be tricky.</a:t>
+            </a:r>
           </a:p>
           <a:p>
             <a:endParaRPr lang="en-US" dirty="0"/>
@@ -5070,7 +5136,221 @@
   <p:timing>
     <p:tnLst>
       <p:par>
-        <p:cTn id="1" dur="indefinite" restart="never" nodeType="tmRoot"/>
+        <p:cTn id="1" dur="indefinite" restart="never" nodeType="tmRoot">
+          <p:childTnLst>
+            <p:seq concurrent="1" nextAc="seek">
+              <p:cTn id="2" dur="indefinite" nodeType="mainSeq">
+                <p:childTnLst>
+                  <p:par>
+                    <p:cTn id="3" fill="hold">
+                      <p:stCondLst>
+                        <p:cond delay="indefinite"/>
+                      </p:stCondLst>
+                      <p:childTnLst>
+                        <p:par>
+                          <p:cTn id="4" fill="hold">
+                            <p:stCondLst>
+                              <p:cond delay="0"/>
+                            </p:stCondLst>
+                            <p:childTnLst>
+                              <p:par>
+                                <p:cTn id="5" presetID="1" presetClass="entr" presetSubtype="0" fill="hold" nodeType="clickEffect">
+                                  <p:stCondLst>
+                                    <p:cond delay="0"/>
+                                  </p:stCondLst>
+                                  <p:childTnLst>
+                                    <p:set>
+                                      <p:cBhvr>
+                                        <p:cTn id="6" dur="1" fill="hold">
+                                          <p:stCondLst>
+                                            <p:cond delay="0"/>
+                                          </p:stCondLst>
+                                        </p:cTn>
+                                        <p:tgtEl>
+                                          <p:spTgt spid="5">
+                                            <p:txEl>
+                                              <p:pRg st="1" end="1"/>
+                                            </p:txEl>
+                                          </p:spTgt>
+                                        </p:tgtEl>
+                                        <p:attrNameLst>
+                                          <p:attrName>style.visibility</p:attrName>
+                                        </p:attrNameLst>
+                                      </p:cBhvr>
+                                      <p:to>
+                                        <p:strVal val="visible"/>
+                                      </p:to>
+                                    </p:set>
+                                  </p:childTnLst>
+                                </p:cTn>
+                              </p:par>
+                              <p:par>
+                                <p:cTn id="7" presetID="1" presetClass="entr" presetSubtype="0" fill="hold" nodeType="withEffect">
+                                  <p:stCondLst>
+                                    <p:cond delay="0"/>
+                                  </p:stCondLst>
+                                  <p:childTnLst>
+                                    <p:set>
+                                      <p:cBhvr>
+                                        <p:cTn id="8" dur="1" fill="hold">
+                                          <p:stCondLst>
+                                            <p:cond delay="0"/>
+                                          </p:stCondLst>
+                                        </p:cTn>
+                                        <p:tgtEl>
+                                          <p:spTgt spid="5">
+                                            <p:txEl>
+                                              <p:pRg st="2" end="2"/>
+                                            </p:txEl>
+                                          </p:spTgt>
+                                        </p:tgtEl>
+                                        <p:attrNameLst>
+                                          <p:attrName>style.visibility</p:attrName>
+                                        </p:attrNameLst>
+                                      </p:cBhvr>
+                                      <p:to>
+                                        <p:strVal val="visible"/>
+                                      </p:to>
+                                    </p:set>
+                                  </p:childTnLst>
+                                </p:cTn>
+                              </p:par>
+                              <p:par>
+                                <p:cTn id="9" presetID="1" presetClass="entr" presetSubtype="0" fill="hold" nodeType="withEffect">
+                                  <p:stCondLst>
+                                    <p:cond delay="0"/>
+                                  </p:stCondLst>
+                                  <p:childTnLst>
+                                    <p:set>
+                                      <p:cBhvr>
+                                        <p:cTn id="10" dur="1" fill="hold">
+                                          <p:stCondLst>
+                                            <p:cond delay="0"/>
+                                          </p:stCondLst>
+                                        </p:cTn>
+                                        <p:tgtEl>
+                                          <p:spTgt spid="5">
+                                            <p:txEl>
+                                              <p:pRg st="3" end="3"/>
+                                            </p:txEl>
+                                          </p:spTgt>
+                                        </p:tgtEl>
+                                        <p:attrNameLst>
+                                          <p:attrName>style.visibility</p:attrName>
+                                        </p:attrNameLst>
+                                      </p:cBhvr>
+                                      <p:to>
+                                        <p:strVal val="visible"/>
+                                      </p:to>
+                                    </p:set>
+                                  </p:childTnLst>
+                                </p:cTn>
+                              </p:par>
+                              <p:par>
+                                <p:cTn id="11" presetID="1" presetClass="entr" presetSubtype="0" fill="hold" nodeType="withEffect">
+                                  <p:stCondLst>
+                                    <p:cond delay="0"/>
+                                  </p:stCondLst>
+                                  <p:childTnLst>
+                                    <p:set>
+                                      <p:cBhvr>
+                                        <p:cTn id="12" dur="1" fill="hold">
+                                          <p:stCondLst>
+                                            <p:cond delay="0"/>
+                                          </p:stCondLst>
+                                        </p:cTn>
+                                        <p:tgtEl>
+                                          <p:spTgt spid="5">
+                                            <p:txEl>
+                                              <p:pRg st="4" end="4"/>
+                                            </p:txEl>
+                                          </p:spTgt>
+                                        </p:tgtEl>
+                                        <p:attrNameLst>
+                                          <p:attrName>style.visibility</p:attrName>
+                                        </p:attrNameLst>
+                                      </p:cBhvr>
+                                      <p:to>
+                                        <p:strVal val="visible"/>
+                                      </p:to>
+                                    </p:set>
+                                  </p:childTnLst>
+                                </p:cTn>
+                              </p:par>
+                            </p:childTnLst>
+                          </p:cTn>
+                        </p:par>
+                      </p:childTnLst>
+                    </p:cTn>
+                  </p:par>
+                  <p:par>
+                    <p:cTn id="13" fill="hold">
+                      <p:stCondLst>
+                        <p:cond delay="indefinite"/>
+                      </p:stCondLst>
+                      <p:childTnLst>
+                        <p:par>
+                          <p:cTn id="14" fill="hold">
+                            <p:stCondLst>
+                              <p:cond delay="0"/>
+                            </p:stCondLst>
+                            <p:childTnLst>
+                              <p:par>
+                                <p:cTn id="15" presetID="1" presetClass="entr" presetSubtype="0" fill="hold" nodeType="clickEffect">
+                                  <p:stCondLst>
+                                    <p:cond delay="0"/>
+                                  </p:stCondLst>
+                                  <p:childTnLst>
+                                    <p:set>
+                                      <p:cBhvr>
+                                        <p:cTn id="16" dur="1" fill="hold">
+                                          <p:stCondLst>
+                                            <p:cond delay="0"/>
+                                          </p:stCondLst>
+                                        </p:cTn>
+                                        <p:tgtEl>
+                                          <p:spTgt spid="5">
+                                            <p:txEl>
+                                              <p:pRg st="5" end="5"/>
+                                            </p:txEl>
+                                          </p:spTgt>
+                                        </p:tgtEl>
+                                        <p:attrNameLst>
+                                          <p:attrName>style.visibility</p:attrName>
+                                        </p:attrNameLst>
+                                      </p:cBhvr>
+                                      <p:to>
+                                        <p:strVal val="visible"/>
+                                      </p:to>
+                                    </p:set>
+                                  </p:childTnLst>
+                                </p:cTn>
+                              </p:par>
+                            </p:childTnLst>
+                          </p:cTn>
+                        </p:par>
+                      </p:childTnLst>
+                    </p:cTn>
+                  </p:par>
+                </p:childTnLst>
+              </p:cTn>
+              <p:prevCondLst>
+                <p:cond evt="onPrev" delay="0">
+                  <p:tgtEl>
+                    <p:sldTgt/>
+                  </p:tgtEl>
+                </p:cond>
+              </p:prevCondLst>
+              <p:nextCondLst>
+                <p:cond evt="onNext" delay="0">
+                  <p:tgtEl>
+                    <p:sldTgt/>
+                  </p:tgtEl>
+                </p:cond>
+              </p:nextCondLst>
+            </p:seq>
+          </p:childTnLst>
+        </p:cTn>
       </p:par>
     </p:tnLst>
   </p:timing>
@@ -5742,6 +6022,308 @@
           <a:p>
             <a:r>
               <a:rPr lang="en-US" dirty="0" smtClean="0"/>
+              <a:t>Office 2007 Online purchase site</a:t>
+            </a:r>
+            <a:endParaRPr lang="en-US" dirty="0"/>
+          </a:p>
+        </p:txBody>
+      </p:sp>
+      <p:pic>
+        <p:nvPicPr>
+          <p:cNvPr id="5" name="Picture 4"/>
+          <p:cNvPicPr>
+            <a:picLocks noChangeAspect="1"/>
+          </p:cNvPicPr>
+          <p:nvPr/>
+        </p:nvPicPr>
+        <p:blipFill>
+          <a:blip r:embed="rId2"/>
+          <a:stretch>
+            <a:fillRect/>
+          </a:stretch>
+        </p:blipFill>
+        <p:spPr>
+          <a:xfrm>
+            <a:off x="302074" y="1515376"/>
+            <a:ext cx="5808315" cy="4020004"/>
+          </a:xfrm>
+          <a:prstGeom prst="rect">
+            <a:avLst/>
+          </a:prstGeom>
+        </p:spPr>
+      </p:pic>
+      <p:pic>
+        <p:nvPicPr>
+          <p:cNvPr id="6" name="Picture 5"/>
+          <p:cNvPicPr>
+            <a:picLocks noChangeAspect="1"/>
+          </p:cNvPicPr>
+          <p:nvPr/>
+        </p:nvPicPr>
+        <p:blipFill>
+          <a:blip r:embed="rId3"/>
+          <a:stretch>
+            <a:fillRect/>
+          </a:stretch>
+        </p:blipFill>
+        <p:spPr>
+          <a:xfrm>
+            <a:off x="6267555" y="1515376"/>
+            <a:ext cx="5527505" cy="4020004"/>
+          </a:xfrm>
+          <a:prstGeom prst="rect">
+            <a:avLst/>
+          </a:prstGeom>
+        </p:spPr>
+      </p:pic>
+      <p:sp>
+        <p:nvSpPr>
+          <p:cNvPr id="7" name="TextBox 6"/>
+          <p:cNvSpPr txBox="1"/>
+          <p:nvPr/>
+        </p:nvSpPr>
+        <p:spPr>
+          <a:xfrm>
+            <a:off x="2185695" y="5698671"/>
+            <a:ext cx="2041071" cy="923330"/>
+          </a:xfrm>
+          <a:prstGeom prst="rect">
+            <a:avLst/>
+          </a:prstGeom>
+          <a:noFill/>
+        </p:spPr>
+        <p:txBody>
+          <a:bodyPr wrap="square" rtlCol="0">
+            <a:spAutoFit/>
+          </a:bodyPr>
+          <a:lstStyle/>
+          <a:p>
+            <a:r>
+              <a:rPr lang="en-US" dirty="0" smtClean="0"/>
+              <a:t>Control Design (A):</a:t>
+            </a:r>
+            <a:br>
+              <a:rPr lang="en-US" dirty="0" smtClean="0"/>
+            </a:br>
+            <a:r>
+              <a:rPr lang="en-US" dirty="0" smtClean="0"/>
+              <a:t>- Try 2007 for free</a:t>
+            </a:r>
+            <a:br>
+              <a:rPr lang="en-US" dirty="0" smtClean="0"/>
+            </a:br>
+            <a:r>
+              <a:rPr lang="en-US" dirty="0" smtClean="0"/>
+              <a:t>- Buy 2007 now</a:t>
+            </a:r>
+            <a:endParaRPr lang="en-US" dirty="0"/>
+          </a:p>
+        </p:txBody>
+      </p:sp>
+      <p:sp>
+        <p:nvSpPr>
+          <p:cNvPr id="8" name="TextBox 7"/>
+          <p:cNvSpPr txBox="1"/>
+          <p:nvPr/>
+        </p:nvSpPr>
+        <p:spPr>
+          <a:xfrm>
+            <a:off x="7860535" y="5698671"/>
+            <a:ext cx="2341543" cy="923330"/>
+          </a:xfrm>
+          <a:prstGeom prst="rect">
+            <a:avLst/>
+          </a:prstGeom>
+          <a:noFill/>
+        </p:spPr>
+        <p:txBody>
+          <a:bodyPr wrap="square" rtlCol="0">
+            <a:spAutoFit/>
+          </a:bodyPr>
+          <a:lstStyle/>
+          <a:p>
+            <a:r>
+              <a:rPr lang="en-US" dirty="0" smtClean="0"/>
+              <a:t>Treatment Design (B):</a:t>
+            </a:r>
+            <a:br>
+              <a:rPr lang="en-US" dirty="0" smtClean="0"/>
+            </a:br>
+            <a:r>
+              <a:rPr lang="en-US" dirty="0" smtClean="0"/>
+              <a:t>- Buy Now – just $149.95</a:t>
+            </a:r>
+            <a:endParaRPr lang="en-US" dirty="0"/>
+          </a:p>
+        </p:txBody>
+      </p:sp>
+      <p:sp>
+        <p:nvSpPr>
+          <p:cNvPr id="9" name="Rectangle 8"/>
+          <p:cNvSpPr/>
+          <p:nvPr/>
+        </p:nvSpPr>
+        <p:spPr>
+          <a:xfrm>
+            <a:off x="3575958" y="4865989"/>
+            <a:ext cx="7494460" cy="1754326"/>
+          </a:xfrm>
+          <a:prstGeom prst="rect">
+            <a:avLst/>
+          </a:prstGeom>
+          <a:noFill/>
+        </p:spPr>
+        <p:txBody>
+          <a:bodyPr wrap="square" lIns="91440" tIns="45720" rIns="91440" bIns="45720">
+            <a:spAutoFit/>
+          </a:bodyPr>
+          <a:lstStyle/>
+          <a:p>
+            <a:r>
+              <a:rPr lang="en-US" sz="5400" dirty="0" smtClean="0">
+                <a:ln w="0"/>
+                <a:solidFill>
+                  <a:srgbClr val="FF0000"/>
+                </a:solidFill>
+                <a:effectLst/>
+              </a:rPr>
+              <a:t>B: Click rate dropped, but purchase rate increased</a:t>
+            </a:r>
+            <a:endParaRPr lang="en-US" sz="5400" dirty="0">
+              <a:ln w="0"/>
+              <a:solidFill>
+                <a:srgbClr val="FF0000"/>
+              </a:solidFill>
+              <a:effectLst/>
+            </a:endParaRPr>
+          </a:p>
+        </p:txBody>
+      </p:sp>
+    </p:spTree>
+    <p:extLst>
+      <p:ext uri="{BB962C8B-B14F-4D97-AF65-F5344CB8AC3E}">
+        <p14:creationId xmlns:p14="http://schemas.microsoft.com/office/powerpoint/2010/main" val="1148465736"/>
+      </p:ext>
+    </p:extLst>
+  </p:cSld>
+  <p:clrMapOvr>
+    <a:masterClrMapping/>
+  </p:clrMapOvr>
+  <p:timing>
+    <p:tnLst>
+      <p:par>
+        <p:cTn id="1" dur="indefinite" restart="never" nodeType="tmRoot">
+          <p:childTnLst>
+            <p:seq concurrent="1" nextAc="seek">
+              <p:cTn id="2" dur="indefinite" nodeType="mainSeq">
+                <p:childTnLst>
+                  <p:par>
+                    <p:cTn id="3" fill="hold">
+                      <p:stCondLst>
+                        <p:cond delay="indefinite"/>
+                      </p:stCondLst>
+                      <p:childTnLst>
+                        <p:par>
+                          <p:cTn id="4" fill="hold">
+                            <p:stCondLst>
+                              <p:cond delay="0"/>
+                            </p:stCondLst>
+                            <p:childTnLst>
+                              <p:par>
+                                <p:cTn id="5" presetID="1" presetClass="entr" presetSubtype="0" fill="hold" grpId="0" nodeType="clickEffect">
+                                  <p:stCondLst>
+                                    <p:cond delay="0"/>
+                                  </p:stCondLst>
+                                  <p:childTnLst>
+                                    <p:set>
+                                      <p:cBhvr>
+                                        <p:cTn id="6" dur="1" fill="hold">
+                                          <p:stCondLst>
+                                            <p:cond delay="0"/>
+                                          </p:stCondLst>
+                                        </p:cTn>
+                                        <p:tgtEl>
+                                          <p:spTgt spid="9"/>
+                                        </p:tgtEl>
+                                        <p:attrNameLst>
+                                          <p:attrName>style.visibility</p:attrName>
+                                        </p:attrNameLst>
+                                      </p:cBhvr>
+                                      <p:to>
+                                        <p:strVal val="visible"/>
+                                      </p:to>
+                                    </p:set>
+                                  </p:childTnLst>
+                                </p:cTn>
+                              </p:par>
+                            </p:childTnLst>
+                          </p:cTn>
+                        </p:par>
+                      </p:childTnLst>
+                    </p:cTn>
+                  </p:par>
+                </p:childTnLst>
+              </p:cTn>
+              <p:prevCondLst>
+                <p:cond evt="onPrev" delay="0">
+                  <p:tgtEl>
+                    <p:sldTgt/>
+                  </p:tgtEl>
+                </p:cond>
+              </p:prevCondLst>
+              <p:nextCondLst>
+                <p:cond evt="onNext" delay="0">
+                  <p:tgtEl>
+                    <p:sldTgt/>
+                  </p:tgtEl>
+                </p:cond>
+              </p:nextCondLst>
+            </p:seq>
+          </p:childTnLst>
+        </p:cTn>
+      </p:par>
+    </p:tnLst>
+    <p:bldLst>
+      <p:bldP spid="9" grpId="0"/>
+    </p:bldLst>
+  </p:timing>
+</p:sld>
+</file>
+
+<file path=ppt/slides/slide18.xml><?xml version="1.0" encoding="utf-8"?>
+<p:sld xmlns:a="http://schemas.openxmlformats.org/drawingml/2006/main" xmlns:r="http://schemas.openxmlformats.org/officeDocument/2006/relationships" xmlns:p="http://schemas.openxmlformats.org/presentationml/2006/main">
+  <p:cSld>
+    <p:spTree>
+      <p:nvGrpSpPr>
+        <p:cNvPr id="1" name=""/>
+        <p:cNvGrpSpPr/>
+        <p:nvPr/>
+      </p:nvGrpSpPr>
+      <p:grpSpPr>
+        <a:xfrm>
+          <a:off x="0" y="0"/>
+          <a:ext cx="0" cy="0"/>
+          <a:chOff x="0" y="0"/>
+          <a:chExt cx="0" cy="0"/>
+        </a:xfrm>
+      </p:grpSpPr>
+      <p:sp>
+        <p:nvSpPr>
+          <p:cNvPr id="2" name="Title 1"/>
+          <p:cNvSpPr>
+            <a:spLocks noGrp="1"/>
+          </p:cNvSpPr>
+          <p:nvPr>
+            <p:ph type="title"/>
+          </p:nvPr>
+        </p:nvSpPr>
+        <p:spPr/>
+        <p:txBody>
+          <a:bodyPr/>
+          <a:lstStyle/>
+          <a:p>
+            <a:r>
+              <a:rPr lang="en-US" dirty="0" smtClean="0"/>
               <a:t>Overall Evaluation Criterion (OEC)</a:t>
             </a:r>
             <a:endParaRPr lang="en-US" dirty="0"/>
@@ -5794,6 +6376,16 @@
             <a:r>
               <a:rPr lang="en-US" sz="4000" b="1" dirty="0" smtClean="0"/>
               <a:t>measureable</a:t>
+            </a:r>
+          </a:p>
+          <a:p>
+            <a:r>
+              <a:rPr lang="en-US" sz="4000" dirty="0" smtClean="0"/>
+              <a:t>Must make </a:t>
+            </a:r>
+            <a:r>
+              <a:rPr lang="en-US" sz="4000" b="1" dirty="0" smtClean="0"/>
+              <a:t>business sense</a:t>
             </a:r>
           </a:p>
           <a:p>
@@ -5981,6 +6573,55 @@
                       </p:childTnLst>
                     </p:cTn>
                   </p:par>
+                  <p:par>
+                    <p:cTn id="15" fill="hold">
+                      <p:stCondLst>
+                        <p:cond delay="indefinite"/>
+                      </p:stCondLst>
+                      <p:childTnLst>
+                        <p:par>
+                          <p:cTn id="16" fill="hold">
+                            <p:stCondLst>
+                              <p:cond delay="0"/>
+                            </p:stCondLst>
+                            <p:childTnLst>
+                              <p:par>
+                                <p:cTn id="17" presetID="1" presetClass="entr" presetSubtype="0" fill="hold" nodeType="clickEffect">
+                                  <p:stCondLst>
+                                    <p:cond delay="0"/>
+                                  </p:stCondLst>
+                                  <p:childTnLst>
+                                    <p:set>
+                                      <p:cBhvr>
+                                        <p:cTn id="18" dur="1" fill="hold">
+                                          <p:stCondLst>
+                                            <p:cond delay="0"/>
+                                          </p:stCondLst>
+                                        </p:cTn>
+                                        <p:tgtEl>
+                                          <p:spTgt spid="3">
+                                            <p:txEl>
+                                              <p:pRg st="3" end="3"/>
+                                            </p:txEl>
+                                          </p:spTgt>
+                                        </p:tgtEl>
+                                        <p:attrNameLst>
+                                          <p:attrName>style.visibility</p:attrName>
+                                        </p:attrNameLst>
+                                      </p:cBhvr>
+                                      <p:to>
+                                        <p:strVal val="visible"/>
+                                      </p:to>
+                                    </p:set>
+                                  </p:childTnLst>
+                                </p:cTn>
+                              </p:par>
+                            </p:childTnLst>
+                          </p:cTn>
+                        </p:par>
+                      </p:childTnLst>
+                    </p:cTn>
+                  </p:par>
                 </p:childTnLst>
               </p:cTn>
               <p:prevCondLst>
@@ -6006,7 +6647,7 @@
 </p:sld>
 </file>
 
-<file path=ppt/slides/slide18.xml><?xml version="1.0" encoding="utf-8"?>
+<file path=ppt/slides/slide19.xml><?xml version="1.0" encoding="utf-8"?>
 <p:sld xmlns:a="http://schemas.openxmlformats.org/drawingml/2006/main" xmlns:r="http://schemas.openxmlformats.org/officeDocument/2006/relationships" xmlns:p="http://schemas.openxmlformats.org/presentationml/2006/main">
   <p:cSld>
     <p:spTree>
@@ -6040,7 +6681,7 @@
           <a:p>
             <a:r>
               <a:rPr lang="en-US" dirty="0" smtClean="0"/>
-              <a:t>Other thing to watch out</a:t>
+              <a:t>Other things to watch out</a:t>
             </a:r>
             <a:endParaRPr lang="en-US" dirty="0"/>
           </a:p>
@@ -6085,7 +6726,7 @@
 </p:sld>
 </file>
 
-<file path=ppt/slides/slide19.xml><?xml version="1.0" encoding="utf-8"?>
+<file path=ppt/slides/slide2.xml><?xml version="1.0" encoding="utf-8"?>
 <p:sld xmlns:a="http://schemas.openxmlformats.org/drawingml/2006/main" xmlns:r="http://schemas.openxmlformats.org/officeDocument/2006/relationships" xmlns:p="http://schemas.openxmlformats.org/presentationml/2006/main">
   <p:cSld>
     <p:spTree>
@@ -6104,7 +6745,7 @@
       </p:grpSpPr>
       <p:sp>
         <p:nvSpPr>
-          <p:cNvPr id="2" name="Title 1"/>
+          <p:cNvPr id="4" name="Title 3"/>
           <p:cNvSpPr>
             <a:spLocks noGrp="1"/>
           </p:cNvSpPr>
@@ -6119,7 +6760,7 @@
           <a:p>
             <a:r>
               <a:rPr lang="en-US" dirty="0" smtClean="0"/>
-              <a:t>Delayed response time</a:t>
+              <a:t>Why bother with A/B Testing?</a:t>
             </a:r>
             <a:endParaRPr lang="en-US" dirty="0"/>
           </a:p>
@@ -6127,12 +6768,12 @@
       </p:sp>
       <p:sp>
         <p:nvSpPr>
-          <p:cNvPr id="3" name="Content Placeholder 2"/>
-          <p:cNvSpPr>
-            <a:spLocks noGrp="1"/>
-          </p:cNvSpPr>
-          <p:nvPr>
-            <p:ph idx="1"/>
+          <p:cNvPr id="5" name="Text Placeholder 4"/>
+          <p:cNvSpPr>
+            <a:spLocks noGrp="1"/>
+          </p:cNvSpPr>
+          <p:nvPr>
+            <p:ph type="body" idx="1"/>
           </p:nvPr>
         </p:nvSpPr>
         <p:spPr/>
@@ -6140,15 +6781,94 @@
           <a:bodyPr/>
           <a:lstStyle/>
           <a:p>
+            <a:endParaRPr lang="en-US"/>
+          </a:p>
+        </p:txBody>
+      </p:sp>
+    </p:spTree>
+    <p:extLst>
+      <p:ext uri="{BB962C8B-B14F-4D97-AF65-F5344CB8AC3E}">
+        <p14:creationId xmlns:p14="http://schemas.microsoft.com/office/powerpoint/2010/main" val="2040127177"/>
+      </p:ext>
+    </p:extLst>
+  </p:cSld>
+  <p:clrMapOvr>
+    <a:masterClrMapping/>
+  </p:clrMapOvr>
+  <p:timing>
+    <p:tnLst>
+      <p:par>
+        <p:cTn id="1" dur="indefinite" restart="never" nodeType="tmRoot"/>
+      </p:par>
+    </p:tnLst>
+  </p:timing>
+</p:sld>
+</file>
+
+<file path=ppt/slides/slide20.xml><?xml version="1.0" encoding="utf-8"?>
+<p:sld xmlns:a="http://schemas.openxmlformats.org/drawingml/2006/main" xmlns:r="http://schemas.openxmlformats.org/officeDocument/2006/relationships" xmlns:p="http://schemas.openxmlformats.org/presentationml/2006/main">
+  <p:cSld>
+    <p:spTree>
+      <p:nvGrpSpPr>
+        <p:cNvPr id="1" name=""/>
+        <p:cNvGrpSpPr/>
+        <p:nvPr/>
+      </p:nvGrpSpPr>
+      <p:grpSpPr>
+        <a:xfrm>
+          <a:off x="0" y="0"/>
+          <a:ext cx="0" cy="0"/>
+          <a:chOff x="0" y="0"/>
+          <a:chExt cx="0" cy="0"/>
+        </a:xfrm>
+      </p:grpSpPr>
+      <p:sp>
+        <p:nvSpPr>
+          <p:cNvPr id="2" name="Title 1"/>
+          <p:cNvSpPr>
+            <a:spLocks noGrp="1"/>
+          </p:cNvSpPr>
+          <p:nvPr>
+            <p:ph type="title"/>
+          </p:nvPr>
+        </p:nvSpPr>
+        <p:spPr/>
+        <p:txBody>
+          <a:bodyPr/>
+          <a:lstStyle/>
+          <a:p>
             <a:r>
               <a:rPr lang="en-US" dirty="0" smtClean="0"/>
-              <a:t>Feature change, A/B Test, OEC is PV of that page</a:t>
-            </a:r>
-          </a:p>
+              <a:t>Reason for Negative Result</a:t>
+            </a:r>
+            <a:endParaRPr lang="en-US" dirty="0"/>
+          </a:p>
+        </p:txBody>
+      </p:sp>
+      <p:sp>
+        <p:nvSpPr>
+          <p:cNvPr id="3" name="Content Placeholder 2"/>
+          <p:cNvSpPr>
+            <a:spLocks noGrp="1"/>
+          </p:cNvSpPr>
+          <p:nvPr>
+            <p:ph idx="1"/>
+          </p:nvPr>
+        </p:nvSpPr>
+        <p:spPr/>
+        <p:txBody>
+          <a:bodyPr/>
+          <a:lstStyle/>
           <a:p>
             <a:r>
               <a:rPr lang="en-US" dirty="0" smtClean="0"/>
-              <a:t>Result: B generates 5% less PV</a:t>
+              <a:t>Feature change, A/B Test, OEC is PV</a:t>
+            </a:r>
+          </a:p>
+          <a:p>
+            <a:r>
+              <a:rPr lang="en-US" dirty="0" smtClean="0"/>
+              <a:t>Result: B generated 5% less PV than A did</a:t>
             </a:r>
           </a:p>
           <a:p>
@@ -6192,7 +6912,7 @@
             <a:pPr lvl="1"/>
             <a:r>
               <a:rPr lang="en-US" dirty="0" smtClean="0"/>
-              <a:t>B and A’ will have the same performance</a:t>
+              <a:t>B and A’ have the same speed performance</a:t>
             </a:r>
           </a:p>
           <a:p>
@@ -6269,15 +6989,33 @@
                                   </p:childTnLst>
                                 </p:cTn>
                               </p:par>
+                            </p:childTnLst>
+                          </p:cTn>
+                        </p:par>
+                      </p:childTnLst>
+                    </p:cTn>
+                  </p:par>
+                  <p:par>
+                    <p:cTn id="7" fill="hold">
+                      <p:stCondLst>
+                        <p:cond delay="indefinite"/>
+                      </p:stCondLst>
+                      <p:childTnLst>
+                        <p:par>
+                          <p:cTn id="8" fill="hold">
+                            <p:stCondLst>
+                              <p:cond delay="0"/>
+                            </p:stCondLst>
+                            <p:childTnLst>
                               <p:par>
-                                <p:cTn id="7" presetID="1" presetClass="entr" presetSubtype="0" fill="hold" nodeType="withEffect">
+                                <p:cTn id="9" presetID="1" presetClass="entr" presetSubtype="0" fill="hold" nodeType="clickEffect">
                                   <p:stCondLst>
                                     <p:cond delay="0"/>
                                   </p:stCondLst>
                                   <p:childTnLst>
                                     <p:set>
                                       <p:cBhvr>
-                                        <p:cTn id="8" dur="1" fill="hold">
+                                        <p:cTn id="10" dur="1" fill="hold">
                                           <p:stCondLst>
                                             <p:cond delay="0"/>
                                           </p:stCondLst>
@@ -6307,26 +7045,26 @@
                     </p:cTn>
                   </p:par>
                   <p:par>
-                    <p:cTn id="9" fill="hold">
+                    <p:cTn id="11" fill="hold">
                       <p:stCondLst>
                         <p:cond delay="indefinite"/>
                       </p:stCondLst>
                       <p:childTnLst>
                         <p:par>
-                          <p:cTn id="10" fill="hold">
+                          <p:cTn id="12" fill="hold">
                             <p:stCondLst>
                               <p:cond delay="0"/>
                             </p:stCondLst>
                             <p:childTnLst>
                               <p:par>
-                                <p:cTn id="11" presetID="1" presetClass="entr" presetSubtype="0" fill="hold" nodeType="clickEffect">
+                                <p:cTn id="13" presetID="1" presetClass="entr" presetSubtype="0" fill="hold" nodeType="clickEffect">
                                   <p:stCondLst>
                                     <p:cond delay="0"/>
                                   </p:stCondLst>
                                   <p:childTnLst>
                                     <p:set>
                                       <p:cBhvr>
-                                        <p:cTn id="12" dur="1" fill="hold">
+                                        <p:cTn id="14" dur="1" fill="hold">
                                           <p:stCondLst>
                                             <p:cond delay="0"/>
                                           </p:stCondLst>
@@ -6350,14 +7088,14 @@
                                 </p:cTn>
                               </p:par>
                               <p:par>
-                                <p:cTn id="13" presetID="1" presetClass="entr" presetSubtype="0" fill="hold" nodeType="withEffect">
+                                <p:cTn id="15" presetID="1" presetClass="entr" presetSubtype="0" fill="hold" nodeType="withEffect">
                                   <p:stCondLst>
                                     <p:cond delay="0"/>
                                   </p:stCondLst>
                                   <p:childTnLst>
                                     <p:set>
                                       <p:cBhvr>
-                                        <p:cTn id="14" dur="1" fill="hold">
+                                        <p:cTn id="16" dur="1" fill="hold">
                                           <p:stCondLst>
                                             <p:cond delay="0"/>
                                           </p:stCondLst>
@@ -6387,26 +7125,26 @@
                     </p:cTn>
                   </p:par>
                   <p:par>
-                    <p:cTn id="15" fill="hold">
+                    <p:cTn id="17" fill="hold">
                       <p:stCondLst>
                         <p:cond delay="indefinite"/>
                       </p:stCondLst>
                       <p:childTnLst>
                         <p:par>
-                          <p:cTn id="16" fill="hold">
+                          <p:cTn id="18" fill="hold">
                             <p:stCondLst>
                               <p:cond delay="0"/>
                             </p:stCondLst>
                             <p:childTnLst>
                               <p:par>
-                                <p:cTn id="17" presetID="1" presetClass="entr" presetSubtype="0" fill="hold" nodeType="clickEffect">
+                                <p:cTn id="19" presetID="1" presetClass="entr" presetSubtype="0" fill="hold" nodeType="clickEffect">
                                   <p:stCondLst>
                                     <p:cond delay="0"/>
                                   </p:stCondLst>
                                   <p:childTnLst>
                                     <p:set>
                                       <p:cBhvr>
-                                        <p:cTn id="18" dur="1" fill="hold">
+                                        <p:cTn id="20" dur="1" fill="hold">
                                           <p:stCondLst>
                                             <p:cond delay="0"/>
                                           </p:stCondLst>
@@ -6436,26 +7174,26 @@
                     </p:cTn>
                   </p:par>
                   <p:par>
-                    <p:cTn id="19" fill="hold">
+                    <p:cTn id="21" fill="hold">
                       <p:stCondLst>
                         <p:cond delay="indefinite"/>
                       </p:stCondLst>
                       <p:childTnLst>
                         <p:par>
-                          <p:cTn id="20" fill="hold">
+                          <p:cTn id="22" fill="hold">
                             <p:stCondLst>
                               <p:cond delay="0"/>
                             </p:stCondLst>
                             <p:childTnLst>
                               <p:par>
-                                <p:cTn id="21" presetID="1" presetClass="entr" presetSubtype="0" fill="hold" nodeType="clickEffect">
+                                <p:cTn id="23" presetID="1" presetClass="entr" presetSubtype="0" fill="hold" nodeType="clickEffect">
                                   <p:stCondLst>
                                     <p:cond delay="0"/>
                                   </p:stCondLst>
                                   <p:childTnLst>
                                     <p:set>
                                       <p:cBhvr>
-                                        <p:cTn id="22" dur="1" fill="hold">
+                                        <p:cTn id="24" dur="1" fill="hold">
                                           <p:stCondLst>
                                             <p:cond delay="0"/>
                                           </p:stCondLst>
@@ -6479,14 +7217,14 @@
                                 </p:cTn>
                               </p:par>
                               <p:par>
-                                <p:cTn id="23" presetID="1" presetClass="entr" presetSubtype="0" fill="hold" nodeType="withEffect">
+                                <p:cTn id="25" presetID="1" presetClass="entr" presetSubtype="0" fill="hold" nodeType="withEffect">
                                   <p:stCondLst>
                                     <p:cond delay="0"/>
                                   </p:stCondLst>
                                   <p:childTnLst>
                                     <p:set>
                                       <p:cBhvr>
-                                        <p:cTn id="24" dur="1" fill="hold">
+                                        <p:cTn id="26" dur="1" fill="hold">
                                           <p:stCondLst>
                                             <p:cond delay="0"/>
                                           </p:stCondLst>
@@ -6510,14 +7248,14 @@
                                 </p:cTn>
                               </p:par>
                               <p:par>
-                                <p:cTn id="25" presetID="1" presetClass="entr" presetSubtype="0" fill="hold" nodeType="withEffect">
+                                <p:cTn id="27" presetID="1" presetClass="entr" presetSubtype="0" fill="hold" nodeType="withEffect">
                                   <p:stCondLst>
                                     <p:cond delay="0"/>
                                   </p:stCondLst>
                                   <p:childTnLst>
                                     <p:set>
                                       <p:cBhvr>
-                                        <p:cTn id="26" dur="1" fill="hold">
+                                        <p:cTn id="28" dur="1" fill="hold">
                                           <p:stCondLst>
                                             <p:cond delay="0"/>
                                           </p:stCondLst>
@@ -6571,7 +7309,7 @@
 </p:sld>
 </file>
 
-<file path=ppt/slides/slide2.xml><?xml version="1.0" encoding="utf-8"?>
+<file path=ppt/slides/slide21.xml><?xml version="1.0" encoding="utf-8"?>
 <p:sld xmlns:a="http://schemas.openxmlformats.org/drawingml/2006/main" xmlns:r="http://schemas.openxmlformats.org/officeDocument/2006/relationships" xmlns:p="http://schemas.openxmlformats.org/presentationml/2006/main">
   <p:cSld>
     <p:spTree>
@@ -6605,7 +7343,7 @@
           <a:p>
             <a:r>
               <a:rPr lang="en-US" dirty="0" smtClean="0"/>
-              <a:t>Agenda</a:t>
+              <a:t>Impact of Internet Bots (web robots)</a:t>
             </a:r>
             <a:endParaRPr lang="en-US" dirty="0"/>
           </a:p>
@@ -6628,10 +7366,78 @@
           <a:p>
             <a:r>
               <a:rPr lang="en-US" dirty="0" smtClean="0"/>
-              <a:t>Why do we need AB Testing?</a:t>
-            </a:r>
-          </a:p>
-          <a:p>
+              <a:t>Many kinds: crawler, </a:t>
+            </a:r>
+            <a:r>
+              <a:rPr lang="en-US" dirty="0" err="1" smtClean="0"/>
+              <a:t>spambots</a:t>
+            </a:r>
+            <a:r>
+              <a:rPr lang="en-US" dirty="0" smtClean="0"/>
+              <a:t>, website scrapers, YouTube view bots, Bots to increase ad traffic (54% of ads view are by robots – </a:t>
+            </a:r>
+            <a:r>
+              <a:rPr lang="en-US" dirty="0" err="1" smtClean="0"/>
+              <a:t>comScore</a:t>
+            </a:r>
+            <a:r>
+              <a:rPr lang="en-US" dirty="0" smtClean="0"/>
+              <a:t>)</a:t>
+            </a:r>
+          </a:p>
+          <a:p>
+            <a:r>
+              <a:rPr lang="en-US" dirty="0" smtClean="0"/>
+              <a:t>We cannot filter out all robots</a:t>
+            </a:r>
+          </a:p>
+          <a:p>
+            <a:r>
+              <a:rPr lang="en-US" dirty="0" smtClean="0"/>
+              <a:t>We typically use browser cookie to store A/B assignment</a:t>
+            </a:r>
+          </a:p>
+          <a:p>
+            <a:pPr lvl="1"/>
+            <a:r>
+              <a:rPr lang="en-US" dirty="0" smtClean="0"/>
+              <a:t>Cookie-less robots – not too harmful</a:t>
+            </a:r>
+          </a:p>
+          <a:p>
+            <a:pPr lvl="1"/>
+            <a:r>
+              <a:rPr lang="en-US" dirty="0" smtClean="0"/>
+              <a:t>Cookie-</a:t>
+            </a:r>
+            <a:r>
+              <a:rPr lang="en-US" dirty="0" err="1" smtClean="0"/>
+              <a:t>ful</a:t>
+            </a:r>
+            <a:r>
+              <a:rPr lang="en-US" dirty="0" smtClean="0"/>
+              <a:t> robots – impact can be significant</a:t>
+            </a:r>
+          </a:p>
+          <a:p>
+            <a:r>
+              <a:rPr lang="en-US" dirty="0" smtClean="0"/>
+              <a:t>One solution:</a:t>
+            </a:r>
+          </a:p>
+          <a:p>
+            <a:pPr lvl="1"/>
+            <a:r>
+              <a:rPr lang="en-US" dirty="0" smtClean="0"/>
+              <a:t>Continuous A/A Test</a:t>
+            </a:r>
+          </a:p>
+          <a:p>
+            <a:pPr lvl="1"/>
+            <a:r>
+              <a:rPr lang="en-US" dirty="0" smtClean="0"/>
+              <a:t>Can be done offline</a:t>
+            </a:r>
             <a:endParaRPr lang="en-US" dirty="0"/>
           </a:p>
         </p:txBody>
@@ -6639,7 +7445,7 @@
     </p:spTree>
     <p:extLst>
       <p:ext uri="{BB962C8B-B14F-4D97-AF65-F5344CB8AC3E}">
-        <p14:creationId xmlns:p14="http://schemas.microsoft.com/office/powerpoint/2010/main" val="1108285329"/>
+        <p14:creationId xmlns:p14="http://schemas.microsoft.com/office/powerpoint/2010/main" val="605760809"/>
       </p:ext>
     </p:extLst>
   </p:cSld>
@@ -6649,14 +7455,295 @@
   <p:timing>
     <p:tnLst>
       <p:par>
-        <p:cTn id="1" dur="indefinite" restart="never" nodeType="tmRoot"/>
+        <p:cTn id="1" dur="indefinite" restart="never" nodeType="tmRoot">
+          <p:childTnLst>
+            <p:seq concurrent="1" nextAc="seek">
+              <p:cTn id="2" dur="indefinite" nodeType="mainSeq">
+                <p:childTnLst>
+                  <p:par>
+                    <p:cTn id="3" fill="hold">
+                      <p:stCondLst>
+                        <p:cond delay="indefinite"/>
+                      </p:stCondLst>
+                      <p:childTnLst>
+                        <p:par>
+                          <p:cTn id="4" fill="hold">
+                            <p:stCondLst>
+                              <p:cond delay="0"/>
+                            </p:stCondLst>
+                            <p:childTnLst>
+                              <p:par>
+                                <p:cTn id="5" presetID="1" presetClass="entr" presetSubtype="0" fill="hold" nodeType="clickEffect">
+                                  <p:stCondLst>
+                                    <p:cond delay="0"/>
+                                  </p:stCondLst>
+                                  <p:childTnLst>
+                                    <p:set>
+                                      <p:cBhvr>
+                                        <p:cTn id="6" dur="1" fill="hold">
+                                          <p:stCondLst>
+                                            <p:cond delay="0"/>
+                                          </p:stCondLst>
+                                        </p:cTn>
+                                        <p:tgtEl>
+                                          <p:spTgt spid="3">
+                                            <p:txEl>
+                                              <p:pRg st="2" end="2"/>
+                                            </p:txEl>
+                                          </p:spTgt>
+                                        </p:tgtEl>
+                                        <p:attrNameLst>
+                                          <p:attrName>style.visibility</p:attrName>
+                                        </p:attrNameLst>
+                                      </p:cBhvr>
+                                      <p:to>
+                                        <p:strVal val="visible"/>
+                                      </p:to>
+                                    </p:set>
+                                  </p:childTnLst>
+                                </p:cTn>
+                              </p:par>
+                            </p:childTnLst>
+                          </p:cTn>
+                        </p:par>
+                      </p:childTnLst>
+                    </p:cTn>
+                  </p:par>
+                  <p:par>
+                    <p:cTn id="7" fill="hold">
+                      <p:stCondLst>
+                        <p:cond delay="indefinite"/>
+                      </p:stCondLst>
+                      <p:childTnLst>
+                        <p:par>
+                          <p:cTn id="8" fill="hold">
+                            <p:stCondLst>
+                              <p:cond delay="0"/>
+                            </p:stCondLst>
+                            <p:childTnLst>
+                              <p:par>
+                                <p:cTn id="9" presetID="1" presetClass="entr" presetSubtype="0" fill="hold" nodeType="clickEffect">
+                                  <p:stCondLst>
+                                    <p:cond delay="0"/>
+                                  </p:stCondLst>
+                                  <p:childTnLst>
+                                    <p:set>
+                                      <p:cBhvr>
+                                        <p:cTn id="10" dur="1" fill="hold">
+                                          <p:stCondLst>
+                                            <p:cond delay="0"/>
+                                          </p:stCondLst>
+                                        </p:cTn>
+                                        <p:tgtEl>
+                                          <p:spTgt spid="3">
+                                            <p:txEl>
+                                              <p:pRg st="3" end="3"/>
+                                            </p:txEl>
+                                          </p:spTgt>
+                                        </p:tgtEl>
+                                        <p:attrNameLst>
+                                          <p:attrName>style.visibility</p:attrName>
+                                        </p:attrNameLst>
+                                      </p:cBhvr>
+                                      <p:to>
+                                        <p:strVal val="visible"/>
+                                      </p:to>
+                                    </p:set>
+                                  </p:childTnLst>
+                                </p:cTn>
+                              </p:par>
+                            </p:childTnLst>
+                          </p:cTn>
+                        </p:par>
+                      </p:childTnLst>
+                    </p:cTn>
+                  </p:par>
+                  <p:par>
+                    <p:cTn id="11" fill="hold">
+                      <p:stCondLst>
+                        <p:cond delay="indefinite"/>
+                      </p:stCondLst>
+                      <p:childTnLst>
+                        <p:par>
+                          <p:cTn id="12" fill="hold">
+                            <p:stCondLst>
+                              <p:cond delay="0"/>
+                            </p:stCondLst>
+                            <p:childTnLst>
+                              <p:par>
+                                <p:cTn id="13" presetID="1" presetClass="entr" presetSubtype="0" fill="hold" nodeType="clickEffect">
+                                  <p:stCondLst>
+                                    <p:cond delay="0"/>
+                                  </p:stCondLst>
+                                  <p:childTnLst>
+                                    <p:set>
+                                      <p:cBhvr>
+                                        <p:cTn id="14" dur="1" fill="hold">
+                                          <p:stCondLst>
+                                            <p:cond delay="0"/>
+                                          </p:stCondLst>
+                                        </p:cTn>
+                                        <p:tgtEl>
+                                          <p:spTgt spid="3">
+                                            <p:txEl>
+                                              <p:pRg st="4" end="4"/>
+                                            </p:txEl>
+                                          </p:spTgt>
+                                        </p:tgtEl>
+                                        <p:attrNameLst>
+                                          <p:attrName>style.visibility</p:attrName>
+                                        </p:attrNameLst>
+                                      </p:cBhvr>
+                                      <p:to>
+                                        <p:strVal val="visible"/>
+                                      </p:to>
+                                    </p:set>
+                                  </p:childTnLst>
+                                </p:cTn>
+                              </p:par>
+                            </p:childTnLst>
+                          </p:cTn>
+                        </p:par>
+                      </p:childTnLst>
+                    </p:cTn>
+                  </p:par>
+                  <p:par>
+                    <p:cTn id="15" fill="hold">
+                      <p:stCondLst>
+                        <p:cond delay="indefinite"/>
+                      </p:stCondLst>
+                      <p:childTnLst>
+                        <p:par>
+                          <p:cTn id="16" fill="hold">
+                            <p:stCondLst>
+                              <p:cond delay="0"/>
+                            </p:stCondLst>
+                            <p:childTnLst>
+                              <p:par>
+                                <p:cTn id="17" presetID="1" presetClass="entr" presetSubtype="0" fill="hold" nodeType="clickEffect">
+                                  <p:stCondLst>
+                                    <p:cond delay="0"/>
+                                  </p:stCondLst>
+                                  <p:childTnLst>
+                                    <p:set>
+                                      <p:cBhvr>
+                                        <p:cTn id="18" dur="1" fill="hold">
+                                          <p:stCondLst>
+                                            <p:cond delay="0"/>
+                                          </p:stCondLst>
+                                        </p:cTn>
+                                        <p:tgtEl>
+                                          <p:spTgt spid="3">
+                                            <p:txEl>
+                                              <p:pRg st="5" end="5"/>
+                                            </p:txEl>
+                                          </p:spTgt>
+                                        </p:tgtEl>
+                                        <p:attrNameLst>
+                                          <p:attrName>style.visibility</p:attrName>
+                                        </p:attrNameLst>
+                                      </p:cBhvr>
+                                      <p:to>
+                                        <p:strVal val="visible"/>
+                                      </p:to>
+                                    </p:set>
+                                  </p:childTnLst>
+                                </p:cTn>
+                              </p:par>
+                              <p:par>
+                                <p:cTn id="19" presetID="1" presetClass="entr" presetSubtype="0" fill="hold" nodeType="withEffect">
+                                  <p:stCondLst>
+                                    <p:cond delay="0"/>
+                                  </p:stCondLst>
+                                  <p:childTnLst>
+                                    <p:set>
+                                      <p:cBhvr>
+                                        <p:cTn id="20" dur="1" fill="hold">
+                                          <p:stCondLst>
+                                            <p:cond delay="0"/>
+                                          </p:stCondLst>
+                                        </p:cTn>
+                                        <p:tgtEl>
+                                          <p:spTgt spid="3">
+                                            <p:txEl>
+                                              <p:pRg st="6" end="6"/>
+                                            </p:txEl>
+                                          </p:spTgt>
+                                        </p:tgtEl>
+                                        <p:attrNameLst>
+                                          <p:attrName>style.visibility</p:attrName>
+                                        </p:attrNameLst>
+                                      </p:cBhvr>
+                                      <p:to>
+                                        <p:strVal val="visible"/>
+                                      </p:to>
+                                    </p:set>
+                                  </p:childTnLst>
+                                </p:cTn>
+                              </p:par>
+                              <p:par>
+                                <p:cTn id="21" presetID="1" presetClass="entr" presetSubtype="0" fill="hold" nodeType="withEffect">
+                                  <p:stCondLst>
+                                    <p:cond delay="0"/>
+                                  </p:stCondLst>
+                                  <p:childTnLst>
+                                    <p:set>
+                                      <p:cBhvr>
+                                        <p:cTn id="22" dur="1" fill="hold">
+                                          <p:stCondLst>
+                                            <p:cond delay="0"/>
+                                          </p:stCondLst>
+                                        </p:cTn>
+                                        <p:tgtEl>
+                                          <p:spTgt spid="3">
+                                            <p:txEl>
+                                              <p:pRg st="7" end="7"/>
+                                            </p:txEl>
+                                          </p:spTgt>
+                                        </p:tgtEl>
+                                        <p:attrNameLst>
+                                          <p:attrName>style.visibility</p:attrName>
+                                        </p:attrNameLst>
+                                      </p:cBhvr>
+                                      <p:to>
+                                        <p:strVal val="visible"/>
+                                      </p:to>
+                                    </p:set>
+                                  </p:childTnLst>
+                                </p:cTn>
+                              </p:par>
+                            </p:childTnLst>
+                          </p:cTn>
+                        </p:par>
+                      </p:childTnLst>
+                    </p:cTn>
+                  </p:par>
+                </p:childTnLst>
+              </p:cTn>
+              <p:prevCondLst>
+                <p:cond evt="onPrev" delay="0">
+                  <p:tgtEl>
+                    <p:sldTgt/>
+                  </p:tgtEl>
+                </p:cond>
+              </p:prevCondLst>
+              <p:nextCondLst>
+                <p:cond evt="onNext" delay="0">
+                  <p:tgtEl>
+                    <p:sldTgt/>
+                  </p:tgtEl>
+                </p:cond>
+              </p:nextCondLst>
+            </p:seq>
+          </p:childTnLst>
+        </p:cTn>
       </p:par>
     </p:tnLst>
   </p:timing>
 </p:sld>
 </file>
 
-<file path=ppt/slides/slide20.xml><?xml version="1.0" encoding="utf-8"?>
+<file path=ppt/slides/slide22.xml><?xml version="1.0" encoding="utf-8"?>
 <p:sld xmlns:a="http://schemas.openxmlformats.org/drawingml/2006/main" xmlns:r="http://schemas.openxmlformats.org/officeDocument/2006/relationships" xmlns:p="http://schemas.openxmlformats.org/presentationml/2006/main">
   <p:cSld>
     <p:spTree>
@@ -6683,11 +7770,20 @@
             <p:ph type="title"/>
           </p:nvPr>
         </p:nvSpPr>
-        <p:spPr/>
+        <p:spPr>
+          <a:xfrm>
+            <a:off x="348340" y="365125"/>
+            <a:ext cx="10515600" cy="1325563"/>
+          </a:xfrm>
+        </p:spPr>
         <p:txBody>
           <a:bodyPr/>
           <a:lstStyle/>
           <a:p>
+            <a:r>
+              <a:rPr lang="en-US" dirty="0" smtClean="0"/>
+              <a:t>Avoid One Big Change</a:t>
+            </a:r>
             <a:endParaRPr lang="en-US" dirty="0"/>
           </a:p>
         </p:txBody>
@@ -6700,6 +7796,502 @@
           </p:cNvSpPr>
           <p:nvPr>
             <p:ph idx="1"/>
+          </p:nvPr>
+        </p:nvSpPr>
+        <p:spPr>
+          <a:xfrm>
+            <a:off x="299355" y="1534886"/>
+            <a:ext cx="8060874" cy="4849584"/>
+          </a:xfrm>
+        </p:spPr>
+        <p:txBody>
+          <a:bodyPr>
+            <a:normAutofit lnSpcReduction="10000"/>
+          </a:bodyPr>
+          <a:lstStyle/>
+          <a:p>
+            <a:r>
+              <a:rPr lang="en-US" dirty="0" smtClean="0"/>
+              <a:t>2013 LinkedIn introduced </a:t>
+            </a:r>
+            <a:r>
+              <a:rPr lang="en-US" b="1" dirty="0" smtClean="0"/>
+              <a:t>Unified Search</a:t>
+            </a:r>
+          </a:p>
+          <a:p>
+            <a:pPr lvl="1"/>
+            <a:r>
+              <a:rPr lang="en-US" dirty="0" smtClean="0"/>
+              <a:t>Autocomplete</a:t>
+            </a:r>
+          </a:p>
+          <a:p>
+            <a:pPr lvl="1"/>
+            <a:r>
+              <a:rPr lang="en-US" dirty="0" smtClean="0"/>
+              <a:t>Suggested phrasing</a:t>
+            </a:r>
+          </a:p>
+          <a:p>
+            <a:pPr lvl="1"/>
+            <a:r>
+              <a:rPr lang="en-US" dirty="0" smtClean="0"/>
+              <a:t>Unified search across different areas</a:t>
+            </a:r>
+          </a:p>
+          <a:p>
+            <a:r>
+              <a:rPr lang="en-US" dirty="0" smtClean="0"/>
+              <a:t>Many design changes on search landing pages too.</a:t>
+            </a:r>
+          </a:p>
+          <a:p>
+            <a:r>
+              <a:rPr lang="en-US" dirty="0" smtClean="0"/>
+              <a:t>Result:</a:t>
+            </a:r>
+          </a:p>
+          <a:p>
+            <a:pPr lvl="1"/>
+            <a:r>
+              <a:rPr lang="en-US" dirty="0" smtClean="0"/>
+              <a:t>Clicks and revenue dropped a lot!</a:t>
+            </a:r>
+          </a:p>
+          <a:p>
+            <a:pPr lvl="1"/>
+            <a:r>
+              <a:rPr lang="en-US" dirty="0" smtClean="0"/>
+              <a:t>Rollback:</a:t>
+            </a:r>
+          </a:p>
+          <a:p>
+            <a:pPr lvl="2"/>
+            <a:r>
+              <a:rPr lang="en-US" dirty="0" smtClean="0"/>
+              <a:t>Add back feature one at a time</a:t>
+            </a:r>
+          </a:p>
+          <a:p>
+            <a:pPr lvl="2"/>
+            <a:r>
+              <a:rPr lang="en-US" dirty="0" smtClean="0"/>
+              <a:t>Culprit: not unified search, but some other feature</a:t>
+            </a:r>
+          </a:p>
+          <a:p>
+            <a:r>
+              <a:rPr lang="en-US" dirty="0" smtClean="0"/>
+              <a:t>Lesson:</a:t>
+            </a:r>
+          </a:p>
+          <a:p>
+            <a:pPr lvl="1"/>
+            <a:r>
+              <a:rPr lang="en-US" dirty="0" smtClean="0"/>
+              <a:t>Iterate and launch changes one at a time</a:t>
+            </a:r>
+          </a:p>
+          <a:p>
+            <a:pPr lvl="1"/>
+            <a:endParaRPr lang="en-US" dirty="0" smtClean="0"/>
+          </a:p>
+          <a:p>
+            <a:pPr lvl="1"/>
+            <a:endParaRPr lang="en-US" dirty="0" smtClean="0"/>
+          </a:p>
+          <a:p>
+            <a:endParaRPr lang="en-US" dirty="0"/>
+          </a:p>
+        </p:txBody>
+      </p:sp>
+      <p:pic>
+        <p:nvPicPr>
+          <p:cNvPr id="6" name="Picture 5"/>
+          <p:cNvPicPr>
+            <a:picLocks noChangeAspect="1"/>
+          </p:cNvPicPr>
+          <p:nvPr/>
+        </p:nvPicPr>
+        <p:blipFill>
+          <a:blip r:embed="rId2"/>
+          <a:stretch>
+            <a:fillRect/>
+          </a:stretch>
+        </p:blipFill>
+        <p:spPr>
+          <a:xfrm>
+            <a:off x="8115300" y="1575026"/>
+            <a:ext cx="3874376" cy="4352240"/>
+          </a:xfrm>
+          <a:prstGeom prst="rect">
+            <a:avLst/>
+          </a:prstGeom>
+        </p:spPr>
+      </p:pic>
+      <p:pic>
+        <p:nvPicPr>
+          <p:cNvPr id="1028" name="Picture 4" descr="https://upload.wikimedia.org/wikipedia/commons/thumb/0/01/LinkedIn_Logo.svg/2000px-LinkedIn_Logo.svg.png"/>
+          <p:cNvPicPr>
+            <a:picLocks noChangeAspect="1" noChangeArrowheads="1"/>
+          </p:cNvPicPr>
+          <p:nvPr/>
+        </p:nvPicPr>
+        <p:blipFill>
+          <a:blip r:embed="rId3">
+            <a:extLst>
+              <a:ext uri="{28A0092B-C50C-407E-A947-70E740481C1C}">
+                <a14:useLocalDpi xmlns:a14="http://schemas.microsoft.com/office/drawing/2010/main" val="0"/>
+              </a:ext>
+            </a:extLst>
+          </a:blip>
+          <a:srcRect/>
+          <a:stretch>
+            <a:fillRect/>
+          </a:stretch>
+        </p:blipFill>
+        <p:spPr bwMode="auto">
+          <a:xfrm>
+            <a:off x="10091053" y="895074"/>
+            <a:ext cx="1654631" cy="449460"/>
+          </a:xfrm>
+          <a:prstGeom prst="rect">
+            <a:avLst/>
+          </a:prstGeom>
+          <a:noFill/>
+          <a:extLst>
+            <a:ext uri="{909E8E84-426E-40DD-AFC4-6F175D3DCCD1}">
+              <a14:hiddenFill xmlns:a14="http://schemas.microsoft.com/office/drawing/2010/main">
+                <a:solidFill>
+                  <a:srgbClr val="FFFFFF"/>
+                </a:solidFill>
+              </a14:hiddenFill>
+            </a:ext>
+          </a:extLst>
+        </p:spPr>
+      </p:pic>
+    </p:spTree>
+    <p:extLst>
+      <p:ext uri="{BB962C8B-B14F-4D97-AF65-F5344CB8AC3E}">
+        <p14:creationId xmlns:p14="http://schemas.microsoft.com/office/powerpoint/2010/main" val="1616371527"/>
+      </p:ext>
+    </p:extLst>
+  </p:cSld>
+  <p:clrMapOvr>
+    <a:masterClrMapping/>
+  </p:clrMapOvr>
+  <p:timing>
+    <p:tnLst>
+      <p:par>
+        <p:cTn id="1" dur="indefinite" restart="never" nodeType="tmRoot">
+          <p:childTnLst>
+            <p:seq concurrent="1" nextAc="seek">
+              <p:cTn id="2" dur="indefinite" nodeType="mainSeq">
+                <p:childTnLst>
+                  <p:par>
+                    <p:cTn id="3" fill="hold">
+                      <p:stCondLst>
+                        <p:cond delay="indefinite"/>
+                      </p:stCondLst>
+                      <p:childTnLst>
+                        <p:par>
+                          <p:cTn id="4" fill="hold">
+                            <p:stCondLst>
+                              <p:cond delay="0"/>
+                            </p:stCondLst>
+                            <p:childTnLst>
+                              <p:par>
+                                <p:cTn id="5" presetID="1" presetClass="entr" presetSubtype="0" fill="hold" nodeType="clickEffect">
+                                  <p:stCondLst>
+                                    <p:cond delay="0"/>
+                                  </p:stCondLst>
+                                  <p:childTnLst>
+                                    <p:set>
+                                      <p:cBhvr>
+                                        <p:cTn id="6" dur="1" fill="hold">
+                                          <p:stCondLst>
+                                            <p:cond delay="0"/>
+                                          </p:stCondLst>
+                                        </p:cTn>
+                                        <p:tgtEl>
+                                          <p:spTgt spid="3">
+                                            <p:txEl>
+                                              <p:pRg st="5" end="5"/>
+                                            </p:txEl>
+                                          </p:spTgt>
+                                        </p:tgtEl>
+                                        <p:attrNameLst>
+                                          <p:attrName>style.visibility</p:attrName>
+                                        </p:attrNameLst>
+                                      </p:cBhvr>
+                                      <p:to>
+                                        <p:strVal val="visible"/>
+                                      </p:to>
+                                    </p:set>
+                                  </p:childTnLst>
+                                </p:cTn>
+                              </p:par>
+                              <p:par>
+                                <p:cTn id="7" presetID="1" presetClass="entr" presetSubtype="0" fill="hold" nodeType="withEffect">
+                                  <p:stCondLst>
+                                    <p:cond delay="0"/>
+                                  </p:stCondLst>
+                                  <p:childTnLst>
+                                    <p:set>
+                                      <p:cBhvr>
+                                        <p:cTn id="8" dur="1" fill="hold">
+                                          <p:stCondLst>
+                                            <p:cond delay="0"/>
+                                          </p:stCondLst>
+                                        </p:cTn>
+                                        <p:tgtEl>
+                                          <p:spTgt spid="3">
+                                            <p:txEl>
+                                              <p:pRg st="6" end="6"/>
+                                            </p:txEl>
+                                          </p:spTgt>
+                                        </p:tgtEl>
+                                        <p:attrNameLst>
+                                          <p:attrName>style.visibility</p:attrName>
+                                        </p:attrNameLst>
+                                      </p:cBhvr>
+                                      <p:to>
+                                        <p:strVal val="visible"/>
+                                      </p:to>
+                                    </p:set>
+                                  </p:childTnLst>
+                                </p:cTn>
+                              </p:par>
+                              <p:par>
+                                <p:cTn id="9" presetID="1" presetClass="entr" presetSubtype="0" fill="hold" nodeType="withEffect">
+                                  <p:stCondLst>
+                                    <p:cond delay="0"/>
+                                  </p:stCondLst>
+                                  <p:childTnLst>
+                                    <p:set>
+                                      <p:cBhvr>
+                                        <p:cTn id="10" dur="1" fill="hold">
+                                          <p:stCondLst>
+                                            <p:cond delay="0"/>
+                                          </p:stCondLst>
+                                        </p:cTn>
+                                        <p:tgtEl>
+                                          <p:spTgt spid="3">
+                                            <p:txEl>
+                                              <p:pRg st="7" end="7"/>
+                                            </p:txEl>
+                                          </p:spTgt>
+                                        </p:tgtEl>
+                                        <p:attrNameLst>
+                                          <p:attrName>style.visibility</p:attrName>
+                                        </p:attrNameLst>
+                                      </p:cBhvr>
+                                      <p:to>
+                                        <p:strVal val="visible"/>
+                                      </p:to>
+                                    </p:set>
+                                  </p:childTnLst>
+                                </p:cTn>
+                              </p:par>
+                              <p:par>
+                                <p:cTn id="11" presetID="1" presetClass="entr" presetSubtype="0" fill="hold" nodeType="withEffect">
+                                  <p:stCondLst>
+                                    <p:cond delay="0"/>
+                                  </p:stCondLst>
+                                  <p:childTnLst>
+                                    <p:set>
+                                      <p:cBhvr>
+                                        <p:cTn id="12" dur="1" fill="hold">
+                                          <p:stCondLst>
+                                            <p:cond delay="0"/>
+                                          </p:stCondLst>
+                                        </p:cTn>
+                                        <p:tgtEl>
+                                          <p:spTgt spid="3">
+                                            <p:txEl>
+                                              <p:pRg st="8" end="8"/>
+                                            </p:txEl>
+                                          </p:spTgt>
+                                        </p:tgtEl>
+                                        <p:attrNameLst>
+                                          <p:attrName>style.visibility</p:attrName>
+                                        </p:attrNameLst>
+                                      </p:cBhvr>
+                                      <p:to>
+                                        <p:strVal val="visible"/>
+                                      </p:to>
+                                    </p:set>
+                                  </p:childTnLst>
+                                </p:cTn>
+                              </p:par>
+                              <p:par>
+                                <p:cTn id="13" presetID="1" presetClass="entr" presetSubtype="0" fill="hold" nodeType="withEffect">
+                                  <p:stCondLst>
+                                    <p:cond delay="0"/>
+                                  </p:stCondLst>
+                                  <p:childTnLst>
+                                    <p:set>
+                                      <p:cBhvr>
+                                        <p:cTn id="14" dur="1" fill="hold">
+                                          <p:stCondLst>
+                                            <p:cond delay="0"/>
+                                          </p:stCondLst>
+                                        </p:cTn>
+                                        <p:tgtEl>
+                                          <p:spTgt spid="3">
+                                            <p:txEl>
+                                              <p:pRg st="9" end="9"/>
+                                            </p:txEl>
+                                          </p:spTgt>
+                                        </p:tgtEl>
+                                        <p:attrNameLst>
+                                          <p:attrName>style.visibility</p:attrName>
+                                        </p:attrNameLst>
+                                      </p:cBhvr>
+                                      <p:to>
+                                        <p:strVal val="visible"/>
+                                      </p:to>
+                                    </p:set>
+                                  </p:childTnLst>
+                                </p:cTn>
+                              </p:par>
+                            </p:childTnLst>
+                          </p:cTn>
+                        </p:par>
+                      </p:childTnLst>
+                    </p:cTn>
+                  </p:par>
+                  <p:par>
+                    <p:cTn id="15" fill="hold">
+                      <p:stCondLst>
+                        <p:cond delay="indefinite"/>
+                      </p:stCondLst>
+                      <p:childTnLst>
+                        <p:par>
+                          <p:cTn id="16" fill="hold">
+                            <p:stCondLst>
+                              <p:cond delay="0"/>
+                            </p:stCondLst>
+                            <p:childTnLst>
+                              <p:par>
+                                <p:cTn id="17" presetID="1" presetClass="entr" presetSubtype="0" fill="hold" nodeType="clickEffect">
+                                  <p:stCondLst>
+                                    <p:cond delay="0"/>
+                                  </p:stCondLst>
+                                  <p:childTnLst>
+                                    <p:set>
+                                      <p:cBhvr>
+                                        <p:cTn id="18" dur="1" fill="hold">
+                                          <p:stCondLst>
+                                            <p:cond delay="0"/>
+                                          </p:stCondLst>
+                                        </p:cTn>
+                                        <p:tgtEl>
+                                          <p:spTgt spid="3">
+                                            <p:txEl>
+                                              <p:pRg st="10" end="10"/>
+                                            </p:txEl>
+                                          </p:spTgt>
+                                        </p:tgtEl>
+                                        <p:attrNameLst>
+                                          <p:attrName>style.visibility</p:attrName>
+                                        </p:attrNameLst>
+                                      </p:cBhvr>
+                                      <p:to>
+                                        <p:strVal val="visible"/>
+                                      </p:to>
+                                    </p:set>
+                                  </p:childTnLst>
+                                </p:cTn>
+                              </p:par>
+                              <p:par>
+                                <p:cTn id="19" presetID="1" presetClass="entr" presetSubtype="0" fill="hold" nodeType="withEffect">
+                                  <p:stCondLst>
+                                    <p:cond delay="0"/>
+                                  </p:stCondLst>
+                                  <p:childTnLst>
+                                    <p:set>
+                                      <p:cBhvr>
+                                        <p:cTn id="20" dur="1" fill="hold">
+                                          <p:stCondLst>
+                                            <p:cond delay="0"/>
+                                          </p:stCondLst>
+                                        </p:cTn>
+                                        <p:tgtEl>
+                                          <p:spTgt spid="3">
+                                            <p:txEl>
+                                              <p:pRg st="11" end="11"/>
+                                            </p:txEl>
+                                          </p:spTgt>
+                                        </p:tgtEl>
+                                        <p:attrNameLst>
+                                          <p:attrName>style.visibility</p:attrName>
+                                        </p:attrNameLst>
+                                      </p:cBhvr>
+                                      <p:to>
+                                        <p:strVal val="visible"/>
+                                      </p:to>
+                                    </p:set>
+                                  </p:childTnLst>
+                                </p:cTn>
+                              </p:par>
+                            </p:childTnLst>
+                          </p:cTn>
+                        </p:par>
+                      </p:childTnLst>
+                    </p:cTn>
+                  </p:par>
+                </p:childTnLst>
+              </p:cTn>
+              <p:prevCondLst>
+                <p:cond evt="onPrev" delay="0">
+                  <p:tgtEl>
+                    <p:sldTgt/>
+                  </p:tgtEl>
+                </p:cond>
+              </p:prevCondLst>
+              <p:nextCondLst>
+                <p:cond evt="onNext" delay="0">
+                  <p:tgtEl>
+                    <p:sldTgt/>
+                  </p:tgtEl>
+                </p:cond>
+              </p:nextCondLst>
+            </p:seq>
+          </p:childTnLst>
+        </p:cTn>
+      </p:par>
+    </p:tnLst>
+  </p:timing>
+</p:sld>
+</file>
+
+<file path=ppt/slides/slide23.xml><?xml version="1.0" encoding="utf-8"?>
+<p:sld xmlns:a="http://schemas.openxmlformats.org/drawingml/2006/main" xmlns:r="http://schemas.openxmlformats.org/officeDocument/2006/relationships" xmlns:p="http://schemas.openxmlformats.org/presentationml/2006/main">
+  <p:cSld>
+    <p:spTree>
+      <p:nvGrpSpPr>
+        <p:cNvPr id="1" name=""/>
+        <p:cNvGrpSpPr/>
+        <p:nvPr/>
+      </p:nvGrpSpPr>
+      <p:grpSpPr>
+        <a:xfrm>
+          <a:off x="0" y="0"/>
+          <a:ext cx="0" cy="0"/>
+          <a:chOff x="0" y="0"/>
+          <a:chExt cx="0" cy="0"/>
+        </a:xfrm>
+      </p:grpSpPr>
+      <p:sp>
+        <p:nvSpPr>
+          <p:cNvPr id="2" name="Title 1"/>
+          <p:cNvSpPr>
+            <a:spLocks noGrp="1"/>
+          </p:cNvSpPr>
+          <p:nvPr>
+            <p:ph type="title"/>
           </p:nvPr>
         </p:nvSpPr>
         <p:spPr/>
@@ -6707,7 +8299,32 @@
           <a:bodyPr/>
           <a:lstStyle/>
           <a:p>
-            <a:endParaRPr lang="en-US"/>
+            <a:r>
+              <a:rPr lang="en-US" dirty="0" smtClean="0"/>
+              <a:t>A few final words</a:t>
+            </a:r>
+            <a:endParaRPr lang="en-US" dirty="0"/>
+          </a:p>
+        </p:txBody>
+      </p:sp>
+      <p:sp>
+        <p:nvSpPr>
+          <p:cNvPr id="3" name="Content Placeholder 2"/>
+          <p:cNvSpPr>
+            <a:spLocks noGrp="1"/>
+          </p:cNvSpPr>
+          <p:nvPr>
+            <p:ph type="body" idx="1"/>
+          </p:nvPr>
+        </p:nvSpPr>
+        <p:spPr/>
+        <p:txBody>
+          <a:bodyPr>
+            <a:normAutofit/>
+          </a:bodyPr>
+          <a:lstStyle/>
+          <a:p>
+            <a:endParaRPr lang="en-US" dirty="0"/>
           </a:p>
         </p:txBody>
       </p:sp>
@@ -6731,7 +8348,7 @@
 </p:sld>
 </file>
 
-<file path=ppt/slides/slide21.xml><?xml version="1.0" encoding="utf-8"?>
+<file path=ppt/slides/slide24.xml><?xml version="1.0" encoding="utf-8"?>
 <p:sld xmlns:a="http://schemas.openxmlformats.org/drawingml/2006/main" xmlns:r="http://schemas.openxmlformats.org/officeDocument/2006/relationships" xmlns:p="http://schemas.openxmlformats.org/presentationml/2006/main">
   <p:cSld>
     <p:spTree>
@@ -6758,6 +8375,1033 @@
             <p:ph type="title"/>
           </p:nvPr>
         </p:nvSpPr>
+        <p:spPr>
+          <a:xfrm>
+            <a:off x="838200" y="218164"/>
+            <a:ext cx="10515600" cy="1325563"/>
+          </a:xfrm>
+        </p:spPr>
+        <p:txBody>
+          <a:bodyPr/>
+          <a:lstStyle/>
+          <a:p>
+            <a:r>
+              <a:rPr lang="en-US" dirty="0" smtClean="0"/>
+              <a:t>Most Ideas Fail to Show Value</a:t>
+            </a:r>
+            <a:endParaRPr lang="en-US" dirty="0"/>
+          </a:p>
+        </p:txBody>
+      </p:sp>
+      <p:sp>
+        <p:nvSpPr>
+          <p:cNvPr id="3" name="Content Placeholder 2"/>
+          <p:cNvSpPr>
+            <a:spLocks noGrp="1"/>
+          </p:cNvSpPr>
+          <p:nvPr>
+            <p:ph idx="1"/>
+          </p:nvPr>
+        </p:nvSpPr>
+        <p:spPr>
+          <a:xfrm>
+            <a:off x="838200" y="1387929"/>
+            <a:ext cx="10515600" cy="5176157"/>
+          </a:xfrm>
+        </p:spPr>
+        <p:txBody>
+          <a:bodyPr>
+            <a:normAutofit/>
+          </a:bodyPr>
+          <a:lstStyle/>
+          <a:p>
+            <a:r>
+              <a:rPr lang="en-US" sz="3200" dirty="0" smtClean="0"/>
+              <a:t>Netflix: considered 90% of what they tried to be </a:t>
+            </a:r>
+            <a:r>
+              <a:rPr lang="en-US" sz="3200" b="1" dirty="0" smtClean="0"/>
+              <a:t>wrong</a:t>
+            </a:r>
+            <a:r>
+              <a:rPr lang="en-US" sz="3200" dirty="0" smtClean="0"/>
+              <a:t>. (Moran, 2007)</a:t>
+            </a:r>
+          </a:p>
+          <a:p>
+            <a:r>
+              <a:rPr lang="en-US" sz="3200" dirty="0" smtClean="0"/>
+              <a:t>Microsoft: 2/3 of experiments done shows </a:t>
+            </a:r>
+            <a:r>
+              <a:rPr lang="en-US" sz="3200" b="1" dirty="0" smtClean="0"/>
+              <a:t>no</a:t>
+            </a:r>
+            <a:r>
+              <a:rPr lang="en-US" sz="3200" dirty="0" smtClean="0"/>
+              <a:t> or </a:t>
+            </a:r>
+            <a:r>
+              <a:rPr lang="en-US" sz="3200" b="1" dirty="0" smtClean="0"/>
+              <a:t>negative</a:t>
+            </a:r>
+            <a:r>
+              <a:rPr lang="en-US" sz="3200" dirty="0" smtClean="0"/>
+              <a:t> impact on the key metric (</a:t>
+            </a:r>
+            <a:r>
+              <a:rPr lang="en-US" sz="3200" dirty="0" err="1" smtClean="0"/>
+              <a:t>Kohavi</a:t>
+            </a:r>
+            <a:r>
+              <a:rPr lang="en-US" sz="3200" dirty="0" smtClean="0"/>
+              <a:t>, 2009)</a:t>
+            </a:r>
+          </a:p>
+          <a:p>
+            <a:r>
+              <a:rPr lang="en-US" sz="3200" dirty="0" err="1" smtClean="0"/>
+              <a:t>QualPro</a:t>
+            </a:r>
+            <a:r>
+              <a:rPr lang="en-US" sz="3200" dirty="0" smtClean="0"/>
+              <a:t>: 75% of important business decisions and improvement ideas shows no or negative impact to business</a:t>
+            </a:r>
+          </a:p>
+          <a:p>
+            <a:r>
+              <a:rPr lang="en-US" sz="3200" dirty="0" smtClean="0"/>
+              <a:t>Lessons:</a:t>
+            </a:r>
+          </a:p>
+          <a:p>
+            <a:pPr lvl="1"/>
+            <a:r>
+              <a:rPr lang="en-US" sz="2800" dirty="0" smtClean="0"/>
+              <a:t>Experiment often!</a:t>
+            </a:r>
+          </a:p>
+          <a:p>
+            <a:pPr lvl="1"/>
+            <a:r>
+              <a:rPr lang="en-US" sz="2800" dirty="0" smtClean="0"/>
+              <a:t>A failure of an experiment is not a mistake: learn from it</a:t>
+            </a:r>
+          </a:p>
+          <a:p>
+            <a:pPr lvl="1"/>
+            <a:r>
+              <a:rPr lang="en-US" sz="2800" dirty="0" smtClean="0"/>
+              <a:t>Fail to experiment, or do it incorrectly is a mistake.  </a:t>
+            </a:r>
+            <a:r>
+              <a:rPr lang="en-US" sz="2800" dirty="0" smtClean="0">
+                <a:sym typeface="Wingdings"/>
+              </a:rPr>
+              <a:t></a:t>
+            </a:r>
+            <a:endParaRPr lang="en-US" dirty="0" smtClean="0">
+              <a:sym typeface="Wingdings"/>
+            </a:endParaRPr>
+          </a:p>
+        </p:txBody>
+      </p:sp>
+    </p:spTree>
+    <p:extLst>
+      <p:ext uri="{BB962C8B-B14F-4D97-AF65-F5344CB8AC3E}">
+        <p14:creationId xmlns:p14="http://schemas.microsoft.com/office/powerpoint/2010/main" val="1362047532"/>
+      </p:ext>
+    </p:extLst>
+  </p:cSld>
+  <p:clrMapOvr>
+    <a:masterClrMapping/>
+  </p:clrMapOvr>
+  <p:timing>
+    <p:tnLst>
+      <p:par>
+        <p:cTn id="1" dur="indefinite" restart="never" nodeType="tmRoot">
+          <p:childTnLst>
+            <p:seq concurrent="1" nextAc="seek">
+              <p:cTn id="2" dur="indefinite" nodeType="mainSeq">
+                <p:childTnLst>
+                  <p:par>
+                    <p:cTn id="3" fill="hold">
+                      <p:stCondLst>
+                        <p:cond delay="indefinite"/>
+                      </p:stCondLst>
+                      <p:childTnLst>
+                        <p:par>
+                          <p:cTn id="4" fill="hold">
+                            <p:stCondLst>
+                              <p:cond delay="0"/>
+                            </p:stCondLst>
+                            <p:childTnLst>
+                              <p:par>
+                                <p:cTn id="5" presetID="1" presetClass="entr" presetSubtype="0" fill="hold" nodeType="clickEffect">
+                                  <p:stCondLst>
+                                    <p:cond delay="0"/>
+                                  </p:stCondLst>
+                                  <p:childTnLst>
+                                    <p:set>
+                                      <p:cBhvr>
+                                        <p:cTn id="6" dur="1" fill="hold">
+                                          <p:stCondLst>
+                                            <p:cond delay="0"/>
+                                          </p:stCondLst>
+                                        </p:cTn>
+                                        <p:tgtEl>
+                                          <p:spTgt spid="3">
+                                            <p:txEl>
+                                              <p:pRg st="0" end="0"/>
+                                            </p:txEl>
+                                          </p:spTgt>
+                                        </p:tgtEl>
+                                        <p:attrNameLst>
+                                          <p:attrName>style.visibility</p:attrName>
+                                        </p:attrNameLst>
+                                      </p:cBhvr>
+                                      <p:to>
+                                        <p:strVal val="visible"/>
+                                      </p:to>
+                                    </p:set>
+                                  </p:childTnLst>
+                                </p:cTn>
+                              </p:par>
+                            </p:childTnLst>
+                          </p:cTn>
+                        </p:par>
+                      </p:childTnLst>
+                    </p:cTn>
+                  </p:par>
+                  <p:par>
+                    <p:cTn id="7" fill="hold">
+                      <p:stCondLst>
+                        <p:cond delay="indefinite"/>
+                      </p:stCondLst>
+                      <p:childTnLst>
+                        <p:par>
+                          <p:cTn id="8" fill="hold">
+                            <p:stCondLst>
+                              <p:cond delay="0"/>
+                            </p:stCondLst>
+                            <p:childTnLst>
+                              <p:par>
+                                <p:cTn id="9" presetID="1" presetClass="entr" presetSubtype="0" fill="hold" nodeType="clickEffect">
+                                  <p:stCondLst>
+                                    <p:cond delay="0"/>
+                                  </p:stCondLst>
+                                  <p:childTnLst>
+                                    <p:set>
+                                      <p:cBhvr>
+                                        <p:cTn id="10" dur="1" fill="hold">
+                                          <p:stCondLst>
+                                            <p:cond delay="0"/>
+                                          </p:stCondLst>
+                                        </p:cTn>
+                                        <p:tgtEl>
+                                          <p:spTgt spid="3">
+                                            <p:txEl>
+                                              <p:pRg st="1" end="1"/>
+                                            </p:txEl>
+                                          </p:spTgt>
+                                        </p:tgtEl>
+                                        <p:attrNameLst>
+                                          <p:attrName>style.visibility</p:attrName>
+                                        </p:attrNameLst>
+                                      </p:cBhvr>
+                                      <p:to>
+                                        <p:strVal val="visible"/>
+                                      </p:to>
+                                    </p:set>
+                                  </p:childTnLst>
+                                </p:cTn>
+                              </p:par>
+                            </p:childTnLst>
+                          </p:cTn>
+                        </p:par>
+                      </p:childTnLst>
+                    </p:cTn>
+                  </p:par>
+                  <p:par>
+                    <p:cTn id="11" fill="hold">
+                      <p:stCondLst>
+                        <p:cond delay="indefinite"/>
+                      </p:stCondLst>
+                      <p:childTnLst>
+                        <p:par>
+                          <p:cTn id="12" fill="hold">
+                            <p:stCondLst>
+                              <p:cond delay="0"/>
+                            </p:stCondLst>
+                            <p:childTnLst>
+                              <p:par>
+                                <p:cTn id="13" presetID="1" presetClass="entr" presetSubtype="0" fill="hold" nodeType="clickEffect">
+                                  <p:stCondLst>
+                                    <p:cond delay="0"/>
+                                  </p:stCondLst>
+                                  <p:childTnLst>
+                                    <p:set>
+                                      <p:cBhvr>
+                                        <p:cTn id="14" dur="1" fill="hold">
+                                          <p:stCondLst>
+                                            <p:cond delay="0"/>
+                                          </p:stCondLst>
+                                        </p:cTn>
+                                        <p:tgtEl>
+                                          <p:spTgt spid="3">
+                                            <p:txEl>
+                                              <p:pRg st="2" end="2"/>
+                                            </p:txEl>
+                                          </p:spTgt>
+                                        </p:tgtEl>
+                                        <p:attrNameLst>
+                                          <p:attrName>style.visibility</p:attrName>
+                                        </p:attrNameLst>
+                                      </p:cBhvr>
+                                      <p:to>
+                                        <p:strVal val="visible"/>
+                                      </p:to>
+                                    </p:set>
+                                  </p:childTnLst>
+                                </p:cTn>
+                              </p:par>
+                            </p:childTnLst>
+                          </p:cTn>
+                        </p:par>
+                      </p:childTnLst>
+                    </p:cTn>
+                  </p:par>
+                  <p:par>
+                    <p:cTn id="15" fill="hold">
+                      <p:stCondLst>
+                        <p:cond delay="indefinite"/>
+                      </p:stCondLst>
+                      <p:childTnLst>
+                        <p:par>
+                          <p:cTn id="16" fill="hold">
+                            <p:stCondLst>
+                              <p:cond delay="0"/>
+                            </p:stCondLst>
+                            <p:childTnLst>
+                              <p:par>
+                                <p:cTn id="17" presetID="1" presetClass="entr" presetSubtype="0" fill="hold" nodeType="clickEffect">
+                                  <p:stCondLst>
+                                    <p:cond delay="0"/>
+                                  </p:stCondLst>
+                                  <p:childTnLst>
+                                    <p:set>
+                                      <p:cBhvr>
+                                        <p:cTn id="18" dur="1" fill="hold">
+                                          <p:stCondLst>
+                                            <p:cond delay="0"/>
+                                          </p:stCondLst>
+                                        </p:cTn>
+                                        <p:tgtEl>
+                                          <p:spTgt spid="3">
+                                            <p:txEl>
+                                              <p:pRg st="3" end="3"/>
+                                            </p:txEl>
+                                          </p:spTgt>
+                                        </p:tgtEl>
+                                        <p:attrNameLst>
+                                          <p:attrName>style.visibility</p:attrName>
+                                        </p:attrNameLst>
+                                      </p:cBhvr>
+                                      <p:to>
+                                        <p:strVal val="visible"/>
+                                      </p:to>
+                                    </p:set>
+                                  </p:childTnLst>
+                                </p:cTn>
+                              </p:par>
+                            </p:childTnLst>
+                          </p:cTn>
+                        </p:par>
+                      </p:childTnLst>
+                    </p:cTn>
+                  </p:par>
+                  <p:par>
+                    <p:cTn id="19" fill="hold">
+                      <p:stCondLst>
+                        <p:cond delay="indefinite"/>
+                      </p:stCondLst>
+                      <p:childTnLst>
+                        <p:par>
+                          <p:cTn id="20" fill="hold">
+                            <p:stCondLst>
+                              <p:cond delay="0"/>
+                            </p:stCondLst>
+                            <p:childTnLst>
+                              <p:par>
+                                <p:cTn id="21" presetID="1" presetClass="entr" presetSubtype="0" fill="hold" nodeType="clickEffect">
+                                  <p:stCondLst>
+                                    <p:cond delay="0"/>
+                                  </p:stCondLst>
+                                  <p:childTnLst>
+                                    <p:set>
+                                      <p:cBhvr>
+                                        <p:cTn id="22" dur="1" fill="hold">
+                                          <p:stCondLst>
+                                            <p:cond delay="0"/>
+                                          </p:stCondLst>
+                                        </p:cTn>
+                                        <p:tgtEl>
+                                          <p:spTgt spid="3">
+                                            <p:txEl>
+                                              <p:pRg st="4" end="4"/>
+                                            </p:txEl>
+                                          </p:spTgt>
+                                        </p:tgtEl>
+                                        <p:attrNameLst>
+                                          <p:attrName>style.visibility</p:attrName>
+                                        </p:attrNameLst>
+                                      </p:cBhvr>
+                                      <p:to>
+                                        <p:strVal val="visible"/>
+                                      </p:to>
+                                    </p:set>
+                                  </p:childTnLst>
+                                </p:cTn>
+                              </p:par>
+                            </p:childTnLst>
+                          </p:cTn>
+                        </p:par>
+                      </p:childTnLst>
+                    </p:cTn>
+                  </p:par>
+                  <p:par>
+                    <p:cTn id="23" fill="hold">
+                      <p:stCondLst>
+                        <p:cond delay="indefinite"/>
+                      </p:stCondLst>
+                      <p:childTnLst>
+                        <p:par>
+                          <p:cTn id="24" fill="hold">
+                            <p:stCondLst>
+                              <p:cond delay="0"/>
+                            </p:stCondLst>
+                            <p:childTnLst>
+                              <p:par>
+                                <p:cTn id="25" presetID="1" presetClass="entr" presetSubtype="0" fill="hold" nodeType="clickEffect">
+                                  <p:stCondLst>
+                                    <p:cond delay="0"/>
+                                  </p:stCondLst>
+                                  <p:childTnLst>
+                                    <p:set>
+                                      <p:cBhvr>
+                                        <p:cTn id="26" dur="1" fill="hold">
+                                          <p:stCondLst>
+                                            <p:cond delay="0"/>
+                                          </p:stCondLst>
+                                        </p:cTn>
+                                        <p:tgtEl>
+                                          <p:spTgt spid="3">
+                                            <p:txEl>
+                                              <p:pRg st="5" end="5"/>
+                                            </p:txEl>
+                                          </p:spTgt>
+                                        </p:tgtEl>
+                                        <p:attrNameLst>
+                                          <p:attrName>style.visibility</p:attrName>
+                                        </p:attrNameLst>
+                                      </p:cBhvr>
+                                      <p:to>
+                                        <p:strVal val="visible"/>
+                                      </p:to>
+                                    </p:set>
+                                  </p:childTnLst>
+                                </p:cTn>
+                              </p:par>
+                            </p:childTnLst>
+                          </p:cTn>
+                        </p:par>
+                      </p:childTnLst>
+                    </p:cTn>
+                  </p:par>
+                  <p:par>
+                    <p:cTn id="27" fill="hold">
+                      <p:stCondLst>
+                        <p:cond delay="indefinite"/>
+                      </p:stCondLst>
+                      <p:childTnLst>
+                        <p:par>
+                          <p:cTn id="28" fill="hold">
+                            <p:stCondLst>
+                              <p:cond delay="0"/>
+                            </p:stCondLst>
+                            <p:childTnLst>
+                              <p:par>
+                                <p:cTn id="29" presetID="1" presetClass="entr" presetSubtype="0" fill="hold" nodeType="clickEffect">
+                                  <p:stCondLst>
+                                    <p:cond delay="0"/>
+                                  </p:stCondLst>
+                                  <p:childTnLst>
+                                    <p:set>
+                                      <p:cBhvr>
+                                        <p:cTn id="30" dur="1" fill="hold">
+                                          <p:stCondLst>
+                                            <p:cond delay="0"/>
+                                          </p:stCondLst>
+                                        </p:cTn>
+                                        <p:tgtEl>
+                                          <p:spTgt spid="3">
+                                            <p:txEl>
+                                              <p:pRg st="6" end="6"/>
+                                            </p:txEl>
+                                          </p:spTgt>
+                                        </p:tgtEl>
+                                        <p:attrNameLst>
+                                          <p:attrName>style.visibility</p:attrName>
+                                        </p:attrNameLst>
+                                      </p:cBhvr>
+                                      <p:to>
+                                        <p:strVal val="visible"/>
+                                      </p:to>
+                                    </p:set>
+                                  </p:childTnLst>
+                                </p:cTn>
+                              </p:par>
+                            </p:childTnLst>
+                          </p:cTn>
+                        </p:par>
+                      </p:childTnLst>
+                    </p:cTn>
+                  </p:par>
+                </p:childTnLst>
+              </p:cTn>
+              <p:prevCondLst>
+                <p:cond evt="onPrev" delay="0">
+                  <p:tgtEl>
+                    <p:sldTgt/>
+                  </p:tgtEl>
+                </p:cond>
+              </p:prevCondLst>
+              <p:nextCondLst>
+                <p:cond evt="onNext" delay="0">
+                  <p:tgtEl>
+                    <p:sldTgt/>
+                  </p:tgtEl>
+                </p:cond>
+              </p:nextCondLst>
+            </p:seq>
+          </p:childTnLst>
+        </p:cTn>
+      </p:par>
+    </p:tnLst>
+  </p:timing>
+</p:sld>
+</file>
+
+<file path=ppt/slides/slide25.xml><?xml version="1.0" encoding="utf-8"?>
+<p:sld xmlns:a="http://schemas.openxmlformats.org/drawingml/2006/main" xmlns:r="http://schemas.openxmlformats.org/officeDocument/2006/relationships" xmlns:p="http://schemas.openxmlformats.org/presentationml/2006/main">
+  <p:cSld>
+    <p:spTree>
+      <p:nvGrpSpPr>
+        <p:cNvPr id="1" name=""/>
+        <p:cNvGrpSpPr/>
+        <p:nvPr/>
+      </p:nvGrpSpPr>
+      <p:grpSpPr>
+        <a:xfrm>
+          <a:off x="0" y="0"/>
+          <a:ext cx="0" cy="0"/>
+          <a:chOff x="0" y="0"/>
+          <a:chExt cx="0" cy="0"/>
+        </a:xfrm>
+      </p:grpSpPr>
+      <p:sp>
+        <p:nvSpPr>
+          <p:cNvPr id="2" name="Title 1"/>
+          <p:cNvSpPr>
+            <a:spLocks noGrp="1"/>
+          </p:cNvSpPr>
+          <p:nvPr>
+            <p:ph type="title"/>
+          </p:nvPr>
+        </p:nvSpPr>
+        <p:spPr>
+          <a:xfrm>
+            <a:off x="838200" y="218164"/>
+            <a:ext cx="10515600" cy="1325563"/>
+          </a:xfrm>
+        </p:spPr>
+        <p:txBody>
+          <a:bodyPr/>
+          <a:lstStyle/>
+          <a:p>
+            <a:r>
+              <a:rPr lang="en-US" dirty="0" smtClean="0"/>
+              <a:t>Try radical or controversial ideas!</a:t>
+            </a:r>
+            <a:endParaRPr lang="en-US" dirty="0"/>
+          </a:p>
+        </p:txBody>
+      </p:sp>
+      <p:sp>
+        <p:nvSpPr>
+          <p:cNvPr id="3" name="Content Placeholder 2"/>
+          <p:cNvSpPr>
+            <a:spLocks noGrp="1"/>
+          </p:cNvSpPr>
+          <p:nvPr>
+            <p:ph idx="1"/>
+          </p:nvPr>
+        </p:nvSpPr>
+        <p:spPr>
+          <a:xfrm>
+            <a:off x="838200" y="1355271"/>
+            <a:ext cx="10515600" cy="4821692"/>
+          </a:xfrm>
+        </p:spPr>
+        <p:txBody>
+          <a:bodyPr/>
+          <a:lstStyle/>
+          <a:p>
+            <a:r>
+              <a:rPr lang="en-US" dirty="0" smtClean="0"/>
+              <a:t>With experiment, you can try brave ideas!</a:t>
+            </a:r>
+          </a:p>
+          <a:p>
+            <a:pPr lvl="1"/>
+            <a:r>
+              <a:rPr lang="en-US" dirty="0" smtClean="0"/>
+              <a:t>A/B testing on a small percentage of users (e.g. 1%)</a:t>
+            </a:r>
+          </a:p>
+          <a:p>
+            <a:pPr lvl="1"/>
+            <a:r>
+              <a:rPr lang="en-US" dirty="0" smtClean="0"/>
+              <a:t>Positive result: expand!</a:t>
+            </a:r>
+          </a:p>
+          <a:p>
+            <a:pPr lvl="1"/>
+            <a:r>
+              <a:rPr lang="en-US" dirty="0" smtClean="0"/>
+              <a:t>Negative result: evaluate, drop it or improve</a:t>
+            </a:r>
+          </a:p>
+          <a:p>
+            <a:r>
+              <a:rPr lang="en-US" dirty="0" smtClean="0"/>
+              <a:t>Amazon example:</a:t>
+            </a:r>
+          </a:p>
+          <a:p>
+            <a:pPr lvl="1"/>
+            <a:r>
+              <a:rPr lang="en-US" dirty="0" smtClean="0"/>
+              <a:t>Personalized recommendation based on items in </a:t>
+            </a:r>
+            <a:r>
+              <a:rPr lang="en-US" b="1" dirty="0" smtClean="0"/>
+              <a:t>shopping cart</a:t>
+            </a:r>
+          </a:p>
+          <a:p>
+            <a:pPr lvl="1"/>
+            <a:r>
+              <a:rPr lang="en-US" dirty="0" smtClean="0"/>
+              <a:t>The launch was </a:t>
+            </a:r>
+            <a:r>
+              <a:rPr lang="en-US" b="1" dirty="0" smtClean="0"/>
+              <a:t>banned</a:t>
+            </a:r>
+            <a:r>
+              <a:rPr lang="en-US" dirty="0" smtClean="0"/>
+              <a:t> by management</a:t>
+            </a:r>
+          </a:p>
+          <a:p>
+            <a:pPr lvl="1"/>
+            <a:r>
+              <a:rPr lang="en-US" dirty="0" smtClean="0"/>
+              <a:t>The developer did a controlled experiment</a:t>
+            </a:r>
+          </a:p>
+          <a:p>
+            <a:pPr lvl="1"/>
+            <a:r>
+              <a:rPr lang="en-US" dirty="0" smtClean="0"/>
+              <a:t>Feature was highly successful!</a:t>
+            </a:r>
+          </a:p>
+          <a:p>
+            <a:r>
+              <a:rPr lang="en-US" dirty="0" smtClean="0"/>
+              <a:t>A/B testing encourages more Intuition and Creativity</a:t>
+            </a:r>
+          </a:p>
+          <a:p>
+            <a:pPr lvl="1"/>
+            <a:endParaRPr lang="en-US" dirty="0"/>
+          </a:p>
+        </p:txBody>
+      </p:sp>
+      <p:pic>
+        <p:nvPicPr>
+          <p:cNvPr id="5" name="Picture 4"/>
+          <p:cNvPicPr>
+            <a:picLocks noChangeAspect="1"/>
+          </p:cNvPicPr>
+          <p:nvPr/>
+        </p:nvPicPr>
+        <p:blipFill>
+          <a:blip r:embed="rId2"/>
+          <a:stretch>
+            <a:fillRect/>
+          </a:stretch>
+        </p:blipFill>
+        <p:spPr>
+          <a:xfrm>
+            <a:off x="9274628" y="3886360"/>
+            <a:ext cx="2345871" cy="1151658"/>
+          </a:xfrm>
+          <a:prstGeom prst="rect">
+            <a:avLst/>
+          </a:prstGeom>
+        </p:spPr>
+      </p:pic>
+    </p:spTree>
+    <p:extLst>
+      <p:ext uri="{BB962C8B-B14F-4D97-AF65-F5344CB8AC3E}">
+        <p14:creationId xmlns:p14="http://schemas.microsoft.com/office/powerpoint/2010/main" val="1265105488"/>
+      </p:ext>
+    </p:extLst>
+  </p:cSld>
+  <p:clrMapOvr>
+    <a:masterClrMapping/>
+  </p:clrMapOvr>
+  <p:timing>
+    <p:tnLst>
+      <p:par>
+        <p:cTn id="1" dur="indefinite" restart="never" nodeType="tmRoot">
+          <p:childTnLst>
+            <p:seq concurrent="1" nextAc="seek">
+              <p:cTn id="2" dur="indefinite" nodeType="mainSeq">
+                <p:childTnLst>
+                  <p:par>
+                    <p:cTn id="3" fill="hold">
+                      <p:stCondLst>
+                        <p:cond delay="indefinite"/>
+                      </p:stCondLst>
+                      <p:childTnLst>
+                        <p:par>
+                          <p:cTn id="4" fill="hold">
+                            <p:stCondLst>
+                              <p:cond delay="0"/>
+                            </p:stCondLst>
+                            <p:childTnLst>
+                              <p:par>
+                                <p:cTn id="5" presetID="1" presetClass="entr" presetSubtype="0" fill="hold" nodeType="clickEffect">
+                                  <p:stCondLst>
+                                    <p:cond delay="0"/>
+                                  </p:stCondLst>
+                                  <p:childTnLst>
+                                    <p:set>
+                                      <p:cBhvr>
+                                        <p:cTn id="6" dur="1" fill="hold">
+                                          <p:stCondLst>
+                                            <p:cond delay="0"/>
+                                          </p:stCondLst>
+                                        </p:cTn>
+                                        <p:tgtEl>
+                                          <p:spTgt spid="3">
+                                            <p:txEl>
+                                              <p:pRg st="4" end="4"/>
+                                            </p:txEl>
+                                          </p:spTgt>
+                                        </p:tgtEl>
+                                        <p:attrNameLst>
+                                          <p:attrName>style.visibility</p:attrName>
+                                        </p:attrNameLst>
+                                      </p:cBhvr>
+                                      <p:to>
+                                        <p:strVal val="visible"/>
+                                      </p:to>
+                                    </p:set>
+                                  </p:childTnLst>
+                                </p:cTn>
+                              </p:par>
+                              <p:par>
+                                <p:cTn id="7" presetID="1" presetClass="entr" presetSubtype="0" fill="hold" nodeType="withEffect">
+                                  <p:stCondLst>
+                                    <p:cond delay="0"/>
+                                  </p:stCondLst>
+                                  <p:childTnLst>
+                                    <p:set>
+                                      <p:cBhvr>
+                                        <p:cTn id="8" dur="1" fill="hold">
+                                          <p:stCondLst>
+                                            <p:cond delay="0"/>
+                                          </p:stCondLst>
+                                        </p:cTn>
+                                        <p:tgtEl>
+                                          <p:spTgt spid="3">
+                                            <p:txEl>
+                                              <p:pRg st="5" end="5"/>
+                                            </p:txEl>
+                                          </p:spTgt>
+                                        </p:tgtEl>
+                                        <p:attrNameLst>
+                                          <p:attrName>style.visibility</p:attrName>
+                                        </p:attrNameLst>
+                                      </p:cBhvr>
+                                      <p:to>
+                                        <p:strVal val="visible"/>
+                                      </p:to>
+                                    </p:set>
+                                  </p:childTnLst>
+                                </p:cTn>
+                              </p:par>
+                              <p:par>
+                                <p:cTn id="9" presetID="1" presetClass="entr" presetSubtype="0" fill="hold" nodeType="withEffect">
+                                  <p:stCondLst>
+                                    <p:cond delay="0"/>
+                                  </p:stCondLst>
+                                  <p:childTnLst>
+                                    <p:set>
+                                      <p:cBhvr>
+                                        <p:cTn id="10" dur="1" fill="hold">
+                                          <p:stCondLst>
+                                            <p:cond delay="0"/>
+                                          </p:stCondLst>
+                                        </p:cTn>
+                                        <p:tgtEl>
+                                          <p:spTgt spid="3">
+                                            <p:txEl>
+                                              <p:pRg st="6" end="6"/>
+                                            </p:txEl>
+                                          </p:spTgt>
+                                        </p:tgtEl>
+                                        <p:attrNameLst>
+                                          <p:attrName>style.visibility</p:attrName>
+                                        </p:attrNameLst>
+                                      </p:cBhvr>
+                                      <p:to>
+                                        <p:strVal val="visible"/>
+                                      </p:to>
+                                    </p:set>
+                                  </p:childTnLst>
+                                </p:cTn>
+                              </p:par>
+                              <p:par>
+                                <p:cTn id="11" presetID="1" presetClass="entr" presetSubtype="0" fill="hold" nodeType="withEffect">
+                                  <p:stCondLst>
+                                    <p:cond delay="0"/>
+                                  </p:stCondLst>
+                                  <p:childTnLst>
+                                    <p:set>
+                                      <p:cBhvr>
+                                        <p:cTn id="12" dur="1" fill="hold">
+                                          <p:stCondLst>
+                                            <p:cond delay="0"/>
+                                          </p:stCondLst>
+                                        </p:cTn>
+                                        <p:tgtEl>
+                                          <p:spTgt spid="5"/>
+                                        </p:tgtEl>
+                                        <p:attrNameLst>
+                                          <p:attrName>style.visibility</p:attrName>
+                                        </p:attrNameLst>
+                                      </p:cBhvr>
+                                      <p:to>
+                                        <p:strVal val="visible"/>
+                                      </p:to>
+                                    </p:set>
+                                  </p:childTnLst>
+                                </p:cTn>
+                              </p:par>
+                            </p:childTnLst>
+                          </p:cTn>
+                        </p:par>
+                      </p:childTnLst>
+                    </p:cTn>
+                  </p:par>
+                  <p:par>
+                    <p:cTn id="13" fill="hold">
+                      <p:stCondLst>
+                        <p:cond delay="indefinite"/>
+                      </p:stCondLst>
+                      <p:childTnLst>
+                        <p:par>
+                          <p:cTn id="14" fill="hold">
+                            <p:stCondLst>
+                              <p:cond delay="0"/>
+                            </p:stCondLst>
+                            <p:childTnLst>
+                              <p:par>
+                                <p:cTn id="15" presetID="1" presetClass="entr" presetSubtype="0" fill="hold" nodeType="clickEffect">
+                                  <p:stCondLst>
+                                    <p:cond delay="0"/>
+                                  </p:stCondLst>
+                                  <p:childTnLst>
+                                    <p:set>
+                                      <p:cBhvr>
+                                        <p:cTn id="16" dur="1" fill="hold">
+                                          <p:stCondLst>
+                                            <p:cond delay="0"/>
+                                          </p:stCondLst>
+                                        </p:cTn>
+                                        <p:tgtEl>
+                                          <p:spTgt spid="3">
+                                            <p:txEl>
+                                              <p:pRg st="7" end="7"/>
+                                            </p:txEl>
+                                          </p:spTgt>
+                                        </p:tgtEl>
+                                        <p:attrNameLst>
+                                          <p:attrName>style.visibility</p:attrName>
+                                        </p:attrNameLst>
+                                      </p:cBhvr>
+                                      <p:to>
+                                        <p:strVal val="visible"/>
+                                      </p:to>
+                                    </p:set>
+                                  </p:childTnLst>
+                                </p:cTn>
+                              </p:par>
+                              <p:par>
+                                <p:cTn id="17" presetID="1" presetClass="entr" presetSubtype="0" fill="hold" nodeType="withEffect">
+                                  <p:stCondLst>
+                                    <p:cond delay="0"/>
+                                  </p:stCondLst>
+                                  <p:childTnLst>
+                                    <p:set>
+                                      <p:cBhvr>
+                                        <p:cTn id="18" dur="1" fill="hold">
+                                          <p:stCondLst>
+                                            <p:cond delay="0"/>
+                                          </p:stCondLst>
+                                        </p:cTn>
+                                        <p:tgtEl>
+                                          <p:spTgt spid="3">
+                                            <p:txEl>
+                                              <p:pRg st="8" end="8"/>
+                                            </p:txEl>
+                                          </p:spTgt>
+                                        </p:tgtEl>
+                                        <p:attrNameLst>
+                                          <p:attrName>style.visibility</p:attrName>
+                                        </p:attrNameLst>
+                                      </p:cBhvr>
+                                      <p:to>
+                                        <p:strVal val="visible"/>
+                                      </p:to>
+                                    </p:set>
+                                  </p:childTnLst>
+                                </p:cTn>
+                              </p:par>
+                            </p:childTnLst>
+                          </p:cTn>
+                        </p:par>
+                      </p:childTnLst>
+                    </p:cTn>
+                  </p:par>
+                  <p:par>
+                    <p:cTn id="19" fill="hold">
+                      <p:stCondLst>
+                        <p:cond delay="indefinite"/>
+                      </p:stCondLst>
+                      <p:childTnLst>
+                        <p:par>
+                          <p:cTn id="20" fill="hold">
+                            <p:stCondLst>
+                              <p:cond delay="0"/>
+                            </p:stCondLst>
+                            <p:childTnLst>
+                              <p:par>
+                                <p:cTn id="21" presetID="1" presetClass="entr" presetSubtype="0" fill="hold" nodeType="clickEffect">
+                                  <p:stCondLst>
+                                    <p:cond delay="0"/>
+                                  </p:stCondLst>
+                                  <p:childTnLst>
+                                    <p:set>
+                                      <p:cBhvr>
+                                        <p:cTn id="22" dur="1" fill="hold">
+                                          <p:stCondLst>
+                                            <p:cond delay="0"/>
+                                          </p:stCondLst>
+                                        </p:cTn>
+                                        <p:tgtEl>
+                                          <p:spTgt spid="3">
+                                            <p:txEl>
+                                              <p:pRg st="9" end="9"/>
+                                            </p:txEl>
+                                          </p:spTgt>
+                                        </p:tgtEl>
+                                        <p:attrNameLst>
+                                          <p:attrName>style.visibility</p:attrName>
+                                        </p:attrNameLst>
+                                      </p:cBhvr>
+                                      <p:to>
+                                        <p:strVal val="visible"/>
+                                      </p:to>
+                                    </p:set>
+                                  </p:childTnLst>
+                                </p:cTn>
+                              </p:par>
+                            </p:childTnLst>
+                          </p:cTn>
+                        </p:par>
+                      </p:childTnLst>
+                    </p:cTn>
+                  </p:par>
+                </p:childTnLst>
+              </p:cTn>
+              <p:prevCondLst>
+                <p:cond evt="onPrev" delay="0">
+                  <p:tgtEl>
+                    <p:sldTgt/>
+                  </p:tgtEl>
+                </p:cond>
+              </p:prevCondLst>
+              <p:nextCondLst>
+                <p:cond evt="onNext" delay="0">
+                  <p:tgtEl>
+                    <p:sldTgt/>
+                  </p:tgtEl>
+                </p:cond>
+              </p:nextCondLst>
+            </p:seq>
+          </p:childTnLst>
+        </p:cTn>
+      </p:par>
+    </p:tnLst>
+  </p:timing>
+</p:sld>
+</file>
+
+<file path=ppt/slides/slide26.xml><?xml version="1.0" encoding="utf-8"?>
+<p:sld xmlns:a="http://schemas.openxmlformats.org/drawingml/2006/main" xmlns:r="http://schemas.openxmlformats.org/officeDocument/2006/relationships" xmlns:p="http://schemas.openxmlformats.org/presentationml/2006/main">
+  <p:cSld>
+    <p:spTree>
+      <p:nvGrpSpPr>
+        <p:cNvPr id="1" name=""/>
+        <p:cNvGrpSpPr/>
+        <p:nvPr/>
+      </p:nvGrpSpPr>
+      <p:grpSpPr>
+        <a:xfrm>
+          <a:off x="0" y="0"/>
+          <a:ext cx="0" cy="0"/>
+          <a:chOff x="0" y="0"/>
+          <a:chExt cx="0" cy="0"/>
+        </a:xfrm>
+      </p:grpSpPr>
+      <p:sp>
+        <p:nvSpPr>
+          <p:cNvPr id="2" name="Title 1"/>
+          <p:cNvSpPr>
+            <a:spLocks noGrp="1"/>
+          </p:cNvSpPr>
+          <p:nvPr>
+            <p:ph type="title"/>
+          </p:nvPr>
+        </p:nvSpPr>
         <p:spPr/>
         <p:txBody>
           <a:bodyPr/>
@@ -6788,10 +9432,55 @@
           </a:xfrm>
         </p:spPr>
         <p:txBody>
-          <a:bodyPr/>
+          <a:bodyPr>
+            <a:normAutofit/>
+          </a:bodyPr>
           <a:lstStyle/>
           <a:p>
-            <a:endParaRPr lang="en-US" dirty="0"/>
+            <a:r>
+              <a:rPr lang="en-US" sz="3600" dirty="0" smtClean="0"/>
+              <a:t>Measure the impact of new feature / design change</a:t>
+            </a:r>
+          </a:p>
+          <a:p>
+            <a:r>
+              <a:rPr lang="en-US" sz="3600" dirty="0" smtClean="0"/>
+              <a:t>A/B Testing – a fair comparison</a:t>
+            </a:r>
+          </a:p>
+          <a:p>
+            <a:r>
+              <a:rPr lang="en-US" sz="3600" dirty="0" smtClean="0"/>
+              <a:t>Check statistical significance</a:t>
+            </a:r>
+          </a:p>
+          <a:p>
+            <a:r>
+              <a:rPr lang="en-US" sz="3600" dirty="0" smtClean="0"/>
+              <a:t>Have to set an Overall Evaluation Criterion (OEC)</a:t>
+            </a:r>
+          </a:p>
+          <a:p>
+            <a:r>
+              <a:rPr lang="en-US" sz="3600" dirty="0" smtClean="0"/>
+              <a:t>Experiments encourages trying out new ideas!</a:t>
+            </a:r>
+          </a:p>
+          <a:p>
+            <a:r>
+              <a:rPr lang="en-US" sz="3600" dirty="0" smtClean="0"/>
+              <a:t>Experiment often, and correctly  </a:t>
+            </a:r>
+            <a:r>
+              <a:rPr lang="en-US" sz="3600" dirty="0" smtClean="0">
+                <a:sym typeface="Wingdings"/>
+              </a:rPr>
+              <a:t> </a:t>
+            </a:r>
+            <a:endParaRPr lang="en-US" sz="3600" dirty="0" smtClean="0"/>
+          </a:p>
+          <a:p>
+            <a:endParaRPr lang="en-US" sz="3600" dirty="0"/>
           </a:p>
         </p:txBody>
       </p:sp>
@@ -6799,6 +9488,298 @@
     <p:extLst>
       <p:ext uri="{BB962C8B-B14F-4D97-AF65-F5344CB8AC3E}">
         <p14:creationId xmlns:p14="http://schemas.microsoft.com/office/powerpoint/2010/main" val="1574222478"/>
+      </p:ext>
+    </p:extLst>
+  </p:cSld>
+  <p:clrMapOvr>
+    <a:masterClrMapping/>
+  </p:clrMapOvr>
+  <p:timing>
+    <p:tnLst>
+      <p:par>
+        <p:cTn id="1" dur="indefinite" restart="never" nodeType="tmRoot"/>
+      </p:par>
+    </p:tnLst>
+  </p:timing>
+</p:sld>
+</file>
+
+<file path=ppt/slides/slide27.xml><?xml version="1.0" encoding="utf-8"?>
+<p:sld xmlns:a="http://schemas.openxmlformats.org/drawingml/2006/main" xmlns:r="http://schemas.openxmlformats.org/officeDocument/2006/relationships" xmlns:p="http://schemas.openxmlformats.org/presentationml/2006/main">
+  <p:cSld>
+    <p:spTree>
+      <p:nvGrpSpPr>
+        <p:cNvPr id="1" name=""/>
+        <p:cNvGrpSpPr/>
+        <p:nvPr/>
+      </p:nvGrpSpPr>
+      <p:grpSpPr>
+        <a:xfrm>
+          <a:off x="0" y="0"/>
+          <a:ext cx="0" cy="0"/>
+          <a:chOff x="0" y="0"/>
+          <a:chExt cx="0" cy="0"/>
+        </a:xfrm>
+      </p:grpSpPr>
+      <p:sp>
+        <p:nvSpPr>
+          <p:cNvPr id="4" name="Title 3"/>
+          <p:cNvSpPr>
+            <a:spLocks noGrp="1"/>
+          </p:cNvSpPr>
+          <p:nvPr>
+            <p:ph type="title"/>
+          </p:nvPr>
+        </p:nvSpPr>
+        <p:spPr/>
+        <p:txBody>
+          <a:bodyPr/>
+          <a:lstStyle/>
+          <a:p>
+            <a:r>
+              <a:rPr lang="en-US" dirty="0" smtClean="0"/>
+              <a:t>Backup slides</a:t>
+            </a:r>
+            <a:endParaRPr lang="en-US" dirty="0"/>
+          </a:p>
+        </p:txBody>
+      </p:sp>
+      <p:sp>
+        <p:nvSpPr>
+          <p:cNvPr id="5" name="Text Placeholder 4"/>
+          <p:cNvSpPr>
+            <a:spLocks noGrp="1"/>
+          </p:cNvSpPr>
+          <p:nvPr>
+            <p:ph type="body" idx="1"/>
+          </p:nvPr>
+        </p:nvSpPr>
+        <p:spPr/>
+        <p:txBody>
+          <a:bodyPr/>
+          <a:lstStyle/>
+          <a:p>
+            <a:endParaRPr lang="en-US"/>
+          </a:p>
+        </p:txBody>
+      </p:sp>
+    </p:spTree>
+    <p:extLst>
+      <p:ext uri="{BB962C8B-B14F-4D97-AF65-F5344CB8AC3E}">
+        <p14:creationId xmlns:p14="http://schemas.microsoft.com/office/powerpoint/2010/main" val="1149468725"/>
+      </p:ext>
+    </p:extLst>
+  </p:cSld>
+  <p:clrMapOvr>
+    <a:masterClrMapping/>
+  </p:clrMapOvr>
+  <p:timing>
+    <p:tnLst>
+      <p:par>
+        <p:cTn id="1" dur="indefinite" restart="never" nodeType="tmRoot"/>
+      </p:par>
+    </p:tnLst>
+  </p:timing>
+</p:sld>
+</file>
+
+<file path=ppt/slides/slide28.xml><?xml version="1.0" encoding="utf-8"?>
+<p:sld xmlns:a="http://schemas.openxmlformats.org/drawingml/2006/main" xmlns:r="http://schemas.openxmlformats.org/officeDocument/2006/relationships" xmlns:p="http://schemas.openxmlformats.org/presentationml/2006/main">
+  <p:cSld>
+    <p:spTree>
+      <p:nvGrpSpPr>
+        <p:cNvPr id="1" name=""/>
+        <p:cNvGrpSpPr/>
+        <p:nvPr/>
+      </p:nvGrpSpPr>
+      <p:grpSpPr>
+        <a:xfrm>
+          <a:off x="0" y="0"/>
+          <a:ext cx="0" cy="0"/>
+          <a:chOff x="0" y="0"/>
+          <a:chExt cx="0" cy="0"/>
+        </a:xfrm>
+      </p:grpSpPr>
+      <p:sp>
+        <p:nvSpPr>
+          <p:cNvPr id="2" name="Title 1"/>
+          <p:cNvSpPr>
+            <a:spLocks noGrp="1"/>
+          </p:cNvSpPr>
+          <p:nvPr>
+            <p:ph type="title"/>
+          </p:nvPr>
+        </p:nvSpPr>
+        <p:spPr/>
+        <p:txBody>
+          <a:bodyPr/>
+          <a:lstStyle/>
+          <a:p>
+            <a:r>
+              <a:rPr lang="en-US" dirty="0" smtClean="0"/>
+              <a:t>Don’t ignore Small Changes</a:t>
+            </a:r>
+            <a:endParaRPr lang="en-US" dirty="0"/>
+          </a:p>
+        </p:txBody>
+      </p:sp>
+      <p:sp>
+        <p:nvSpPr>
+          <p:cNvPr id="4" name="Content Placeholder 3"/>
+          <p:cNvSpPr>
+            <a:spLocks noGrp="1"/>
+          </p:cNvSpPr>
+          <p:nvPr>
+            <p:ph idx="1"/>
+          </p:nvPr>
+        </p:nvSpPr>
+        <p:spPr/>
+        <p:txBody>
+          <a:bodyPr/>
+          <a:lstStyle/>
+          <a:p>
+            <a:endParaRPr lang="en-US"/>
+          </a:p>
+        </p:txBody>
+      </p:sp>
+      <p:pic>
+        <p:nvPicPr>
+          <p:cNvPr id="5" name="Picture 4"/>
+          <p:cNvPicPr>
+            <a:picLocks noChangeAspect="1"/>
+          </p:cNvPicPr>
+          <p:nvPr/>
+        </p:nvPicPr>
+        <p:blipFill>
+          <a:blip r:embed="rId2"/>
+          <a:stretch>
+            <a:fillRect/>
+          </a:stretch>
+        </p:blipFill>
+        <p:spPr>
+          <a:xfrm>
+            <a:off x="351060" y="1870530"/>
+            <a:ext cx="10680593" cy="3844472"/>
+          </a:xfrm>
+          <a:prstGeom prst="rect">
+            <a:avLst/>
+          </a:prstGeom>
+        </p:spPr>
+      </p:pic>
+      <p:pic>
+        <p:nvPicPr>
+          <p:cNvPr id="6" name="Picture 5"/>
+          <p:cNvPicPr>
+            <a:picLocks noChangeAspect="1"/>
+          </p:cNvPicPr>
+          <p:nvPr/>
+        </p:nvPicPr>
+        <p:blipFill>
+          <a:blip r:embed="rId3"/>
+          <a:stretch>
+            <a:fillRect/>
+          </a:stretch>
+        </p:blipFill>
+        <p:spPr>
+          <a:xfrm>
+            <a:off x="5329406" y="5266533"/>
+            <a:ext cx="723900" cy="1358900"/>
+          </a:xfrm>
+          <a:prstGeom prst="rect">
+            <a:avLst/>
+          </a:prstGeom>
+        </p:spPr>
+      </p:pic>
+    </p:spTree>
+    <p:extLst>
+      <p:ext uri="{BB962C8B-B14F-4D97-AF65-F5344CB8AC3E}">
+        <p14:creationId xmlns:p14="http://schemas.microsoft.com/office/powerpoint/2010/main" val="474915376"/>
+      </p:ext>
+    </p:extLst>
+  </p:cSld>
+  <p:clrMapOvr>
+    <a:masterClrMapping/>
+  </p:clrMapOvr>
+  <p:timing>
+    <p:tnLst>
+      <p:par>
+        <p:cTn id="1" dur="indefinite" restart="never" nodeType="tmRoot"/>
+      </p:par>
+    </p:tnLst>
+  </p:timing>
+</p:sld>
+</file>
+
+<file path=ppt/slides/slide29.xml><?xml version="1.0" encoding="utf-8"?>
+<p:sld xmlns:a="http://schemas.openxmlformats.org/drawingml/2006/main" xmlns:r="http://schemas.openxmlformats.org/officeDocument/2006/relationships" xmlns:p="http://schemas.openxmlformats.org/presentationml/2006/main">
+  <p:cSld>
+    <p:spTree>
+      <p:nvGrpSpPr>
+        <p:cNvPr id="1" name=""/>
+        <p:cNvGrpSpPr/>
+        <p:nvPr/>
+      </p:nvGrpSpPr>
+      <p:grpSpPr>
+        <a:xfrm>
+          <a:off x="0" y="0"/>
+          <a:ext cx="0" cy="0"/>
+          <a:chOff x="0" y="0"/>
+          <a:chExt cx="0" cy="0"/>
+        </a:xfrm>
+      </p:grpSpPr>
+      <p:sp>
+        <p:nvSpPr>
+          <p:cNvPr id="2" name="Title 1"/>
+          <p:cNvSpPr>
+            <a:spLocks noGrp="1"/>
+          </p:cNvSpPr>
+          <p:nvPr>
+            <p:ph type="title"/>
+          </p:nvPr>
+        </p:nvSpPr>
+        <p:spPr/>
+        <p:txBody>
+          <a:bodyPr/>
+          <a:lstStyle/>
+          <a:p>
+            <a:r>
+              <a:rPr lang="en-US" dirty="0" smtClean="0"/>
+              <a:t>Simpson’s Paradox</a:t>
+            </a:r>
+            <a:endParaRPr lang="en-US" dirty="0"/>
+          </a:p>
+        </p:txBody>
+      </p:sp>
+      <p:pic>
+        <p:nvPicPr>
+          <p:cNvPr id="6" name="Content Placeholder 5"/>
+          <p:cNvPicPr>
+            <a:picLocks noGrp="1" noChangeAspect="1"/>
+          </p:cNvPicPr>
+          <p:nvPr>
+            <p:ph idx="1"/>
+          </p:nvPr>
+        </p:nvPicPr>
+        <p:blipFill>
+          <a:blip r:embed="rId2"/>
+          <a:stretch>
+            <a:fillRect/>
+          </a:stretch>
+        </p:blipFill>
+        <p:spPr>
+          <a:xfrm>
+            <a:off x="1390547" y="1690687"/>
+            <a:ext cx="9223024" cy="4528953"/>
+          </a:xfrm>
+          <a:prstGeom prst="rect">
+            <a:avLst/>
+          </a:prstGeom>
+        </p:spPr>
+      </p:pic>
+    </p:spTree>
+    <p:extLst>
+      <p:ext uri="{BB962C8B-B14F-4D97-AF65-F5344CB8AC3E}">
+        <p14:creationId xmlns:p14="http://schemas.microsoft.com/office/powerpoint/2010/main" val="106324123"/>
       </p:ext>
     </p:extLst>
   </p:cSld>
@@ -6834,7 +9815,7 @@
       </p:grpSpPr>
       <p:sp>
         <p:nvSpPr>
-          <p:cNvPr id="4" name="Title 3"/>
+          <p:cNvPr id="2" name="Title 1"/>
           <p:cNvSpPr>
             <a:spLocks noGrp="1"/>
           </p:cNvSpPr>
@@ -6849,7 +9830,7 @@
           <a:p>
             <a:r>
               <a:rPr lang="en-US" dirty="0" smtClean="0"/>
-              <a:t>Why bother with A/B Testing?</a:t>
+              <a:t>Scenario 1</a:t>
             </a:r>
             <a:endParaRPr lang="en-US" dirty="0"/>
           </a:p>
@@ -6857,12 +9838,12 @@
       </p:sp>
       <p:sp>
         <p:nvSpPr>
-          <p:cNvPr id="5" name="Text Placeholder 4"/>
-          <p:cNvSpPr>
-            <a:spLocks noGrp="1"/>
-          </p:cNvSpPr>
-          <p:nvPr>
-            <p:ph type="body" idx="1"/>
+          <p:cNvPr id="3" name="Content Placeholder 2"/>
+          <p:cNvSpPr>
+            <a:spLocks noGrp="1"/>
+          </p:cNvSpPr>
+          <p:nvPr>
+            <p:ph idx="1"/>
           </p:nvPr>
         </p:nvSpPr>
         <p:spPr/>
@@ -6870,115 +9851,16 @@
           <a:bodyPr/>
           <a:lstStyle/>
           <a:p>
-            <a:endParaRPr lang="en-US"/>
-          </a:p>
-        </p:txBody>
-      </p:sp>
-    </p:spTree>
-    <p:extLst>
-      <p:ext uri="{BB962C8B-B14F-4D97-AF65-F5344CB8AC3E}">
-        <p14:creationId xmlns:p14="http://schemas.microsoft.com/office/powerpoint/2010/main" val="2040127177"/>
-      </p:ext>
-    </p:extLst>
-  </p:cSld>
-  <p:clrMapOvr>
-    <a:masterClrMapping/>
-  </p:clrMapOvr>
-  <p:timing>
-    <p:tnLst>
-      <p:par>
-        <p:cTn id="1" dur="indefinite" restart="never" nodeType="tmRoot"/>
-      </p:par>
-    </p:tnLst>
-  </p:timing>
-</p:sld>
-</file>
-
-<file path=ppt/slides/slide4.xml><?xml version="1.0" encoding="utf-8"?>
-<p:sld xmlns:a="http://schemas.openxmlformats.org/drawingml/2006/main" xmlns:r="http://schemas.openxmlformats.org/officeDocument/2006/relationships" xmlns:p="http://schemas.openxmlformats.org/presentationml/2006/main">
-  <p:cSld>
-    <p:spTree>
-      <p:nvGrpSpPr>
-        <p:cNvPr id="1" name=""/>
-        <p:cNvGrpSpPr/>
-        <p:nvPr/>
-      </p:nvGrpSpPr>
-      <p:grpSpPr>
-        <a:xfrm>
-          <a:off x="0" y="0"/>
-          <a:ext cx="0" cy="0"/>
-          <a:chOff x="0" y="0"/>
-          <a:chExt cx="0" cy="0"/>
-        </a:xfrm>
-      </p:grpSpPr>
-      <p:sp>
-        <p:nvSpPr>
-          <p:cNvPr id="2" name="Title 1"/>
-          <p:cNvSpPr>
-            <a:spLocks noGrp="1"/>
-          </p:cNvSpPr>
-          <p:nvPr>
-            <p:ph type="title"/>
-          </p:nvPr>
-        </p:nvSpPr>
-        <p:spPr/>
-        <p:txBody>
-          <a:bodyPr/>
-          <a:lstStyle/>
-          <a:p>
             <a:r>
               <a:rPr lang="en-US" dirty="0" smtClean="0"/>
-              <a:t>Scenario 1</a:t>
-            </a:r>
-            <a:endParaRPr lang="en-US" dirty="0"/>
-          </a:p>
-        </p:txBody>
-      </p:sp>
-      <p:sp>
-        <p:nvSpPr>
-          <p:cNvPr id="3" name="Content Placeholder 2"/>
-          <p:cNvSpPr>
-            <a:spLocks noGrp="1"/>
-          </p:cNvSpPr>
-          <p:nvPr>
-            <p:ph idx="1"/>
-          </p:nvPr>
-        </p:nvSpPr>
-        <p:spPr/>
-        <p:txBody>
-          <a:bodyPr/>
-          <a:lstStyle/>
+              <a:t>You added a new feature to a website</a:t>
+            </a:r>
+            <a:endParaRPr lang="en-US" altLang="zh-TW" dirty="0" smtClean="0"/>
+          </a:p>
           <a:p>
             <a:r>
               <a:rPr lang="en-US" dirty="0" smtClean="0"/>
-              <a:t>You made a web design change to </a:t>
-            </a:r>
-            <a:r>
-              <a:rPr lang="en-US" b="1" dirty="0" smtClean="0"/>
-              <a:t>attract users</a:t>
-            </a:r>
-            <a:r>
-              <a:rPr lang="en-US" dirty="0" smtClean="0"/>
-              <a:t> to click </a:t>
-            </a:r>
-            <a:r>
-              <a:rPr lang="zh-TW" altLang="en-US" dirty="0" smtClean="0"/>
-              <a:t>安心訂購 </a:t>
-            </a:r>
-            <a:endParaRPr lang="en-US" altLang="zh-TW" dirty="0" smtClean="0"/>
-          </a:p>
-          <a:p>
-            <a:r>
-              <a:rPr lang="en-US" dirty="0" smtClean="0"/>
-              <a:t>Launched it on Mar 1</a:t>
-            </a:r>
-            <a:r>
-              <a:rPr lang="en-US" baseline="30000" dirty="0" smtClean="0"/>
-              <a:t>st</a:t>
-            </a:r>
-            <a:r>
-              <a:rPr lang="en-US" dirty="0" smtClean="0"/>
-              <a:t> </a:t>
+              <a:t>Launched it.</a:t>
             </a:r>
           </a:p>
           <a:p>
@@ -7014,22 +9896,28 @@
       </p:sp>
       <p:pic>
         <p:nvPicPr>
-          <p:cNvPr id="5" name="Picture 4"/>
+          <p:cNvPr id="6" name="Content Placeholder 5"/>
           <p:cNvPicPr>
             <a:picLocks noChangeAspect="1"/>
           </p:cNvPicPr>
           <p:nvPr/>
         </p:nvPicPr>
         <p:blipFill>
-          <a:blip r:embed="rId2"/>
+          <a:blip r:embed="rId2">
+            <a:extLst>
+              <a:ext uri="{28A0092B-C50C-407E-A947-70E740481C1C}">
+                <a14:useLocalDpi xmlns:a14="http://schemas.microsoft.com/office/drawing/2010/main" val="0"/>
+              </a:ext>
+            </a:extLst>
+          </a:blip>
           <a:stretch>
             <a:fillRect/>
           </a:stretch>
         </p:blipFill>
         <p:spPr>
           <a:xfrm>
-            <a:off x="8117840" y="685006"/>
-            <a:ext cx="2540000" cy="685800"/>
+            <a:off x="7256371" y="1959427"/>
+            <a:ext cx="3844799" cy="3115129"/>
           </a:xfrm>
           <a:prstGeom prst="rect">
             <a:avLst/>
@@ -7128,7 +10016,7 @@
 </p:sld>
 </file>
 
-<file path=ppt/slides/slide5.xml><?xml version="1.0" encoding="utf-8"?>
+<file path=ppt/slides/slide4.xml><?xml version="1.0" encoding="utf-8"?>
 <p:sld xmlns:a="http://schemas.openxmlformats.org/drawingml/2006/main" xmlns:r="http://schemas.openxmlformats.org/officeDocument/2006/relationships" xmlns:p="http://schemas.openxmlformats.org/presentationml/2006/main">
   <p:cSld>
     <p:spTree>
@@ -7147,7 +10035,7 @@
       </p:grpSpPr>
       <p:sp>
         <p:nvSpPr>
-          <p:cNvPr id="2" name="Title 1"/>
+          <p:cNvPr id="4" name="Title 3"/>
           <p:cNvSpPr>
             <a:spLocks noGrp="1"/>
           </p:cNvSpPr>
@@ -7162,86 +10050,7 @@
           <a:p>
             <a:r>
               <a:rPr lang="en-US" dirty="0" smtClean="0"/>
-              <a:t>“It is not a big change…”</a:t>
-            </a:r>
-            <a:endParaRPr lang="en-US" dirty="0"/>
-          </a:p>
-        </p:txBody>
-      </p:sp>
-      <p:sp>
-        <p:nvSpPr>
-          <p:cNvPr id="3" name="Text Placeholder 2"/>
-          <p:cNvSpPr>
-            <a:spLocks noGrp="1"/>
-          </p:cNvSpPr>
-          <p:nvPr>
-            <p:ph type="body" idx="1"/>
-          </p:nvPr>
-        </p:nvSpPr>
-        <p:spPr/>
-        <p:txBody>
-          <a:bodyPr/>
-          <a:lstStyle/>
-          <a:p>
-            <a:endParaRPr lang="en-US" dirty="0"/>
-          </a:p>
-        </p:txBody>
-      </p:sp>
-    </p:spTree>
-    <p:extLst>
-      <p:ext uri="{BB962C8B-B14F-4D97-AF65-F5344CB8AC3E}">
-        <p14:creationId xmlns:p14="http://schemas.microsoft.com/office/powerpoint/2010/main" val="1834730159"/>
-      </p:ext>
-    </p:extLst>
-  </p:cSld>
-  <p:clrMapOvr>
-    <a:masterClrMapping/>
-  </p:clrMapOvr>
-  <p:timing>
-    <p:tnLst>
-      <p:par>
-        <p:cTn id="1" dur="indefinite" restart="never" nodeType="tmRoot"/>
-      </p:par>
-    </p:tnLst>
-  </p:timing>
-</p:sld>
-</file>
-
-<file path=ppt/slides/slide6.xml><?xml version="1.0" encoding="utf-8"?>
-<p:sld xmlns:a="http://schemas.openxmlformats.org/drawingml/2006/main" xmlns:r="http://schemas.openxmlformats.org/officeDocument/2006/relationships" xmlns:p="http://schemas.openxmlformats.org/presentationml/2006/main">
-  <p:cSld>
-    <p:spTree>
-      <p:nvGrpSpPr>
-        <p:cNvPr id="1" name=""/>
-        <p:cNvGrpSpPr/>
-        <p:nvPr/>
-      </p:nvGrpSpPr>
-      <p:grpSpPr>
-        <a:xfrm>
-          <a:off x="0" y="0"/>
-          <a:ext cx="0" cy="0"/>
-          <a:chOff x="0" y="0"/>
-          <a:chExt cx="0" cy="0"/>
-        </a:xfrm>
-      </p:grpSpPr>
-      <p:sp>
-        <p:nvSpPr>
-          <p:cNvPr id="4" name="Title 3"/>
-          <p:cNvSpPr>
-            <a:spLocks noGrp="1"/>
-          </p:cNvSpPr>
-          <p:nvPr>
-            <p:ph type="title"/>
-          </p:nvPr>
-        </p:nvSpPr>
-        <p:spPr/>
-        <p:txBody>
-          <a:bodyPr/>
-          <a:lstStyle/>
-          <a:p>
-            <a:r>
-              <a:rPr lang="en-US" dirty="0" smtClean="0"/>
-              <a:t>It is not a big change…</a:t>
+              <a:t>Scenario 1</a:t>
             </a:r>
             <a:endParaRPr lang="en-US" dirty="0"/>
           </a:p>
@@ -7444,76 +10253,6 @@
           </a:p>
         </p:txBody>
       </p:sp>
-      <p:cxnSp>
-        <p:nvCxnSpPr>
-          <p:cNvPr id="15" name="Straight Connector 14"/>
-          <p:cNvCxnSpPr/>
-          <p:nvPr/>
-        </p:nvCxnSpPr>
-        <p:spPr>
-          <a:xfrm>
-            <a:off x="3187700" y="3175000"/>
-            <a:ext cx="1016000" cy="381000"/>
-          </a:xfrm>
-          <a:prstGeom prst="line">
-            <a:avLst/>
-          </a:prstGeom>
-          <a:ln w="28575">
-            <a:solidFill>
-              <a:srgbClr val="FF0000"/>
-            </a:solidFill>
-          </a:ln>
-        </p:spPr>
-        <p:style>
-          <a:lnRef idx="1">
-            <a:schemeClr val="accent1"/>
-          </a:lnRef>
-          <a:fillRef idx="0">
-            <a:schemeClr val="accent1"/>
-          </a:fillRef>
-          <a:effectRef idx="0">
-            <a:schemeClr val="accent1"/>
-          </a:effectRef>
-          <a:fontRef idx="minor">
-            <a:schemeClr val="tx1"/>
-          </a:fontRef>
-        </p:style>
-      </p:cxnSp>
-      <p:cxnSp>
-        <p:nvCxnSpPr>
-          <p:cNvPr id="16" name="Straight Connector 15"/>
-          <p:cNvCxnSpPr/>
-          <p:nvPr/>
-        </p:nvCxnSpPr>
-        <p:spPr>
-          <a:xfrm flipV="1">
-            <a:off x="3187700" y="3175000"/>
-            <a:ext cx="1016000" cy="381000"/>
-          </a:xfrm>
-          <a:prstGeom prst="line">
-            <a:avLst/>
-          </a:prstGeom>
-          <a:ln w="28575">
-            <a:solidFill>
-              <a:srgbClr val="FF0000"/>
-            </a:solidFill>
-          </a:ln>
-        </p:spPr>
-        <p:style>
-          <a:lnRef idx="1">
-            <a:schemeClr val="accent1"/>
-          </a:lnRef>
-          <a:fillRef idx="0">
-            <a:schemeClr val="accent1"/>
-          </a:fillRef>
-          <a:effectRef idx="0">
-            <a:schemeClr val="accent1"/>
-          </a:effectRef>
-          <a:fontRef idx="minor">
-            <a:schemeClr val="tx1"/>
-          </a:fontRef>
-        </p:style>
-      </p:cxnSp>
       <p:sp>
         <p:nvSpPr>
           <p:cNvPr id="19" name="Rectangle 18"/>
@@ -7660,7 +10399,102 @@
 </p:sld>
 </file>
 
-<file path=ppt/slides/slide7.xml><?xml version="1.0" encoding="utf-8"?>
+<file path=ppt/slides/slide5.xml><?xml version="1.0" encoding="utf-8"?>
+<p:sld xmlns:a="http://schemas.openxmlformats.org/drawingml/2006/main" xmlns:r="http://schemas.openxmlformats.org/officeDocument/2006/relationships" xmlns:p="http://schemas.openxmlformats.org/presentationml/2006/main">
+  <p:cSld>
+    <p:spTree>
+      <p:nvGrpSpPr>
+        <p:cNvPr id="1" name=""/>
+        <p:cNvGrpSpPr/>
+        <p:nvPr/>
+      </p:nvGrpSpPr>
+      <p:grpSpPr>
+        <a:xfrm>
+          <a:off x="0" y="0"/>
+          <a:ext cx="0" cy="0"/>
+          <a:chOff x="0" y="0"/>
+          <a:chExt cx="0" cy="0"/>
+        </a:xfrm>
+      </p:grpSpPr>
+      <p:sp>
+        <p:nvSpPr>
+          <p:cNvPr id="4" name="Title 3"/>
+          <p:cNvSpPr>
+            <a:spLocks noGrp="1"/>
+          </p:cNvSpPr>
+          <p:nvPr>
+            <p:ph type="title"/>
+          </p:nvPr>
+        </p:nvSpPr>
+        <p:spPr>
+          <a:xfrm>
+            <a:off x="555171" y="1709738"/>
+            <a:ext cx="11201400" cy="2852737"/>
+          </a:xfrm>
+        </p:spPr>
+        <p:txBody>
+          <a:bodyPr/>
+          <a:lstStyle/>
+          <a:p>
+            <a:r>
+              <a:rPr lang="en-US" sz="5400" dirty="0" smtClean="0"/>
+              <a:t>Lesson learned:</a:t>
+            </a:r>
+            <a:r>
+              <a:rPr lang="en-US" dirty="0" smtClean="0"/>
+              <a:t> </a:t>
+            </a:r>
+            <a:br>
+              <a:rPr lang="en-US" dirty="0" smtClean="0"/>
+            </a:br>
+            <a:r>
+              <a:rPr lang="en-US" b="1" dirty="0" smtClean="0"/>
+              <a:t>Need to measure the impact early</a:t>
+            </a:r>
+            <a:endParaRPr lang="en-US" b="1" dirty="0"/>
+          </a:p>
+        </p:txBody>
+      </p:sp>
+      <p:sp>
+        <p:nvSpPr>
+          <p:cNvPr id="5" name="Text Placeholder 4"/>
+          <p:cNvSpPr>
+            <a:spLocks noGrp="1"/>
+          </p:cNvSpPr>
+          <p:nvPr>
+            <p:ph type="body" idx="1"/>
+          </p:nvPr>
+        </p:nvSpPr>
+        <p:spPr/>
+        <p:txBody>
+          <a:bodyPr/>
+          <a:lstStyle/>
+          <a:p>
+            <a:endParaRPr lang="en-US"/>
+          </a:p>
+        </p:txBody>
+      </p:sp>
+    </p:spTree>
+    <p:extLst>
+      <p:ext uri="{BB962C8B-B14F-4D97-AF65-F5344CB8AC3E}">
+        <p14:creationId xmlns:p14="http://schemas.microsoft.com/office/powerpoint/2010/main" val="1752430285"/>
+      </p:ext>
+    </p:extLst>
+  </p:cSld>
+  <p:clrMapOvr>
+    <a:masterClrMapping/>
+  </p:clrMapOvr>
+  <p:timing>
+    <p:tnLst>
+      <p:par>
+        <p:cTn id="1" dur="indefinite" restart="never" nodeType="tmRoot"/>
+      </p:par>
+    </p:tnLst>
+  </p:timing>
+</p:sld>
+</file>
+
+<file path=ppt/slides/slide6.xml><?xml version="1.0" encoding="utf-8"?>
 <p:sld xmlns:a="http://schemas.openxmlformats.org/drawingml/2006/main" xmlns:r="http://schemas.openxmlformats.org/officeDocument/2006/relationships" xmlns:p="http://schemas.openxmlformats.org/presentationml/2006/main">
   <p:cSld>
     <p:spTree>
@@ -8069,7 +10903,7 @@
 </p:sld>
 </file>
 
-<file path=ppt/slides/slide8.xml><?xml version="1.0" encoding="utf-8"?>
+<file path=ppt/slides/slide7.xml><?xml version="1.0" encoding="utf-8"?>
 <p:sld xmlns:a="http://schemas.openxmlformats.org/drawingml/2006/main" xmlns:r="http://schemas.openxmlformats.org/officeDocument/2006/relationships" xmlns:p="http://schemas.openxmlformats.org/presentationml/2006/main">
   <p:cSld>
     <p:spTree>
@@ -8103,7 +10937,7 @@
           <a:p>
             <a:r>
               <a:rPr lang="en-US" dirty="0" smtClean="0"/>
-              <a:t>Possible factors</a:t>
+              <a:t>Possible Reasons</a:t>
             </a:r>
             <a:endParaRPr lang="en-US" dirty="0"/>
           </a:p>
@@ -8123,6 +10957,12 @@
         <p:txBody>
           <a:bodyPr/>
           <a:lstStyle/>
+          <a:p>
+            <a:r>
+              <a:rPr lang="en-US" dirty="0" smtClean="0"/>
+              <a:t>New feature is good</a:t>
+            </a:r>
+          </a:p>
           <a:p>
             <a:r>
               <a:rPr lang="en-US" dirty="0" smtClean="0"/>
@@ -8393,6 +11233,55 @@
                       </p:childTnLst>
                     </p:cTn>
                   </p:par>
+                  <p:par>
+                    <p:cTn id="19" fill="hold">
+                      <p:stCondLst>
+                        <p:cond delay="indefinite"/>
+                      </p:stCondLst>
+                      <p:childTnLst>
+                        <p:par>
+                          <p:cTn id="20" fill="hold">
+                            <p:stCondLst>
+                              <p:cond delay="0"/>
+                            </p:stCondLst>
+                            <p:childTnLst>
+                              <p:par>
+                                <p:cTn id="21" presetID="1" presetClass="entr" presetSubtype="0" fill="hold" grpId="0" nodeType="clickEffect">
+                                  <p:stCondLst>
+                                    <p:cond delay="0"/>
+                                  </p:stCondLst>
+                                  <p:childTnLst>
+                                    <p:set>
+                                      <p:cBhvr>
+                                        <p:cTn id="22" dur="1" fill="hold">
+                                          <p:stCondLst>
+                                            <p:cond delay="0"/>
+                                          </p:stCondLst>
+                                        </p:cTn>
+                                        <p:tgtEl>
+                                          <p:spTgt spid="3">
+                                            <p:txEl>
+                                              <p:pRg st="4" end="4"/>
+                                            </p:txEl>
+                                          </p:spTgt>
+                                        </p:tgtEl>
+                                        <p:attrNameLst>
+                                          <p:attrName>style.visibility</p:attrName>
+                                        </p:attrNameLst>
+                                      </p:cBhvr>
+                                      <p:to>
+                                        <p:strVal val="visible"/>
+                                      </p:to>
+                                    </p:set>
+                                  </p:childTnLst>
+                                </p:cTn>
+                              </p:par>
+                            </p:childTnLst>
+                          </p:cTn>
+                        </p:par>
+                      </p:childTnLst>
+                    </p:cTn>
+                  </p:par>
                 </p:childTnLst>
               </p:cTn>
               <p:prevCondLst>
@@ -8421,6 +11310,85 @@
 </p:sld>
 </file>
 
+<file path=ppt/slides/slide8.xml><?xml version="1.0" encoding="utf-8"?>
+<p:sld xmlns:a="http://schemas.openxmlformats.org/drawingml/2006/main" xmlns:r="http://schemas.openxmlformats.org/officeDocument/2006/relationships" xmlns:p="http://schemas.openxmlformats.org/presentationml/2006/main">
+  <p:cSld>
+    <p:spTree>
+      <p:nvGrpSpPr>
+        <p:cNvPr id="1" name=""/>
+        <p:cNvGrpSpPr/>
+        <p:nvPr/>
+      </p:nvGrpSpPr>
+      <p:grpSpPr>
+        <a:xfrm>
+          <a:off x="0" y="0"/>
+          <a:ext cx="0" cy="0"/>
+          <a:chOff x="0" y="0"/>
+          <a:chExt cx="0" cy="0"/>
+        </a:xfrm>
+      </p:grpSpPr>
+      <p:sp>
+        <p:nvSpPr>
+          <p:cNvPr id="2" name="Title 1"/>
+          <p:cNvSpPr>
+            <a:spLocks noGrp="1"/>
+          </p:cNvSpPr>
+          <p:nvPr>
+            <p:ph type="title"/>
+          </p:nvPr>
+        </p:nvSpPr>
+        <p:spPr/>
+        <p:txBody>
+          <a:bodyPr/>
+          <a:lstStyle/>
+          <a:p>
+            <a:r>
+              <a:rPr lang="en-US" dirty="0" smtClean="0"/>
+              <a:t>Ok.  Then let’s do A/B Testing</a:t>
+            </a:r>
+            <a:endParaRPr lang="en-US" dirty="0"/>
+          </a:p>
+        </p:txBody>
+      </p:sp>
+      <p:sp>
+        <p:nvSpPr>
+          <p:cNvPr id="3" name="Text Placeholder 2"/>
+          <p:cNvSpPr>
+            <a:spLocks noGrp="1"/>
+          </p:cNvSpPr>
+          <p:nvPr>
+            <p:ph type="body" idx="1"/>
+          </p:nvPr>
+        </p:nvSpPr>
+        <p:spPr/>
+        <p:txBody>
+          <a:bodyPr/>
+          <a:lstStyle/>
+          <a:p>
+            <a:endParaRPr lang="en-US"/>
+          </a:p>
+        </p:txBody>
+      </p:sp>
+    </p:spTree>
+    <p:extLst>
+      <p:ext uri="{BB962C8B-B14F-4D97-AF65-F5344CB8AC3E}">
+        <p14:creationId xmlns:p14="http://schemas.microsoft.com/office/powerpoint/2010/main" val="1890008570"/>
+      </p:ext>
+    </p:extLst>
+  </p:cSld>
+  <p:clrMapOvr>
+    <a:masterClrMapping/>
+  </p:clrMapOvr>
+  <p:timing>
+    <p:tnLst>
+      <p:par>
+        <p:cTn id="1" dur="indefinite" restart="never" nodeType="tmRoot"/>
+      </p:par>
+    </p:tnLst>
+  </p:timing>
+</p:sld>
+</file>
+
 <file path=ppt/slides/slide9.xml><?xml version="1.0" encoding="utf-8"?>
 <p:sld xmlns:a="http://schemas.openxmlformats.org/drawingml/2006/main" xmlns:r="http://schemas.openxmlformats.org/officeDocument/2006/relationships" xmlns:p="http://schemas.openxmlformats.org/presentationml/2006/main">
   <p:cSld>
@@ -8438,6 +11406,30 @@
           <a:chExt cx="0" cy="0"/>
         </a:xfrm>
       </p:grpSpPr>
+      <p:pic>
+        <p:nvPicPr>
+          <p:cNvPr id="3" name="Picture 2"/>
+          <p:cNvPicPr>
+            <a:picLocks noChangeAspect="1"/>
+          </p:cNvPicPr>
+          <p:nvPr/>
+        </p:nvPicPr>
+        <p:blipFill>
+          <a:blip r:embed="rId2"/>
+          <a:stretch>
+            <a:fillRect/>
+          </a:stretch>
+        </p:blipFill>
+        <p:spPr>
+          <a:xfrm>
+            <a:off x="2677876" y="994225"/>
+            <a:ext cx="6477000" cy="5359400"/>
+          </a:xfrm>
+          <a:prstGeom prst="rect">
+            <a:avLst/>
+          </a:prstGeom>
+        </p:spPr>
+      </p:pic>
       <p:sp>
         <p:nvSpPr>
           <p:cNvPr id="2" name="Title 1"/>
@@ -8448,14 +11440,19 @@
             <p:ph type="title"/>
           </p:nvPr>
         </p:nvSpPr>
-        <p:spPr/>
+        <p:spPr>
+          <a:xfrm>
+            <a:off x="560612" y="136520"/>
+            <a:ext cx="10515600" cy="1325563"/>
+          </a:xfrm>
+        </p:spPr>
         <p:txBody>
           <a:bodyPr/>
           <a:lstStyle/>
           <a:p>
             <a:r>
               <a:rPr lang="en-US" dirty="0" smtClean="0"/>
-              <a:t>Ok.  Then let’s do A/B Testing</a:t>
+              <a:t>High-level flow for an A/B Test</a:t>
             </a:r>
             <a:endParaRPr lang="en-US" dirty="0"/>
           </a:p>
@@ -8463,27 +11460,79 @@
       </p:sp>
       <p:sp>
         <p:nvSpPr>
-          <p:cNvPr id="3" name="Text Placeholder 2"/>
-          <p:cNvSpPr>
-            <a:spLocks noGrp="1"/>
-          </p:cNvSpPr>
-          <p:nvPr>
-            <p:ph type="body" idx="1"/>
-          </p:nvPr>
-        </p:nvSpPr>
-        <p:spPr/>
-        <p:txBody>
-          <a:bodyPr/>
+          <p:cNvPr id="6" name="Rectangle 5"/>
+          <p:cNvSpPr/>
+          <p:nvPr/>
+        </p:nvSpPr>
+        <p:spPr>
+          <a:xfrm>
+            <a:off x="764342" y="3458676"/>
+            <a:ext cx="10786286" cy="923330"/>
+          </a:xfrm>
+          <a:prstGeom prst="rect">
+            <a:avLst/>
+          </a:prstGeom>
+          <a:noFill/>
+        </p:spPr>
+        <p:txBody>
+          <a:bodyPr wrap="none" lIns="91440" tIns="45720" rIns="91440" bIns="45720">
+            <a:spAutoFit/>
+          </a:bodyPr>
           <a:lstStyle/>
           <a:p>
-            <a:endParaRPr lang="en-US"/>
+            <a:pPr algn="ctr"/>
+            <a:r>
+              <a:rPr lang="en-US" sz="5400" dirty="0" smtClean="0">
+                <a:ln w="0"/>
+                <a:solidFill>
+                  <a:srgbClr val="FF0000"/>
+                </a:solidFill>
+                <a:effectLst>
+                  <a:outerShdw blurRad="38100" dist="25400" dir="5400000" algn="ctr" rotWithShape="0">
+                    <a:srgbClr val="6E747A">
+                      <a:alpha val="43000"/>
+                    </a:srgbClr>
+                  </a:outerShdw>
+                </a:effectLst>
+              </a:rPr>
+              <a:t>External factors apply </a:t>
+            </a:r>
+            <a:r>
+              <a:rPr lang="en-US" sz="5400" smtClean="0">
+                <a:ln w="0"/>
+                <a:solidFill>
+                  <a:srgbClr val="FF0000"/>
+                </a:solidFill>
+                <a:effectLst>
+                  <a:outerShdw blurRad="38100" dist="25400" dir="5400000" algn="ctr" rotWithShape="0">
+                    <a:srgbClr val="6E747A">
+                      <a:alpha val="43000"/>
+                    </a:srgbClr>
+                  </a:outerShdw>
+                </a:effectLst>
+              </a:rPr>
+              <a:t>to both groups!</a:t>
+            </a:r>
+            <a:endParaRPr lang="en-US" sz="5400" dirty="0">
+              <a:ln w="0"/>
+              <a:solidFill>
+                <a:srgbClr val="FF0000"/>
+              </a:solidFill>
+              <a:effectLst>
+                <a:outerShdw blurRad="38100" dist="25400" dir="5400000" algn="ctr" rotWithShape="0">
+                  <a:srgbClr val="6E747A">
+                    <a:alpha val="43000"/>
+                  </a:srgbClr>
+                </a:outerShdw>
+              </a:effectLst>
+            </a:endParaRPr>
           </a:p>
         </p:txBody>
       </p:sp>
     </p:spTree>
     <p:extLst>
       <p:ext uri="{BB962C8B-B14F-4D97-AF65-F5344CB8AC3E}">
-        <p14:creationId xmlns:p14="http://schemas.microsoft.com/office/powerpoint/2010/main" val="1890008570"/>
+        <p14:creationId xmlns:p14="http://schemas.microsoft.com/office/powerpoint/2010/main" val="1359101949"/>
       </p:ext>
     </p:extLst>
   </p:cSld>
@@ -8493,9 +11542,80 @@
   <p:timing>
     <p:tnLst>
       <p:par>
-        <p:cTn id="1" dur="indefinite" restart="never" nodeType="tmRoot"/>
+        <p:cTn id="1" dur="indefinite" restart="never" nodeType="tmRoot">
+          <p:childTnLst>
+            <p:seq concurrent="1" nextAc="seek">
+              <p:cTn id="2" dur="indefinite" nodeType="mainSeq">
+                <p:childTnLst>
+                  <p:par>
+                    <p:cTn id="3" fill="hold">
+                      <p:stCondLst>
+                        <p:cond delay="indefinite"/>
+                      </p:stCondLst>
+                      <p:childTnLst>
+                        <p:par>
+                          <p:cTn id="4" fill="hold">
+                            <p:stCondLst>
+                              <p:cond delay="0"/>
+                            </p:stCondLst>
+                            <p:childTnLst>
+                              <p:par>
+                                <p:cTn id="5" presetID="1" presetClass="entr" presetSubtype="0" fill="hold" grpId="0" nodeType="clickEffect">
+                                  <p:stCondLst>
+                                    <p:cond delay="0"/>
+                                  </p:stCondLst>
+                                  <p:childTnLst>
+                                    <p:set>
+                                      <p:cBhvr>
+                                        <p:cTn id="6" dur="1" fill="hold">
+                                          <p:stCondLst>
+                                            <p:cond delay="0"/>
+                                          </p:stCondLst>
+                                        </p:cTn>
+                                        <p:tgtEl>
+                                          <p:spTgt spid="6"/>
+                                        </p:tgtEl>
+                                        <p:attrNameLst>
+                                          <p:attrName>style.visibility</p:attrName>
+                                        </p:attrNameLst>
+                                      </p:cBhvr>
+                                      <p:to>
+                                        <p:strVal val="visible"/>
+                                      </p:to>
+                                    </p:set>
+                                  </p:childTnLst>
+                                </p:cTn>
+                              </p:par>
+                            </p:childTnLst>
+                          </p:cTn>
+                        </p:par>
+                      </p:childTnLst>
+                    </p:cTn>
+                  </p:par>
+                </p:childTnLst>
+              </p:cTn>
+              <p:prevCondLst>
+                <p:cond evt="onPrev" delay="0">
+                  <p:tgtEl>
+                    <p:sldTgt/>
+                  </p:tgtEl>
+                </p:cond>
+              </p:prevCondLst>
+              <p:nextCondLst>
+                <p:cond evt="onNext" delay="0">
+                  <p:tgtEl>
+                    <p:sldTgt/>
+                  </p:tgtEl>
+                </p:cond>
+              </p:nextCondLst>
+            </p:seq>
+          </p:childTnLst>
+        </p:cTn>
       </p:par>
     </p:tnLst>
+    <p:bldLst>
+      <p:bldP spid="6" grpId="0"/>
+    </p:bldLst>
   </p:timing>
 </p:sld>
 </file>

--- a/FieldExperiments/AB Testing.pptx
+++ b/FieldExperiments/AB Testing.pptx
@@ -5,7 +5,7 @@
     <p:sldMasterId id="2147483648" r:id="rId1"/>
   </p:sldMasterIdLst>
   <p:notesMasterIdLst>
-    <p:notesMasterId r:id="rId31"/>
+    <p:notesMasterId r:id="rId32"/>
   </p:notesMasterIdLst>
   <p:sldIdLst>
     <p:sldId id="256" r:id="rId2"/>
@@ -34,9 +34,10 @@
     <p:sldId id="283" r:id="rId25"/>
     <p:sldId id="284" r:id="rId26"/>
     <p:sldId id="273" r:id="rId27"/>
-    <p:sldId id="287" r:id="rId28"/>
-    <p:sldId id="281" r:id="rId29"/>
-    <p:sldId id="278" r:id="rId30"/>
+    <p:sldId id="288" r:id="rId28"/>
+    <p:sldId id="287" r:id="rId29"/>
+    <p:sldId id="281" r:id="rId30"/>
+    <p:sldId id="278" r:id="rId31"/>
   </p:sldIdLst>
   <p:sldSz cx="12192000" cy="6858000"/>
   <p:notesSz cx="6858000" cy="9144000"/>
@@ -135,6 +136,11 @@
       </a:defRPr>
     </a:lvl9pPr>
   </p:defaultTextStyle>
+  <p:extLst>
+    <p:ext uri="{EFAFB233-063F-42B5-8137-9DF3F51BA10A}">
+      <p15:sldGuideLst xmlns:p15="http://schemas.microsoft.com/office/powerpoint/2012/main"/>
+    </p:ext>
+  </p:extLst>
 </p:presentation>
 </file>
 
@@ -220,7 +226,7 @@
           <a:p>
             <a:fld id="{0337917A-A60C-5244-BE8E-4D0A98559167}" type="datetimeFigureOut">
               <a:rPr lang="en-US" smtClean="0"/>
-              <a:t>3/10/16</a:t>
+              <a:t>3/11/16</a:t>
             </a:fld>
             <a:endParaRPr lang="en-US"/>
           </a:p>
@@ -787,7 +793,7 @@
           <a:p>
             <a:fld id="{24D15155-0E0B-3F46-8B87-6AAF3857DCAB}" type="datetimeFigureOut">
               <a:rPr lang="en-US" smtClean="0"/>
-              <a:t>3/10/16</a:t>
+              <a:t>3/11/16</a:t>
             </a:fld>
             <a:endParaRPr lang="en-US"/>
           </a:p>
@@ -957,7 +963,7 @@
           <a:p>
             <a:fld id="{24D15155-0E0B-3F46-8B87-6AAF3857DCAB}" type="datetimeFigureOut">
               <a:rPr lang="en-US" smtClean="0"/>
-              <a:t>3/10/16</a:t>
+              <a:t>3/11/16</a:t>
             </a:fld>
             <a:endParaRPr lang="en-US"/>
           </a:p>
@@ -1137,7 +1143,7 @@
           <a:p>
             <a:fld id="{24D15155-0E0B-3F46-8B87-6AAF3857DCAB}" type="datetimeFigureOut">
               <a:rPr lang="en-US" smtClean="0"/>
-              <a:t>3/10/16</a:t>
+              <a:t>3/11/16</a:t>
             </a:fld>
             <a:endParaRPr lang="en-US"/>
           </a:p>
@@ -1307,7 +1313,7 @@
           <a:p>
             <a:fld id="{24D15155-0E0B-3F46-8B87-6AAF3857DCAB}" type="datetimeFigureOut">
               <a:rPr lang="en-US" smtClean="0"/>
-              <a:t>3/10/16</a:t>
+              <a:t>3/11/16</a:t>
             </a:fld>
             <a:endParaRPr lang="en-US"/>
           </a:p>
@@ -1553,7 +1559,7 @@
           <a:p>
             <a:fld id="{24D15155-0E0B-3F46-8B87-6AAF3857DCAB}" type="datetimeFigureOut">
               <a:rPr lang="en-US" smtClean="0"/>
-              <a:t>3/10/16</a:t>
+              <a:t>3/11/16</a:t>
             </a:fld>
             <a:endParaRPr lang="en-US"/>
           </a:p>
@@ -1785,7 +1791,7 @@
           <a:p>
             <a:fld id="{24D15155-0E0B-3F46-8B87-6AAF3857DCAB}" type="datetimeFigureOut">
               <a:rPr lang="en-US" smtClean="0"/>
-              <a:t>3/10/16</a:t>
+              <a:t>3/11/16</a:t>
             </a:fld>
             <a:endParaRPr lang="en-US"/>
           </a:p>
@@ -2152,7 +2158,7 @@
           <a:p>
             <a:fld id="{24D15155-0E0B-3F46-8B87-6AAF3857DCAB}" type="datetimeFigureOut">
               <a:rPr lang="en-US" smtClean="0"/>
-              <a:t>3/10/16</a:t>
+              <a:t>3/11/16</a:t>
             </a:fld>
             <a:endParaRPr lang="en-US"/>
           </a:p>
@@ -2270,7 +2276,7 @@
           <a:p>
             <a:fld id="{24D15155-0E0B-3F46-8B87-6AAF3857DCAB}" type="datetimeFigureOut">
               <a:rPr lang="en-US" smtClean="0"/>
-              <a:t>3/10/16</a:t>
+              <a:t>3/11/16</a:t>
             </a:fld>
             <a:endParaRPr lang="en-US"/>
           </a:p>
@@ -2365,7 +2371,7 @@
           <a:p>
             <a:fld id="{24D15155-0E0B-3F46-8B87-6AAF3857DCAB}" type="datetimeFigureOut">
               <a:rPr lang="en-US" smtClean="0"/>
-              <a:t>3/10/16</a:t>
+              <a:t>3/11/16</a:t>
             </a:fld>
             <a:endParaRPr lang="en-US"/>
           </a:p>
@@ -2642,7 +2648,7 @@
           <a:p>
             <a:fld id="{24D15155-0E0B-3F46-8B87-6AAF3857DCAB}" type="datetimeFigureOut">
               <a:rPr lang="en-US" smtClean="0"/>
-              <a:t>3/10/16</a:t>
+              <a:t>3/11/16</a:t>
             </a:fld>
             <a:endParaRPr lang="en-US"/>
           </a:p>
@@ -2895,7 +2901,7 @@
           <a:p>
             <a:fld id="{24D15155-0E0B-3F46-8B87-6AAF3857DCAB}" type="datetimeFigureOut">
               <a:rPr lang="en-US" smtClean="0"/>
-              <a:t>3/10/16</a:t>
+              <a:t>3/11/16</a:t>
             </a:fld>
             <a:endParaRPr lang="en-US"/>
           </a:p>
@@ -3108,7 +3114,7 @@
           <a:p>
             <a:fld id="{24D15155-0E0B-3F46-8B87-6AAF3857DCAB}" type="datetimeFigureOut">
               <a:rPr lang="en-US" smtClean="0"/>
-              <a:t>3/10/16</a:t>
+              <a:t>3/11/16</a:t>
             </a:fld>
             <a:endParaRPr lang="en-US"/>
           </a:p>
@@ -3857,7 +3863,6 @@
               <a:rPr lang="en-US" altLang="zh-TW" dirty="0" smtClean="0"/>
               <a:t>B: 330</a:t>
             </a:r>
-            <a:endParaRPr lang="en-US" altLang="zh-TW" dirty="0" smtClean="0"/>
           </a:p>
           <a:p>
             <a:r>
@@ -4593,7 +4598,7 @@
         <p:spPr/>
         <p:txBody>
           <a:bodyPr>
-            <a:normAutofit lnSpcReduction="10000"/>
+            <a:normAutofit fontScale="92500" lnSpcReduction="20000"/>
           </a:bodyPr>
           <a:lstStyle/>
           <a:p>
@@ -4663,7 +4668,19 @@
             </a:pPr>
             <a:r>
               <a:rPr lang="en-US" sz="2400" dirty="0" smtClean="0"/>
-              <a:t>Increase size of each group to 10,000: ~1/3 </a:t>
+              <a:t>Increase </a:t>
+            </a:r>
+            <a:r>
+              <a:rPr lang="en-US" sz="2400" b="1" dirty="0" smtClean="0"/>
+              <a:t>sample size</a:t>
+            </a:r>
+            <a:r>
+              <a:rPr lang="en-US" sz="2400" dirty="0" smtClean="0"/>
+              <a:t> </a:t>
+            </a:r>
+            <a:r>
+              <a:rPr lang="en-US" sz="2400" dirty="0" smtClean="0"/>
+              <a:t>to 10,000: ~1/3 </a:t>
             </a:r>
             <a:r>
               <a:rPr lang="en-US" sz="2400" dirty="0" smtClean="0">
@@ -4688,19 +4705,41 @@
             </a:pPr>
             <a:r>
               <a:rPr lang="en-US" sz="2800" b="1" dirty="0" smtClean="0"/>
-              <a:t>Key question: </a:t>
+              <a:t>Key question</a:t>
+            </a:r>
+            <a:r>
+              <a:rPr lang="en-US" sz="2800" b="1" smtClean="0"/>
+              <a:t>: </a:t>
+            </a:r>
+            <a:r>
+              <a:rPr lang="en-US" sz="2800" b="1" smtClean="0"/>
+              <a:t/>
+            </a:r>
+            <a:br>
+              <a:rPr lang="en-US" sz="2800" b="1" smtClean="0"/>
+            </a:br>
+            <a:r>
+              <a:rPr lang="en-US" sz="2800" b="1" dirty="0" smtClean="0"/>
+              <a:t/>
+            </a:r>
+            <a:br>
+              <a:rPr lang="en-US" sz="2800" b="1" dirty="0" smtClean="0"/>
+            </a:br>
+            <a:r>
+              <a:rPr lang="en-US" sz="2800" b="1" dirty="0" smtClean="0"/>
+              <a:t>	</a:t>
             </a:r>
             <a:r>
               <a:rPr lang="en-US" sz="2800" dirty="0" smtClean="0"/>
-              <a:t>Is the difference </a:t>
+              <a:t>Is </a:t>
+            </a:r>
+            <a:r>
+              <a:rPr lang="en-US" sz="2800" dirty="0" smtClean="0"/>
+              <a:t>the difference </a:t>
             </a:r>
             <a:r>
               <a:rPr lang="en-US" sz="2800" b="1" dirty="0" smtClean="0"/>
-              <a:t>statistically significan</a:t>
-            </a:r>
-            <a:r>
-              <a:rPr lang="en-US" sz="2800" b="1" dirty="0" smtClean="0"/>
-              <a:t>t?</a:t>
+              <a:t>statistically significant?</a:t>
             </a:r>
             <a:br>
               <a:rPr lang="en-US" sz="2800" b="1" dirty="0" smtClean="0"/>
@@ -6187,7 +6226,69 @@
                 </a:solidFill>
                 <a:effectLst/>
               </a:rPr>
-              <a:t>B: Click rate dropped, but purchase rate increased</a:t>
+              <a:t>B: </a:t>
+            </a:r>
+            <a:r>
+              <a:rPr lang="en-US" sz="5400" smtClean="0">
+                <a:ln w="0"/>
+                <a:solidFill>
+                  <a:srgbClr val="FF0000"/>
+                </a:solidFill>
+                <a:effectLst/>
+              </a:rPr>
+              <a:t>Click rate </a:t>
+            </a:r>
+            <a:r>
+              <a:rPr lang="en-US" sz="5400" dirty="0" smtClean="0">
+                <a:ln w="0"/>
+                <a:solidFill>
+                  <a:srgbClr val="FF0000"/>
+                </a:solidFill>
+                <a:effectLst/>
+              </a:rPr>
+              <a:t>dropped, but purchase rate increased</a:t>
+            </a:r>
+            <a:endParaRPr lang="en-US" sz="5400" dirty="0">
+              <a:ln w="0"/>
+              <a:solidFill>
+                <a:srgbClr val="FF0000"/>
+              </a:solidFill>
+              <a:effectLst/>
+            </a:endParaRPr>
+          </a:p>
+        </p:txBody>
+      </p:sp>
+      <p:sp>
+        <p:nvSpPr>
+          <p:cNvPr id="10" name="Rectangle 9"/>
+          <p:cNvSpPr/>
+          <p:nvPr/>
+        </p:nvSpPr>
+        <p:spPr>
+          <a:xfrm>
+            <a:off x="2808514" y="1401151"/>
+            <a:ext cx="8055076" cy="923330"/>
+          </a:xfrm>
+          <a:prstGeom prst="rect">
+            <a:avLst/>
+          </a:prstGeom>
+          <a:noFill/>
+        </p:spPr>
+        <p:txBody>
+          <a:bodyPr wrap="square" lIns="91440" tIns="45720" rIns="91440" bIns="45720">
+            <a:spAutoFit/>
+          </a:bodyPr>
+          <a:lstStyle/>
+          <a:p>
+            <a:r>
+              <a:rPr lang="en-US" sz="5400" smtClean="0">
+                <a:ln w="0"/>
+                <a:solidFill>
+                  <a:srgbClr val="FF0000"/>
+                </a:solidFill>
+                <a:effectLst/>
+              </a:rPr>
+              <a:t>They used click rate as OEC</a:t>
             </a:r>
             <a:endParaRPr lang="en-US" sz="5400" dirty="0">
               <a:ln w="0"/>
@@ -6238,6 +6339,51 @@
                                     <p:set>
                                       <p:cBhvr>
                                         <p:cTn id="6" dur="1" fill="hold">
+                                          <p:stCondLst>
+                                            <p:cond delay="0"/>
+                                          </p:stCondLst>
+                                        </p:cTn>
+                                        <p:tgtEl>
+                                          <p:spTgt spid="10"/>
+                                        </p:tgtEl>
+                                        <p:attrNameLst>
+                                          <p:attrName>style.visibility</p:attrName>
+                                        </p:attrNameLst>
+                                      </p:cBhvr>
+                                      <p:to>
+                                        <p:strVal val="visible"/>
+                                      </p:to>
+                                    </p:set>
+                                  </p:childTnLst>
+                                </p:cTn>
+                              </p:par>
+                            </p:childTnLst>
+                          </p:cTn>
+                        </p:par>
+                      </p:childTnLst>
+                    </p:cTn>
+                  </p:par>
+                  <p:par>
+                    <p:cTn id="7" fill="hold">
+                      <p:stCondLst>
+                        <p:cond delay="indefinite"/>
+                      </p:stCondLst>
+                      <p:childTnLst>
+                        <p:par>
+                          <p:cTn id="8" fill="hold">
+                            <p:stCondLst>
+                              <p:cond delay="0"/>
+                            </p:stCondLst>
+                            <p:childTnLst>
+                              <p:par>
+                                <p:cTn id="9" presetID="1" presetClass="entr" presetSubtype="0" fill="hold" grpId="0" nodeType="clickEffect">
+                                  <p:stCondLst>
+                                    <p:cond delay="0"/>
+                                  </p:stCondLst>
+                                  <p:childTnLst>
+                                    <p:set>
+                                      <p:cBhvr>
+                                        <p:cTn id="10" dur="1" fill="hold">
                                           <p:stCondLst>
                                             <p:cond delay="0"/>
                                           </p:stCondLst>
@@ -6285,6 +6431,7 @@
     </p:tnLst>
     <p:bldLst>
       <p:bldP spid="9" grpId="0"/>
+      <p:bldP spid="10" grpId="0"/>
     </p:bldLst>
   </p:timing>
 </p:sld>
@@ -9523,6 +9670,86 @@
       </p:grpSpPr>
       <p:sp>
         <p:nvSpPr>
+          <p:cNvPr id="2" name="Title 1"/>
+          <p:cNvSpPr>
+            <a:spLocks noGrp="1"/>
+          </p:cNvSpPr>
+          <p:nvPr>
+            <p:ph type="title"/>
+          </p:nvPr>
+        </p:nvSpPr>
+        <p:spPr/>
+        <p:txBody>
+          <a:bodyPr/>
+          <a:lstStyle/>
+          <a:p>
+            <a:pPr algn="ctr"/>
+            <a:r>
+              <a:rPr lang="en-US" dirty="0" smtClean="0"/>
+              <a:t>Thank you!</a:t>
+            </a:r>
+            <a:endParaRPr lang="en-US" dirty="0"/>
+          </a:p>
+        </p:txBody>
+      </p:sp>
+      <p:sp>
+        <p:nvSpPr>
+          <p:cNvPr id="3" name="Text Placeholder 2"/>
+          <p:cNvSpPr>
+            <a:spLocks noGrp="1"/>
+          </p:cNvSpPr>
+          <p:nvPr>
+            <p:ph type="body" idx="1"/>
+          </p:nvPr>
+        </p:nvSpPr>
+        <p:spPr/>
+        <p:txBody>
+          <a:bodyPr/>
+          <a:lstStyle/>
+          <a:p>
+            <a:endParaRPr lang="en-US"/>
+          </a:p>
+        </p:txBody>
+      </p:sp>
+    </p:spTree>
+    <p:extLst>
+      <p:ext uri="{BB962C8B-B14F-4D97-AF65-F5344CB8AC3E}">
+        <p14:creationId xmlns:p14="http://schemas.microsoft.com/office/powerpoint/2010/main" val="20624881"/>
+      </p:ext>
+    </p:extLst>
+  </p:cSld>
+  <p:clrMapOvr>
+    <a:masterClrMapping/>
+  </p:clrMapOvr>
+  <p:timing>
+    <p:tnLst>
+      <p:par>
+        <p:cTn id="1" dur="indefinite" restart="never" nodeType="tmRoot"/>
+      </p:par>
+    </p:tnLst>
+  </p:timing>
+</p:sld>
+</file>
+
+<file path=ppt/slides/slide28.xml><?xml version="1.0" encoding="utf-8"?>
+<p:sld xmlns:a="http://schemas.openxmlformats.org/drawingml/2006/main" xmlns:r="http://schemas.openxmlformats.org/officeDocument/2006/relationships" xmlns:p="http://schemas.openxmlformats.org/presentationml/2006/main">
+  <p:cSld>
+    <p:spTree>
+      <p:nvGrpSpPr>
+        <p:cNvPr id="1" name=""/>
+        <p:cNvGrpSpPr/>
+        <p:nvPr/>
+      </p:nvGrpSpPr>
+      <p:grpSpPr>
+        <a:xfrm>
+          <a:off x="0" y="0"/>
+          <a:ext cx="0" cy="0"/>
+          <a:chOff x="0" y="0"/>
+          <a:chExt cx="0" cy="0"/>
+        </a:xfrm>
+      </p:grpSpPr>
+      <p:sp>
+        <p:nvSpPr>
           <p:cNvPr id="4" name="Title 3"/>
           <p:cNvSpPr>
             <a:spLocks noGrp="1"/>
@@ -9583,7 +9810,7 @@
 </p:sld>
 </file>
 
-<file path=ppt/slides/slide28.xml><?xml version="1.0" encoding="utf-8"?>
+<file path=ppt/slides/slide29.xml><?xml version="1.0" encoding="utf-8"?>
 <p:sld xmlns:a="http://schemas.openxmlformats.org/drawingml/2006/main" xmlns:r="http://schemas.openxmlformats.org/officeDocument/2006/relationships" xmlns:p="http://schemas.openxmlformats.org/presentationml/2006/main">
   <p:cSld>
     <p:spTree>
@@ -9710,92 +9937,6 @@
 </p:sld>
 </file>
 
-<file path=ppt/slides/slide29.xml><?xml version="1.0" encoding="utf-8"?>
-<p:sld xmlns:a="http://schemas.openxmlformats.org/drawingml/2006/main" xmlns:r="http://schemas.openxmlformats.org/officeDocument/2006/relationships" xmlns:p="http://schemas.openxmlformats.org/presentationml/2006/main">
-  <p:cSld>
-    <p:spTree>
-      <p:nvGrpSpPr>
-        <p:cNvPr id="1" name=""/>
-        <p:cNvGrpSpPr/>
-        <p:nvPr/>
-      </p:nvGrpSpPr>
-      <p:grpSpPr>
-        <a:xfrm>
-          <a:off x="0" y="0"/>
-          <a:ext cx="0" cy="0"/>
-          <a:chOff x="0" y="0"/>
-          <a:chExt cx="0" cy="0"/>
-        </a:xfrm>
-      </p:grpSpPr>
-      <p:sp>
-        <p:nvSpPr>
-          <p:cNvPr id="2" name="Title 1"/>
-          <p:cNvSpPr>
-            <a:spLocks noGrp="1"/>
-          </p:cNvSpPr>
-          <p:nvPr>
-            <p:ph type="title"/>
-          </p:nvPr>
-        </p:nvSpPr>
-        <p:spPr/>
-        <p:txBody>
-          <a:bodyPr/>
-          <a:lstStyle/>
-          <a:p>
-            <a:r>
-              <a:rPr lang="en-US" dirty="0" smtClean="0"/>
-              <a:t>Simpson’s Paradox</a:t>
-            </a:r>
-            <a:endParaRPr lang="en-US" dirty="0"/>
-          </a:p>
-        </p:txBody>
-      </p:sp>
-      <p:pic>
-        <p:nvPicPr>
-          <p:cNvPr id="6" name="Content Placeholder 5"/>
-          <p:cNvPicPr>
-            <a:picLocks noGrp="1" noChangeAspect="1"/>
-          </p:cNvPicPr>
-          <p:nvPr>
-            <p:ph idx="1"/>
-          </p:nvPr>
-        </p:nvPicPr>
-        <p:blipFill>
-          <a:blip r:embed="rId2"/>
-          <a:stretch>
-            <a:fillRect/>
-          </a:stretch>
-        </p:blipFill>
-        <p:spPr>
-          <a:xfrm>
-            <a:off x="1390547" y="1690687"/>
-            <a:ext cx="9223024" cy="4528953"/>
-          </a:xfrm>
-          <a:prstGeom prst="rect">
-            <a:avLst/>
-          </a:prstGeom>
-        </p:spPr>
-      </p:pic>
-    </p:spTree>
-    <p:extLst>
-      <p:ext uri="{BB962C8B-B14F-4D97-AF65-F5344CB8AC3E}">
-        <p14:creationId xmlns:p14="http://schemas.microsoft.com/office/powerpoint/2010/main" val="106324123"/>
-      </p:ext>
-    </p:extLst>
-  </p:cSld>
-  <p:clrMapOvr>
-    <a:masterClrMapping/>
-  </p:clrMapOvr>
-  <p:timing>
-    <p:tnLst>
-      <p:par>
-        <p:cTn id="1" dur="indefinite" restart="never" nodeType="tmRoot"/>
-      </p:par>
-    </p:tnLst>
-  </p:timing>
-</p:sld>
-</file>
-
 <file path=ppt/slides/slide3.xml><?xml version="1.0" encoding="utf-8"?>
 <p:sld xmlns:a="http://schemas.openxmlformats.org/drawingml/2006/main" xmlns:r="http://schemas.openxmlformats.org/officeDocument/2006/relationships" xmlns:p="http://schemas.openxmlformats.org/presentationml/2006/main">
   <p:cSld>
@@ -9874,7 +10015,6 @@
               <a:rPr lang="en-US" altLang="zh-TW" dirty="0" smtClean="0"/>
               <a:t>Work on the next change.</a:t>
             </a:r>
-            <a:endParaRPr lang="en-US" altLang="zh-TW" dirty="0" smtClean="0"/>
           </a:p>
           <a:p>
             <a:endParaRPr lang="en-US" altLang="zh-TW" dirty="0"/>
@@ -10010,6 +10150,92 @@
             </p:seq>
           </p:childTnLst>
         </p:cTn>
+      </p:par>
+    </p:tnLst>
+  </p:timing>
+</p:sld>
+</file>
+
+<file path=ppt/slides/slide30.xml><?xml version="1.0" encoding="utf-8"?>
+<p:sld xmlns:a="http://schemas.openxmlformats.org/drawingml/2006/main" xmlns:r="http://schemas.openxmlformats.org/officeDocument/2006/relationships" xmlns:p="http://schemas.openxmlformats.org/presentationml/2006/main">
+  <p:cSld>
+    <p:spTree>
+      <p:nvGrpSpPr>
+        <p:cNvPr id="1" name=""/>
+        <p:cNvGrpSpPr/>
+        <p:nvPr/>
+      </p:nvGrpSpPr>
+      <p:grpSpPr>
+        <a:xfrm>
+          <a:off x="0" y="0"/>
+          <a:ext cx="0" cy="0"/>
+          <a:chOff x="0" y="0"/>
+          <a:chExt cx="0" cy="0"/>
+        </a:xfrm>
+      </p:grpSpPr>
+      <p:sp>
+        <p:nvSpPr>
+          <p:cNvPr id="2" name="Title 1"/>
+          <p:cNvSpPr>
+            <a:spLocks noGrp="1"/>
+          </p:cNvSpPr>
+          <p:nvPr>
+            <p:ph type="title"/>
+          </p:nvPr>
+        </p:nvSpPr>
+        <p:spPr/>
+        <p:txBody>
+          <a:bodyPr/>
+          <a:lstStyle/>
+          <a:p>
+            <a:r>
+              <a:rPr lang="en-US" dirty="0" smtClean="0"/>
+              <a:t>Simpson’s Paradox</a:t>
+            </a:r>
+            <a:endParaRPr lang="en-US" dirty="0"/>
+          </a:p>
+        </p:txBody>
+      </p:sp>
+      <p:pic>
+        <p:nvPicPr>
+          <p:cNvPr id="6" name="Content Placeholder 5"/>
+          <p:cNvPicPr>
+            <a:picLocks noGrp="1" noChangeAspect="1"/>
+          </p:cNvPicPr>
+          <p:nvPr>
+            <p:ph idx="1"/>
+          </p:nvPr>
+        </p:nvPicPr>
+        <p:blipFill>
+          <a:blip r:embed="rId2"/>
+          <a:stretch>
+            <a:fillRect/>
+          </a:stretch>
+        </p:blipFill>
+        <p:spPr>
+          <a:xfrm>
+            <a:off x="1390547" y="1690687"/>
+            <a:ext cx="9223024" cy="4528953"/>
+          </a:xfrm>
+          <a:prstGeom prst="rect">
+            <a:avLst/>
+          </a:prstGeom>
+        </p:spPr>
+      </p:pic>
+    </p:spTree>
+    <p:extLst>
+      <p:ext uri="{BB962C8B-B14F-4D97-AF65-F5344CB8AC3E}">
+        <p14:creationId xmlns:p14="http://schemas.microsoft.com/office/powerpoint/2010/main" val="106324123"/>
+      </p:ext>
+    </p:extLst>
+  </p:cSld>
+  <p:clrMapOvr>
+    <a:masterClrMapping/>
+  </p:clrMapOvr>
+  <p:timing>
+    <p:tnLst>
+      <p:par>
+        <p:cTn id="1" dur="indefinite" restart="never" nodeType="tmRoot"/>
       </p:par>
     </p:tnLst>
   </p:timing>
@@ -10960,7 +11186,7 @@
           <a:p>
             <a:r>
               <a:rPr lang="en-US" dirty="0" smtClean="0"/>
-              <a:t>New feature is good</a:t>
+              <a:t>New design is good and users like it!</a:t>
             </a:r>
           </a:p>
           <a:p>
@@ -10991,34 +11217,30 @@
               <a:rPr lang="en-US" dirty="0" smtClean="0"/>
               <a:t>Pure luck</a:t>
             </a:r>
-            <a:endParaRPr lang="en-US" dirty="0"/>
-          </a:p>
-        </p:txBody>
-      </p:sp>
-      <p:pic>
-        <p:nvPicPr>
-          <p:cNvPr id="4" name="Picture 3"/>
-          <p:cNvPicPr>
-            <a:picLocks noChangeAspect="1"/>
-          </p:cNvPicPr>
-          <p:nvPr/>
-        </p:nvPicPr>
-        <p:blipFill>
-          <a:blip r:embed="rId2"/>
-          <a:stretch>
-            <a:fillRect/>
-          </a:stretch>
-        </p:blipFill>
-        <p:spPr>
-          <a:xfrm>
-            <a:off x="8117840" y="685006"/>
-            <a:ext cx="2540000" cy="685800"/>
-          </a:xfrm>
-          <a:prstGeom prst="rect">
-            <a:avLst/>
-          </a:prstGeom>
-        </p:spPr>
-      </p:pic>
+            <a:br>
+              <a:rPr lang="en-US" dirty="0" smtClean="0"/>
+            </a:br>
+            <a:endParaRPr lang="en-US" dirty="0" smtClean="0"/>
+          </a:p>
+          <a:p>
+            <a:pPr marL="0" indent="0">
+              <a:buNone/>
+            </a:pPr>
+            <a:r>
+              <a:rPr lang="en-US" b="1" dirty="0" smtClean="0"/>
+              <a:t>Many possible explanations.  </a:t>
+            </a:r>
+            <a:br>
+              <a:rPr lang="en-US" b="1" dirty="0" smtClean="0"/>
+            </a:br>
+            <a:r>
+              <a:rPr lang="en-US" b="1" dirty="0" smtClean="0"/>
+              <a:t>Cannot prove “new design” is the main reason.</a:t>
+            </a:r>
+            <a:endParaRPr lang="en-US" b="1" dirty="0"/>
+          </a:p>
+        </p:txBody>
+      </p:sp>
     </p:spTree>
     <p:extLst>
       <p:ext uri="{BB962C8B-B14F-4D97-AF65-F5344CB8AC3E}">
@@ -11282,6 +11504,55 @@
                       </p:childTnLst>
                     </p:cTn>
                   </p:par>
+                  <p:par>
+                    <p:cTn id="23" fill="hold">
+                      <p:stCondLst>
+                        <p:cond delay="indefinite"/>
+                      </p:stCondLst>
+                      <p:childTnLst>
+                        <p:par>
+                          <p:cTn id="24" fill="hold">
+                            <p:stCondLst>
+                              <p:cond delay="0"/>
+                            </p:stCondLst>
+                            <p:childTnLst>
+                              <p:par>
+                                <p:cTn id="25" presetID="1" presetClass="entr" presetSubtype="0" fill="hold" grpId="0" nodeType="clickEffect">
+                                  <p:stCondLst>
+                                    <p:cond delay="0"/>
+                                  </p:stCondLst>
+                                  <p:childTnLst>
+                                    <p:set>
+                                      <p:cBhvr>
+                                        <p:cTn id="26" dur="1" fill="hold">
+                                          <p:stCondLst>
+                                            <p:cond delay="0"/>
+                                          </p:stCondLst>
+                                        </p:cTn>
+                                        <p:tgtEl>
+                                          <p:spTgt spid="3">
+                                            <p:txEl>
+                                              <p:pRg st="5" end="5"/>
+                                            </p:txEl>
+                                          </p:spTgt>
+                                        </p:tgtEl>
+                                        <p:attrNameLst>
+                                          <p:attrName>style.visibility</p:attrName>
+                                        </p:attrNameLst>
+                                      </p:cBhvr>
+                                      <p:to>
+                                        <p:strVal val="visible"/>
+                                      </p:to>
+                                    </p:set>
+                                  </p:childTnLst>
+                                </p:cTn>
+                              </p:par>
+                            </p:childTnLst>
+                          </p:cTn>
+                        </p:par>
+                      </p:childTnLst>
+                    </p:cTn>
+                  </p:par>
                 </p:childTnLst>
               </p:cTn>
               <p:prevCondLst>
@@ -11466,8 +11737,8 @@
         </p:nvSpPr>
         <p:spPr>
           <a:xfrm>
-            <a:off x="764342" y="3458676"/>
-            <a:ext cx="10786286" cy="923330"/>
+            <a:off x="-29945" y="3458676"/>
+            <a:ext cx="12374863" cy="1754326"/>
           </a:xfrm>
           <a:prstGeom prst="rect">
             <a:avLst/>
@@ -11495,10 +11766,10 @@
                   </a:outerShdw>
                 </a:effectLst>
               </a:rPr>
-              <a:t>External factors apply </a:t>
-            </a:r>
-            <a:r>
-              <a:rPr lang="en-US" sz="5400" smtClean="0">
+              <a:t>External factors apply to both groups!</a:t>
+            </a:r>
+            <a:br>
+              <a:rPr lang="en-US" sz="5400" dirty="0" smtClean="0">
                 <a:ln w="0"/>
                 <a:solidFill>
                   <a:srgbClr val="FF0000"/>
@@ -11511,7 +11782,22 @@
                   </a:outerShdw>
                 </a:effectLst>
               </a:rPr>
-              <a:t>to both groups!</a:t>
+            </a:br>
+            <a:r>
+              <a:rPr lang="en-US" sz="5400" dirty="0" smtClean="0">
+                <a:ln w="0"/>
+                <a:solidFill>
+                  <a:srgbClr val="FF0000"/>
+                </a:solidFill>
+                <a:effectLst>
+                  <a:outerShdw blurRad="38100" dist="25400" dir="5400000" algn="ctr" rotWithShape="0">
+                    <a:srgbClr val="6E747A">
+                      <a:alpha val="43000"/>
+                    </a:srgbClr>
+                  </a:outerShdw>
+                </a:effectLst>
+              </a:rPr>
+              <a:t>The only difference is “new feature” or not.</a:t>
             </a:r>
             <a:endParaRPr lang="en-US" sz="5400" dirty="0">
               <a:ln w="0"/>

--- a/FieldExperiments/AB Testing.pptx
+++ b/FieldExperiments/AB Testing.pptx
@@ -5,7 +5,7 @@
     <p:sldMasterId id="2147483648" r:id="rId1"/>
   </p:sldMasterIdLst>
   <p:notesMasterIdLst>
-    <p:notesMasterId r:id="rId32"/>
+    <p:notesMasterId r:id="rId35"/>
   </p:notesMasterIdLst>
   <p:sldIdLst>
     <p:sldId id="256" r:id="rId2"/>
@@ -21,23 +21,26 @@
     <p:sldId id="268" r:id="rId12"/>
     <p:sldId id="269" r:id="rId13"/>
     <p:sldId id="270" r:id="rId14"/>
-    <p:sldId id="267" r:id="rId15"/>
-    <p:sldId id="271" r:id="rId16"/>
-    <p:sldId id="272" r:id="rId17"/>
-    <p:sldId id="279" r:id="rId18"/>
-    <p:sldId id="275" r:id="rId19"/>
-    <p:sldId id="277" r:id="rId20"/>
-    <p:sldId id="276" r:id="rId21"/>
-    <p:sldId id="280" r:id="rId22"/>
-    <p:sldId id="282" r:id="rId23"/>
-    <p:sldId id="274" r:id="rId24"/>
-    <p:sldId id="283" r:id="rId25"/>
-    <p:sldId id="284" r:id="rId26"/>
-    <p:sldId id="273" r:id="rId27"/>
-    <p:sldId id="288" r:id="rId28"/>
-    <p:sldId id="287" r:id="rId29"/>
-    <p:sldId id="281" r:id="rId30"/>
-    <p:sldId id="278" r:id="rId31"/>
+    <p:sldId id="290" r:id="rId15"/>
+    <p:sldId id="292" r:id="rId16"/>
+    <p:sldId id="267" r:id="rId17"/>
+    <p:sldId id="271" r:id="rId18"/>
+    <p:sldId id="272" r:id="rId19"/>
+    <p:sldId id="279" r:id="rId20"/>
+    <p:sldId id="275" r:id="rId21"/>
+    <p:sldId id="277" r:id="rId22"/>
+    <p:sldId id="276" r:id="rId23"/>
+    <p:sldId id="289" r:id="rId24"/>
+    <p:sldId id="280" r:id="rId25"/>
+    <p:sldId id="282" r:id="rId26"/>
+    <p:sldId id="274" r:id="rId27"/>
+    <p:sldId id="283" r:id="rId28"/>
+    <p:sldId id="284" r:id="rId29"/>
+    <p:sldId id="273" r:id="rId30"/>
+    <p:sldId id="288" r:id="rId31"/>
+    <p:sldId id="287" r:id="rId32"/>
+    <p:sldId id="281" r:id="rId33"/>
+    <p:sldId id="278" r:id="rId34"/>
   </p:sldIdLst>
   <p:sldSz cx="12192000" cy="6858000"/>
   <p:notesSz cx="6858000" cy="9144000"/>
@@ -226,7 +229,7 @@
           <a:p>
             <a:fld id="{0337917A-A60C-5244-BE8E-4D0A98559167}" type="datetimeFigureOut">
               <a:rPr lang="en-US" smtClean="0"/>
-              <a:t>3/11/16</a:t>
+              <a:t>3/15/16</a:t>
             </a:fld>
             <a:endParaRPr lang="en-US"/>
           </a:p>
@@ -652,6 +655,90 @@
     </p:spTree>
     <p:extLst>
       <p:ext uri="{BB962C8B-B14F-4D97-AF65-F5344CB8AC3E}">
+        <p14:creationId xmlns:p14="http://schemas.microsoft.com/office/powerpoint/2010/main" val="61810328"/>
+      </p:ext>
+    </p:extLst>
+  </p:cSld>
+  <p:clrMapOvr>
+    <a:masterClrMapping/>
+  </p:clrMapOvr>
+</p:notes>
+</file>
+
+<file path=ppt/notesSlides/notesSlide3.xml><?xml version="1.0" encoding="utf-8"?>
+<p:notes xmlns:a="http://schemas.openxmlformats.org/drawingml/2006/main" xmlns:r="http://schemas.openxmlformats.org/officeDocument/2006/relationships" xmlns:p="http://schemas.openxmlformats.org/presentationml/2006/main">
+  <p:cSld>
+    <p:spTree>
+      <p:nvGrpSpPr>
+        <p:cNvPr id="1" name=""/>
+        <p:cNvGrpSpPr/>
+        <p:nvPr/>
+      </p:nvGrpSpPr>
+      <p:grpSpPr>
+        <a:xfrm>
+          <a:off x="0" y="0"/>
+          <a:ext cx="0" cy="0"/>
+          <a:chOff x="0" y="0"/>
+          <a:chExt cx="0" cy="0"/>
+        </a:xfrm>
+      </p:grpSpPr>
+      <p:sp>
+        <p:nvSpPr>
+          <p:cNvPr id="2" name="Slide Image Placeholder 1"/>
+          <p:cNvSpPr>
+            <a:spLocks noGrp="1" noRot="1" noChangeAspect="1"/>
+          </p:cNvSpPr>
+          <p:nvPr>
+            <p:ph type="sldImg"/>
+          </p:nvPr>
+        </p:nvSpPr>
+        <p:spPr/>
+      </p:sp>
+      <p:sp>
+        <p:nvSpPr>
+          <p:cNvPr id="3" name="Notes Placeholder 2"/>
+          <p:cNvSpPr>
+            <a:spLocks noGrp="1"/>
+          </p:cNvSpPr>
+          <p:nvPr>
+            <p:ph type="body" idx="1"/>
+          </p:nvPr>
+        </p:nvSpPr>
+        <p:spPr/>
+        <p:txBody>
+          <a:bodyPr/>
+          <a:lstStyle/>
+          <a:p>
+            <a:endParaRPr lang="en-US" dirty="0"/>
+          </a:p>
+        </p:txBody>
+      </p:sp>
+      <p:sp>
+        <p:nvSpPr>
+          <p:cNvPr id="4" name="Slide Number Placeholder 3"/>
+          <p:cNvSpPr>
+            <a:spLocks noGrp="1"/>
+          </p:cNvSpPr>
+          <p:nvPr>
+            <p:ph type="sldNum" sz="quarter" idx="10"/>
+          </p:nvPr>
+        </p:nvSpPr>
+        <p:spPr/>
+        <p:txBody>
+          <a:bodyPr/>
+          <a:lstStyle/>
+          <a:p>
+            <a:fld id="{9582BDA3-F7A5-6A44-B449-A51589C917C6}" type="slidenum">
+              <a:rPr lang="en-US" smtClean="0"/>
+              <a:t>17</a:t>
+            </a:fld>
+            <a:endParaRPr lang="en-US"/>
+          </a:p>
+        </p:txBody>
+      </p:sp>
+    </p:spTree>
+    <p:extLst>
+      <p:ext uri="{BB962C8B-B14F-4D97-AF65-F5344CB8AC3E}">
         <p14:creationId xmlns:p14="http://schemas.microsoft.com/office/powerpoint/2010/main" val="745836375"/>
       </p:ext>
     </p:extLst>
@@ -793,7 +880,7 @@
           <a:p>
             <a:fld id="{24D15155-0E0B-3F46-8B87-6AAF3857DCAB}" type="datetimeFigureOut">
               <a:rPr lang="en-US" smtClean="0"/>
-              <a:t>3/11/16</a:t>
+              <a:t>3/15/16</a:t>
             </a:fld>
             <a:endParaRPr lang="en-US"/>
           </a:p>
@@ -963,7 +1050,7 @@
           <a:p>
             <a:fld id="{24D15155-0E0B-3F46-8B87-6AAF3857DCAB}" type="datetimeFigureOut">
               <a:rPr lang="en-US" smtClean="0"/>
-              <a:t>3/11/16</a:t>
+              <a:t>3/15/16</a:t>
             </a:fld>
             <a:endParaRPr lang="en-US"/>
           </a:p>
@@ -1143,7 +1230,7 @@
           <a:p>
             <a:fld id="{24D15155-0E0B-3F46-8B87-6AAF3857DCAB}" type="datetimeFigureOut">
               <a:rPr lang="en-US" smtClean="0"/>
-              <a:t>3/11/16</a:t>
+              <a:t>3/15/16</a:t>
             </a:fld>
             <a:endParaRPr lang="en-US"/>
           </a:p>
@@ -1313,7 +1400,7 @@
           <a:p>
             <a:fld id="{24D15155-0E0B-3F46-8B87-6AAF3857DCAB}" type="datetimeFigureOut">
               <a:rPr lang="en-US" smtClean="0"/>
-              <a:t>3/11/16</a:t>
+              <a:t>3/15/16</a:t>
             </a:fld>
             <a:endParaRPr lang="en-US"/>
           </a:p>
@@ -1559,7 +1646,7 @@
           <a:p>
             <a:fld id="{24D15155-0E0B-3F46-8B87-6AAF3857DCAB}" type="datetimeFigureOut">
               <a:rPr lang="en-US" smtClean="0"/>
-              <a:t>3/11/16</a:t>
+              <a:t>3/15/16</a:t>
             </a:fld>
             <a:endParaRPr lang="en-US"/>
           </a:p>
@@ -1791,7 +1878,7 @@
           <a:p>
             <a:fld id="{24D15155-0E0B-3F46-8B87-6AAF3857DCAB}" type="datetimeFigureOut">
               <a:rPr lang="en-US" smtClean="0"/>
-              <a:t>3/11/16</a:t>
+              <a:t>3/15/16</a:t>
             </a:fld>
             <a:endParaRPr lang="en-US"/>
           </a:p>
@@ -2158,7 +2245,7 @@
           <a:p>
             <a:fld id="{24D15155-0E0B-3F46-8B87-6AAF3857DCAB}" type="datetimeFigureOut">
               <a:rPr lang="en-US" smtClean="0"/>
-              <a:t>3/11/16</a:t>
+              <a:t>3/15/16</a:t>
             </a:fld>
             <a:endParaRPr lang="en-US"/>
           </a:p>
@@ -2276,7 +2363,7 @@
           <a:p>
             <a:fld id="{24D15155-0E0B-3F46-8B87-6AAF3857DCAB}" type="datetimeFigureOut">
               <a:rPr lang="en-US" smtClean="0"/>
-              <a:t>3/11/16</a:t>
+              <a:t>3/15/16</a:t>
             </a:fld>
             <a:endParaRPr lang="en-US"/>
           </a:p>
@@ -2371,7 +2458,7 @@
           <a:p>
             <a:fld id="{24D15155-0E0B-3F46-8B87-6AAF3857DCAB}" type="datetimeFigureOut">
               <a:rPr lang="en-US" smtClean="0"/>
-              <a:t>3/11/16</a:t>
+              <a:t>3/15/16</a:t>
             </a:fld>
             <a:endParaRPr lang="en-US"/>
           </a:p>
@@ -2648,7 +2735,7 @@
           <a:p>
             <a:fld id="{24D15155-0E0B-3F46-8B87-6AAF3857DCAB}" type="datetimeFigureOut">
               <a:rPr lang="en-US" smtClean="0"/>
-              <a:t>3/11/16</a:t>
+              <a:t>3/15/16</a:t>
             </a:fld>
             <a:endParaRPr lang="en-US"/>
           </a:p>
@@ -2901,7 +2988,7 @@
           <a:p>
             <a:fld id="{24D15155-0E0B-3F46-8B87-6AAF3857DCAB}" type="datetimeFigureOut">
               <a:rPr lang="en-US" smtClean="0"/>
-              <a:t>3/11/16</a:t>
+              <a:t>3/15/16</a:t>
             </a:fld>
             <a:endParaRPr lang="en-US"/>
           </a:p>
@@ -3114,7 +3201,7 @@
           <a:p>
             <a:fld id="{24D15155-0E0B-3F46-8B87-6AAF3857DCAB}" type="datetimeFigureOut">
               <a:rPr lang="en-US" smtClean="0"/>
-              <a:t>3/11/16</a:t>
+              <a:t>3/15/16</a:t>
             </a:fld>
             <a:endParaRPr lang="en-US"/>
           </a:p>
@@ -4676,11 +4763,7 @@
             </a:r>
             <a:r>
               <a:rPr lang="en-US" sz="2400" dirty="0" smtClean="0"/>
-              <a:t> </a:t>
-            </a:r>
-            <a:r>
-              <a:rPr lang="en-US" sz="2400" dirty="0" smtClean="0"/>
-              <a:t>to 10,000: ~1/3 </a:t>
+              <a:t> to 10,000: ~1/3 </a:t>
             </a:r>
             <a:r>
               <a:rPr lang="en-US" sz="2400" dirty="0" smtClean="0">
@@ -4711,10 +4794,6 @@
               <a:rPr lang="en-US" sz="2800" b="1" smtClean="0"/>
               <a:t>: </a:t>
             </a:r>
-            <a:r>
-              <a:rPr lang="en-US" sz="2800" b="1" smtClean="0"/>
-              <a:t/>
-            </a:r>
             <a:br>
               <a:rPr lang="en-US" sz="2800" b="1" smtClean="0"/>
             </a:br>
@@ -4731,11 +4810,7 @@
             </a:r>
             <a:r>
               <a:rPr lang="en-US" sz="2800" dirty="0" smtClean="0"/>
-              <a:t>Is </a:t>
-            </a:r>
-            <a:r>
-              <a:rPr lang="en-US" sz="2800" dirty="0" smtClean="0"/>
-              <a:t>the difference </a:t>
+              <a:t>Is the difference </a:t>
             </a:r>
             <a:r>
               <a:rPr lang="en-US" sz="2800" b="1" dirty="0" smtClean="0"/>
@@ -4962,6 +5037,583 @@
 </file>
 
 <file path=ppt/slides/slide14.xml><?xml version="1.0" encoding="utf-8"?>
+<p:sld xmlns:a="http://schemas.openxmlformats.org/drawingml/2006/main" xmlns:r="http://schemas.openxmlformats.org/officeDocument/2006/relationships" xmlns:p="http://schemas.openxmlformats.org/presentationml/2006/main" show="0">
+  <p:cSld>
+    <p:spTree>
+      <p:nvGrpSpPr>
+        <p:cNvPr id="1" name=""/>
+        <p:cNvGrpSpPr/>
+        <p:nvPr/>
+      </p:nvGrpSpPr>
+      <p:grpSpPr>
+        <a:xfrm>
+          <a:off x="0" y="0"/>
+          <a:ext cx="0" cy="0"/>
+          <a:chOff x="0" y="0"/>
+          <a:chExt cx="0" cy="0"/>
+        </a:xfrm>
+      </p:grpSpPr>
+      <p:sp>
+        <p:nvSpPr>
+          <p:cNvPr id="2" name="Title 1"/>
+          <p:cNvSpPr>
+            <a:spLocks noGrp="1"/>
+          </p:cNvSpPr>
+          <p:nvPr>
+            <p:ph type="title"/>
+          </p:nvPr>
+        </p:nvSpPr>
+        <p:spPr>
+          <a:xfrm>
+            <a:off x="838200" y="260621"/>
+            <a:ext cx="10515600" cy="1325563"/>
+          </a:xfrm>
+        </p:spPr>
+        <p:txBody>
+          <a:bodyPr/>
+          <a:lstStyle/>
+          <a:p>
+            <a:r>
+              <a:rPr lang="en-US" dirty="0" smtClean="0"/>
+              <a:t>Finding the right sample size depends on…</a:t>
+            </a:r>
+            <a:endParaRPr lang="en-US" dirty="0"/>
+          </a:p>
+        </p:txBody>
+      </p:sp>
+      <p:sp>
+        <p:nvSpPr>
+          <p:cNvPr id="3" name="Content Placeholder 2"/>
+          <p:cNvSpPr>
+            <a:spLocks noGrp="1"/>
+          </p:cNvSpPr>
+          <p:nvPr>
+            <p:ph idx="1"/>
+          </p:nvPr>
+        </p:nvSpPr>
+        <p:spPr>
+          <a:xfrm>
+            <a:off x="838200" y="1567543"/>
+            <a:ext cx="10515600" cy="5159828"/>
+          </a:xfrm>
+        </p:spPr>
+        <p:txBody>
+          <a:bodyPr>
+            <a:normAutofit fontScale="85000" lnSpcReduction="20000"/>
+          </a:bodyPr>
+          <a:lstStyle/>
+          <a:p>
+            <a:r>
+              <a:rPr lang="en-US" dirty="0" smtClean="0"/>
+              <a:t>Minimum </a:t>
+            </a:r>
+            <a:r>
+              <a:rPr lang="en-US" b="1" dirty="0" smtClean="0"/>
+              <a:t>Effect size</a:t>
+            </a:r>
+            <a:r>
+              <a:rPr lang="en-US" dirty="0" smtClean="0"/>
+              <a:t> (i.e. </a:t>
+            </a:r>
+            <a:r>
+              <a:rPr lang="en-US" b="1" dirty="0" smtClean="0"/>
+              <a:t>sensitivity) </a:t>
+            </a:r>
+            <a:r>
+              <a:rPr lang="en-US" dirty="0" smtClean="0"/>
+              <a:t>we want to detect (case by case)</a:t>
+            </a:r>
+          </a:p>
+          <a:p>
+            <a:pPr lvl="1"/>
+            <a:r>
+              <a:rPr lang="en-US" dirty="0" smtClean="0"/>
+              <a:t>E.g. OEC = conversion rate.  Current is 0.1.  We want to detect an increase of 10%.</a:t>
+            </a:r>
+          </a:p>
+          <a:p>
+            <a:pPr lvl="1"/>
+            <a:r>
+              <a:rPr lang="en-US" dirty="0" smtClean="0"/>
+              <a:t>If we want to </a:t>
+            </a:r>
+            <a:r>
+              <a:rPr lang="en-US" i="1" dirty="0" smtClean="0"/>
+              <a:t>reliably </a:t>
+            </a:r>
+            <a:r>
+              <a:rPr lang="en-US" dirty="0" smtClean="0"/>
+              <a:t>detect an effect:</a:t>
+            </a:r>
+          </a:p>
+          <a:p>
+            <a:pPr lvl="2"/>
+            <a:r>
+              <a:rPr lang="en-US" dirty="0" smtClean="0"/>
+              <a:t>The bigger the “minimum effect size”, the smaller the required sample size.</a:t>
+            </a:r>
+            <a:br>
+              <a:rPr lang="en-US" dirty="0" smtClean="0"/>
+            </a:br>
+            <a:endParaRPr lang="en-US" dirty="0" smtClean="0"/>
+          </a:p>
+          <a:p>
+            <a:r>
+              <a:rPr lang="en-US" dirty="0" smtClean="0"/>
+              <a:t>Required </a:t>
+            </a:r>
+            <a:r>
+              <a:rPr lang="en-US" b="1" dirty="0" smtClean="0"/>
+              <a:t>Power</a:t>
+            </a:r>
+            <a:r>
+              <a:rPr lang="en-US" dirty="0"/>
+              <a:t> </a:t>
+            </a:r>
+            <a:r>
+              <a:rPr lang="en-US" dirty="0" smtClean="0"/>
+              <a:t>(standard: 0.8 or 0.9)</a:t>
+            </a:r>
+          </a:p>
+          <a:p>
+            <a:pPr lvl="1"/>
+            <a:r>
+              <a:rPr lang="en-US" dirty="0" smtClean="0"/>
+              <a:t>The ability </a:t>
+            </a:r>
+            <a:r>
+              <a:rPr lang="en-US" dirty="0"/>
+              <a:t>to detect the treatment effect when it indeed exists </a:t>
+            </a:r>
+            <a:endParaRPr lang="en-US" dirty="0" smtClean="0"/>
+          </a:p>
+          <a:p>
+            <a:pPr lvl="1"/>
+            <a:r>
+              <a:rPr lang="en-US" dirty="0" smtClean="0"/>
+              <a:t>Inversely proportional to the “number of users squared”</a:t>
+            </a:r>
+          </a:p>
+          <a:p>
+            <a:pPr lvl="1"/>
+            <a:r>
+              <a:rPr lang="en-US" dirty="0" smtClean="0"/>
+              <a:t>E.g. if we need 10,000 users to detect a 5% delta, detecting a 0.5% delta requires 10^2 times more user = 1,000,000 users.</a:t>
+            </a:r>
+          </a:p>
+          <a:p>
+            <a:pPr lvl="1"/>
+            <a:r>
+              <a:rPr lang="en-US" b="1" dirty="0" smtClean="0"/>
+              <a:t>Most </a:t>
+            </a:r>
+            <a:r>
+              <a:rPr lang="en-US" dirty="0" smtClean="0"/>
+              <a:t>change have small effect.</a:t>
+            </a:r>
+            <a:br>
+              <a:rPr lang="en-US" dirty="0" smtClean="0"/>
+            </a:br>
+            <a:endParaRPr lang="en-US" b="1" dirty="0"/>
+          </a:p>
+          <a:p>
+            <a:r>
+              <a:rPr lang="en-US" b="1" dirty="0" smtClean="0"/>
+              <a:t>Significance level</a:t>
+            </a:r>
+            <a:r>
+              <a:rPr lang="en-US" dirty="0" smtClean="0"/>
+              <a:t> chosen (standard: 0.05)</a:t>
+            </a:r>
+          </a:p>
+          <a:p>
+            <a:pPr lvl="1"/>
+            <a:r>
+              <a:rPr lang="en-US" dirty="0" smtClean="0"/>
+              <a:t>The probability of reject the null hypothesis (that there is ne effect)</a:t>
+            </a:r>
+            <a:br>
+              <a:rPr lang="en-US" dirty="0" smtClean="0"/>
+            </a:br>
+            <a:endParaRPr lang="en-US" dirty="0" smtClean="0"/>
+          </a:p>
+          <a:p>
+            <a:r>
+              <a:rPr lang="en-US" dirty="0" smtClean="0"/>
+              <a:t>The </a:t>
+            </a:r>
+            <a:r>
+              <a:rPr lang="en-US" b="1" dirty="0" smtClean="0"/>
+              <a:t>statistical test</a:t>
+            </a:r>
+            <a:r>
+              <a:rPr lang="en-US" dirty="0" smtClean="0"/>
+              <a:t> employed (e.g. t-test)</a:t>
+            </a:r>
+            <a:br>
+              <a:rPr lang="en-US" dirty="0" smtClean="0"/>
+            </a:br>
+            <a:endParaRPr lang="en-US" dirty="0" smtClean="0"/>
+          </a:p>
+          <a:p>
+            <a:r>
+              <a:rPr lang="en-US" dirty="0"/>
+              <a:t>The </a:t>
+            </a:r>
+            <a:r>
+              <a:rPr lang="en-US" b="1" dirty="0"/>
+              <a:t>noise</a:t>
+            </a:r>
+            <a:r>
+              <a:rPr lang="en-US" dirty="0"/>
+              <a:t> (</a:t>
+            </a:r>
+            <a:r>
+              <a:rPr lang="en-US" b="1" dirty="0"/>
+              <a:t>variance</a:t>
+            </a:r>
+            <a:r>
+              <a:rPr lang="en-US" dirty="0"/>
+              <a:t>) of the </a:t>
+            </a:r>
+            <a:r>
+              <a:rPr lang="en-US" dirty="0" smtClean="0"/>
+              <a:t>measure</a:t>
+            </a:r>
+          </a:p>
+          <a:p>
+            <a:pPr lvl="1"/>
+            <a:endParaRPr lang="en-US" dirty="0" smtClean="0"/>
+          </a:p>
+          <a:p>
+            <a:pPr lvl="1"/>
+            <a:endParaRPr lang="en-US" dirty="0"/>
+          </a:p>
+        </p:txBody>
+      </p:sp>
+    </p:spTree>
+    <p:extLst>
+      <p:ext uri="{BB962C8B-B14F-4D97-AF65-F5344CB8AC3E}">
+        <p14:creationId xmlns:p14="http://schemas.microsoft.com/office/powerpoint/2010/main" val="740147073"/>
+      </p:ext>
+    </p:extLst>
+  </p:cSld>
+  <p:clrMapOvr>
+    <a:masterClrMapping/>
+  </p:clrMapOvr>
+  <mc:AlternateContent xmlns:mc="http://schemas.openxmlformats.org/markup-compatibility/2006">
+    <mc:Choice xmlns:p14="http://schemas.microsoft.com/office/powerpoint/2010/main" Requires="p14">
+      <p:transition spd="slow" p14:dur="2000"/>
+    </mc:Choice>
+    <mc:Fallback>
+      <p:transition spd="slow"/>
+    </mc:Fallback>
+  </mc:AlternateContent>
+</p:sld>
+</file>
+
+<file path=ppt/slides/slide15.xml><?xml version="1.0" encoding="utf-8"?>
+<p:sld xmlns:a="http://schemas.openxmlformats.org/drawingml/2006/main" xmlns:r="http://schemas.openxmlformats.org/officeDocument/2006/relationships" xmlns:p="http://schemas.openxmlformats.org/presentationml/2006/main">
+  <p:cSld>
+    <p:spTree>
+      <p:nvGrpSpPr>
+        <p:cNvPr id="1" name=""/>
+        <p:cNvGrpSpPr/>
+        <p:nvPr/>
+      </p:nvGrpSpPr>
+      <p:grpSpPr>
+        <a:xfrm>
+          <a:off x="0" y="0"/>
+          <a:ext cx="0" cy="0"/>
+          <a:chOff x="0" y="0"/>
+          <a:chExt cx="0" cy="0"/>
+        </a:xfrm>
+      </p:grpSpPr>
+      <p:sp>
+        <p:nvSpPr>
+          <p:cNvPr id="2" name="Title 1"/>
+          <p:cNvSpPr>
+            <a:spLocks noGrp="1"/>
+          </p:cNvSpPr>
+          <p:nvPr>
+            <p:ph type="title"/>
+          </p:nvPr>
+        </p:nvSpPr>
+        <p:spPr/>
+        <p:txBody>
+          <a:bodyPr/>
+          <a:lstStyle/>
+          <a:p>
+            <a:r>
+              <a:rPr lang="en-US" dirty="0" smtClean="0"/>
+              <a:t>Finding the right sample size</a:t>
+            </a:r>
+            <a:endParaRPr lang="en-US" dirty="0"/>
+          </a:p>
+        </p:txBody>
+      </p:sp>
+      <p:sp>
+        <p:nvSpPr>
+          <p:cNvPr id="3" name="Content Placeholder 2"/>
+          <p:cNvSpPr>
+            <a:spLocks noGrp="1"/>
+          </p:cNvSpPr>
+          <p:nvPr>
+            <p:ph idx="1"/>
+          </p:nvPr>
+        </p:nvSpPr>
+        <p:spPr>
+          <a:xfrm>
+            <a:off x="838200" y="1825624"/>
+            <a:ext cx="10515600" cy="4867275"/>
+          </a:xfrm>
+        </p:spPr>
+        <p:txBody>
+          <a:bodyPr>
+            <a:normAutofit fontScale="92500" lnSpcReduction="20000"/>
+          </a:bodyPr>
+          <a:lstStyle/>
+          <a:p>
+            <a:r>
+              <a:rPr lang="en-US" dirty="0" smtClean="0"/>
+              <a:t>The power of an experiment</a:t>
+            </a:r>
+            <a:br>
+              <a:rPr lang="en-US" dirty="0" smtClean="0"/>
+            </a:br>
+            <a:r>
+              <a:rPr lang="en-US" dirty="0" smtClean="0"/>
+              <a:t/>
+            </a:r>
+            <a:br>
+              <a:rPr lang="en-US" dirty="0" smtClean="0"/>
+            </a:br>
+            <a:r>
+              <a:rPr lang="en-US" dirty="0" smtClean="0"/>
+              <a:t/>
+            </a:r>
+            <a:br>
+              <a:rPr lang="en-US" dirty="0" smtClean="0"/>
+            </a:br>
+            <a:r>
+              <a:rPr lang="en-US" dirty="0" smtClean="0"/>
+              <a:t/>
+            </a:r>
+            <a:br>
+              <a:rPr lang="en-US" dirty="0" smtClean="0"/>
+            </a:br>
+            <a:r>
+              <a:rPr lang="en-US" dirty="0" smtClean="0"/>
+              <a:t/>
+            </a:r>
+            <a:br>
+              <a:rPr lang="en-US" dirty="0" smtClean="0"/>
+            </a:br>
+            <a:r>
+              <a:rPr lang="en-US" dirty="0" smtClean="0"/>
+              <a:t/>
+            </a:r>
+            <a:br>
+              <a:rPr lang="en-US" dirty="0" smtClean="0"/>
+            </a:br>
+            <a:endParaRPr lang="en-US" dirty="0" smtClean="0"/>
+          </a:p>
+          <a:p>
+            <a:pPr lvl="1"/>
+            <a:r>
+              <a:rPr lang="en-US" dirty="0" smtClean="0"/>
+              <a:t>β = Desired </a:t>
+            </a:r>
+            <a:r>
+              <a:rPr lang="en-US" b="1" dirty="0" smtClean="0"/>
+              <a:t>Statistical Power</a:t>
+            </a:r>
+            <a:r>
+              <a:rPr lang="en-US" dirty="0" smtClean="0"/>
+              <a:t> of the experiment (typically 0.8 to 0.95)</a:t>
+            </a:r>
+          </a:p>
+          <a:p>
+            <a:pPr lvl="2"/>
+            <a:r>
+              <a:rPr lang="en-US" dirty="0" err="1" smtClean="0"/>
+              <a:t>Pr</a:t>
+            </a:r>
+            <a:r>
+              <a:rPr lang="en-US" dirty="0" smtClean="0"/>
+              <a:t> (</a:t>
+            </a:r>
+            <a:r>
+              <a:rPr lang="en-US" sz="1600" i="1" dirty="0" smtClean="0"/>
+              <a:t>detect an effect</a:t>
+            </a:r>
+            <a:r>
+              <a:rPr lang="en-US" dirty="0" smtClean="0"/>
+              <a:t> | </a:t>
+            </a:r>
+            <a:r>
+              <a:rPr lang="en-US" sz="1600" i="1" dirty="0" smtClean="0"/>
+              <a:t>there is really an effect</a:t>
+            </a:r>
+            <a:r>
+              <a:rPr lang="en-US" dirty="0" smtClean="0"/>
+              <a:t>)</a:t>
+            </a:r>
+          </a:p>
+          <a:p>
+            <a:pPr lvl="1"/>
+            <a:r>
+              <a:rPr lang="en-US" dirty="0" err="1" smtClean="0"/>
+              <a:t>μ</a:t>
+            </a:r>
+            <a:r>
+              <a:rPr lang="en-US" baseline="-25000" dirty="0" err="1" smtClean="0"/>
+              <a:t>t</a:t>
+            </a:r>
+            <a:r>
+              <a:rPr lang="en-US" dirty="0" smtClean="0"/>
+              <a:t> = average outcome in treatment</a:t>
+            </a:r>
+          </a:p>
+          <a:p>
+            <a:pPr lvl="1"/>
+            <a:r>
+              <a:rPr lang="en-US" dirty="0" err="1" smtClean="0"/>
+              <a:t>μ</a:t>
+            </a:r>
+            <a:r>
+              <a:rPr lang="en-US" baseline="-25000" dirty="0" err="1" smtClean="0"/>
+              <a:t>c</a:t>
+            </a:r>
+            <a:r>
+              <a:rPr lang="en-US" dirty="0" smtClean="0"/>
+              <a:t> = average outcome in control</a:t>
+            </a:r>
+          </a:p>
+          <a:p>
+            <a:pPr lvl="1"/>
+            <a:r>
+              <a:rPr lang="en-US" dirty="0" err="1" smtClean="0"/>
+              <a:t>σ</a:t>
+            </a:r>
+            <a:r>
+              <a:rPr lang="en-US" dirty="0" smtClean="0"/>
+              <a:t> = </a:t>
+            </a:r>
+            <a:r>
+              <a:rPr lang="en-US" b="1" dirty="0" smtClean="0"/>
+              <a:t>standard deviation</a:t>
+            </a:r>
+            <a:r>
+              <a:rPr lang="en-US" dirty="0" smtClean="0"/>
+              <a:t> in both group’s outcomes</a:t>
+            </a:r>
+          </a:p>
+          <a:p>
+            <a:pPr lvl="1"/>
+            <a:r>
+              <a:rPr lang="en-US" dirty="0" smtClean="0"/>
+              <a:t>N = total </a:t>
+            </a:r>
+            <a:r>
+              <a:rPr lang="en-US" b="1" dirty="0" smtClean="0"/>
+              <a:t>sample size</a:t>
+            </a:r>
+            <a:r>
+              <a:rPr lang="en-US" dirty="0" smtClean="0"/>
+              <a:t>, assuming even distribution</a:t>
+            </a:r>
+          </a:p>
+          <a:p>
+            <a:pPr lvl="1"/>
+            <a:r>
+              <a:rPr lang="el-GR" i="1" dirty="0" smtClean="0"/>
+              <a:t>α</a:t>
+            </a:r>
+            <a:r>
+              <a:rPr lang="en-US" i="1" dirty="0" smtClean="0"/>
+              <a:t> = </a:t>
+            </a:r>
+            <a:r>
+              <a:rPr lang="en-US" dirty="0" smtClean="0"/>
+              <a:t>the desired level of </a:t>
+            </a:r>
+            <a:r>
+              <a:rPr lang="en-US" b="1" dirty="0" smtClean="0"/>
+              <a:t>statistical significance</a:t>
+            </a:r>
+            <a:r>
+              <a:rPr lang="en-US" dirty="0" smtClean="0"/>
+              <a:t> (typically 0.05)</a:t>
+            </a:r>
+          </a:p>
+          <a:p>
+            <a:pPr lvl="1"/>
+            <a:r>
+              <a:rPr lang="el-GR" dirty="0" smtClean="0">
+                <a:latin typeface="STIXMathJax_Main" charset="0"/>
+              </a:rPr>
+              <a:t>Φ</a:t>
+            </a:r>
+            <a:r>
+              <a:rPr lang="en-US" dirty="0">
+                <a:latin typeface="STIXMathJax_Main" charset="0"/>
+              </a:rPr>
+              <a:t>(∙)</a:t>
+            </a:r>
+            <a:r>
+              <a:rPr lang="en-US" dirty="0"/>
+              <a:t> = the </a:t>
+            </a:r>
+            <a:r>
+              <a:rPr lang="en-US" dirty="0" smtClean="0"/>
+              <a:t>normal cumulative distribution function</a:t>
+            </a:r>
+            <a:br>
+              <a:rPr lang="en-US" dirty="0" smtClean="0"/>
+            </a:br>
+            <a:endParaRPr lang="en-US" dirty="0"/>
+          </a:p>
+        </p:txBody>
+      </p:sp>
+      <p:pic>
+        <p:nvPicPr>
+          <p:cNvPr id="5" name="Picture 4"/>
+          <p:cNvPicPr>
+            <a:picLocks noChangeAspect="1"/>
+          </p:cNvPicPr>
+          <p:nvPr/>
+        </p:nvPicPr>
+        <p:blipFill>
+          <a:blip r:embed="rId3"/>
+          <a:stretch>
+            <a:fillRect/>
+          </a:stretch>
+        </p:blipFill>
+        <p:spPr>
+          <a:xfrm>
+            <a:off x="3082289" y="2231570"/>
+            <a:ext cx="6109703" cy="1413329"/>
+          </a:xfrm>
+          <a:prstGeom prst="rect">
+            <a:avLst/>
+          </a:prstGeom>
+        </p:spPr>
+      </p:pic>
+    </p:spTree>
+    <p:extLst>
+      <p:ext uri="{BB962C8B-B14F-4D97-AF65-F5344CB8AC3E}">
+        <p14:creationId xmlns:p14="http://schemas.microsoft.com/office/powerpoint/2010/main" val="1762847878"/>
+      </p:ext>
+    </p:extLst>
+  </p:cSld>
+  <p:clrMapOvr>
+    <a:masterClrMapping/>
+  </p:clrMapOvr>
+</p:sld>
+</file>
+
+<file path=ppt/slides/slide16.xml><?xml version="1.0" encoding="utf-8"?>
 <p:sld xmlns:a="http://schemas.openxmlformats.org/drawingml/2006/main" xmlns:r="http://schemas.openxmlformats.org/officeDocument/2006/relationships" xmlns:p="http://schemas.openxmlformats.org/presentationml/2006/main">
   <p:cSld>
     <p:spTree>
@@ -5047,7 +5699,7 @@
 </p:sld>
 </file>
 
-<file path=ppt/slides/slide15.xml><?xml version="1.0" encoding="utf-8"?>
+<file path=ppt/slides/slide17.xml><?xml version="1.0" encoding="utf-8"?>
 <p:sld xmlns:a="http://schemas.openxmlformats.org/drawingml/2006/main" xmlns:r="http://schemas.openxmlformats.org/officeDocument/2006/relationships" xmlns:p="http://schemas.openxmlformats.org/presentationml/2006/main">
   <p:cSld>
     <p:spTree>
@@ -5396,7 +6048,7 @@
 </p:sld>
 </file>
 
-<file path=ppt/slides/slide16.xml><?xml version="1.0" encoding="utf-8"?>
+<file path=ppt/slides/slide18.xml><?xml version="1.0" encoding="utf-8"?>
 <p:sld xmlns:a="http://schemas.openxmlformats.org/drawingml/2006/main" xmlns:r="http://schemas.openxmlformats.org/officeDocument/2006/relationships" xmlns:p="http://schemas.openxmlformats.org/presentationml/2006/main">
   <p:cSld>
     <p:spTree>
@@ -6027,7 +6679,7 @@
 </p:sld>
 </file>
 
-<file path=ppt/slides/slide17.xml><?xml version="1.0" encoding="utf-8"?>
+<file path=ppt/slides/slide19.xml><?xml version="1.0" encoding="utf-8"?>
 <p:sld xmlns:a="http://schemas.openxmlformats.org/drawingml/2006/main" xmlns:r="http://schemas.openxmlformats.org/officeDocument/2006/relationships" xmlns:p="http://schemas.openxmlformats.org/presentationml/2006/main">
   <p:cSld>
     <p:spTree>
@@ -6437,7 +7089,86 @@
 </p:sld>
 </file>
 
-<file path=ppt/slides/slide18.xml><?xml version="1.0" encoding="utf-8"?>
+<file path=ppt/slides/slide2.xml><?xml version="1.0" encoding="utf-8"?>
+<p:sld xmlns:a="http://schemas.openxmlformats.org/drawingml/2006/main" xmlns:r="http://schemas.openxmlformats.org/officeDocument/2006/relationships" xmlns:p="http://schemas.openxmlformats.org/presentationml/2006/main">
+  <p:cSld>
+    <p:spTree>
+      <p:nvGrpSpPr>
+        <p:cNvPr id="1" name=""/>
+        <p:cNvGrpSpPr/>
+        <p:nvPr/>
+      </p:nvGrpSpPr>
+      <p:grpSpPr>
+        <a:xfrm>
+          <a:off x="0" y="0"/>
+          <a:ext cx="0" cy="0"/>
+          <a:chOff x="0" y="0"/>
+          <a:chExt cx="0" cy="0"/>
+        </a:xfrm>
+      </p:grpSpPr>
+      <p:sp>
+        <p:nvSpPr>
+          <p:cNvPr id="4" name="Title 3"/>
+          <p:cNvSpPr>
+            <a:spLocks noGrp="1"/>
+          </p:cNvSpPr>
+          <p:nvPr>
+            <p:ph type="title"/>
+          </p:nvPr>
+        </p:nvSpPr>
+        <p:spPr/>
+        <p:txBody>
+          <a:bodyPr/>
+          <a:lstStyle/>
+          <a:p>
+            <a:r>
+              <a:rPr lang="en-US" dirty="0" smtClean="0"/>
+              <a:t>Why bother with A/B Testing?</a:t>
+            </a:r>
+            <a:endParaRPr lang="en-US" dirty="0"/>
+          </a:p>
+        </p:txBody>
+      </p:sp>
+      <p:sp>
+        <p:nvSpPr>
+          <p:cNvPr id="5" name="Text Placeholder 4"/>
+          <p:cNvSpPr>
+            <a:spLocks noGrp="1"/>
+          </p:cNvSpPr>
+          <p:nvPr>
+            <p:ph type="body" idx="1"/>
+          </p:nvPr>
+        </p:nvSpPr>
+        <p:spPr/>
+        <p:txBody>
+          <a:bodyPr/>
+          <a:lstStyle/>
+          <a:p>
+            <a:endParaRPr lang="en-US"/>
+          </a:p>
+        </p:txBody>
+      </p:sp>
+    </p:spTree>
+    <p:extLst>
+      <p:ext uri="{BB962C8B-B14F-4D97-AF65-F5344CB8AC3E}">
+        <p14:creationId xmlns:p14="http://schemas.microsoft.com/office/powerpoint/2010/main" val="2040127177"/>
+      </p:ext>
+    </p:extLst>
+  </p:cSld>
+  <p:clrMapOvr>
+    <a:masterClrMapping/>
+  </p:clrMapOvr>
+  <p:timing>
+    <p:tnLst>
+      <p:par>
+        <p:cTn id="1" dur="indefinite" restart="never" nodeType="tmRoot"/>
+      </p:par>
+    </p:tnLst>
+  </p:timing>
+</p:sld>
+</file>
+
+<file path=ppt/slides/slide20.xml><?xml version="1.0" encoding="utf-8"?>
 <p:sld xmlns:a="http://schemas.openxmlformats.org/drawingml/2006/main" xmlns:r="http://schemas.openxmlformats.org/officeDocument/2006/relationships" xmlns:p="http://schemas.openxmlformats.org/presentationml/2006/main">
   <p:cSld>
     <p:spTree>
@@ -6794,7 +7525,7 @@
 </p:sld>
 </file>
 
-<file path=ppt/slides/slide19.xml><?xml version="1.0" encoding="utf-8"?>
+<file path=ppt/slides/slide21.xml><?xml version="1.0" encoding="utf-8"?>
 <p:sld xmlns:a="http://schemas.openxmlformats.org/drawingml/2006/main" xmlns:r="http://schemas.openxmlformats.org/officeDocument/2006/relationships" xmlns:p="http://schemas.openxmlformats.org/presentationml/2006/main">
   <p:cSld>
     <p:spTree>
@@ -6873,7 +7604,7 @@
 </p:sld>
 </file>
 
-<file path=ppt/slides/slide2.xml><?xml version="1.0" encoding="utf-8"?>
+<file path=ppt/slides/slide22.xml><?xml version="1.0" encoding="utf-8"?>
 <p:sld xmlns:a="http://schemas.openxmlformats.org/drawingml/2006/main" xmlns:r="http://schemas.openxmlformats.org/officeDocument/2006/relationships" xmlns:p="http://schemas.openxmlformats.org/presentationml/2006/main">
   <p:cSld>
     <p:spTree>
@@ -6892,7 +7623,7 @@
       </p:grpSpPr>
       <p:sp>
         <p:nvSpPr>
-          <p:cNvPr id="4" name="Title 3"/>
+          <p:cNvPr id="2" name="Title 1"/>
           <p:cNvSpPr>
             <a:spLocks noGrp="1"/>
           </p:cNvSpPr>
@@ -6907,7 +7638,7 @@
           <a:p>
             <a:r>
               <a:rPr lang="en-US" dirty="0" smtClean="0"/>
-              <a:t>Why bother with A/B Testing?</a:t>
+              <a:t>Reason for Negative Result</a:t>
             </a:r>
             <a:endParaRPr lang="en-US" dirty="0"/>
           </a:p>
@@ -6915,98 +7646,21 @@
       </p:sp>
       <p:sp>
         <p:nvSpPr>
-          <p:cNvPr id="5" name="Text Placeholder 4"/>
-          <p:cNvSpPr>
-            <a:spLocks noGrp="1"/>
-          </p:cNvSpPr>
-          <p:nvPr>
-            <p:ph type="body" idx="1"/>
+          <p:cNvPr id="3" name="Content Placeholder 2"/>
+          <p:cNvSpPr>
+            <a:spLocks noGrp="1"/>
+          </p:cNvSpPr>
+          <p:nvPr>
+            <p:ph idx="1"/>
           </p:nvPr>
         </p:nvSpPr>
         <p:spPr/>
         <p:txBody>
-          <a:bodyPr/>
+          <a:bodyPr>
+            <a:normAutofit lnSpcReduction="10000"/>
+          </a:bodyPr>
           <a:lstStyle/>
           <a:p>
-            <a:endParaRPr lang="en-US"/>
-          </a:p>
-        </p:txBody>
-      </p:sp>
-    </p:spTree>
-    <p:extLst>
-      <p:ext uri="{BB962C8B-B14F-4D97-AF65-F5344CB8AC3E}">
-        <p14:creationId xmlns:p14="http://schemas.microsoft.com/office/powerpoint/2010/main" val="2040127177"/>
-      </p:ext>
-    </p:extLst>
-  </p:cSld>
-  <p:clrMapOvr>
-    <a:masterClrMapping/>
-  </p:clrMapOvr>
-  <p:timing>
-    <p:tnLst>
-      <p:par>
-        <p:cTn id="1" dur="indefinite" restart="never" nodeType="tmRoot"/>
-      </p:par>
-    </p:tnLst>
-  </p:timing>
-</p:sld>
-</file>
-
-<file path=ppt/slides/slide20.xml><?xml version="1.0" encoding="utf-8"?>
-<p:sld xmlns:a="http://schemas.openxmlformats.org/drawingml/2006/main" xmlns:r="http://schemas.openxmlformats.org/officeDocument/2006/relationships" xmlns:p="http://schemas.openxmlformats.org/presentationml/2006/main">
-  <p:cSld>
-    <p:spTree>
-      <p:nvGrpSpPr>
-        <p:cNvPr id="1" name=""/>
-        <p:cNvGrpSpPr/>
-        <p:nvPr/>
-      </p:nvGrpSpPr>
-      <p:grpSpPr>
-        <a:xfrm>
-          <a:off x="0" y="0"/>
-          <a:ext cx="0" cy="0"/>
-          <a:chOff x="0" y="0"/>
-          <a:chExt cx="0" cy="0"/>
-        </a:xfrm>
-      </p:grpSpPr>
-      <p:sp>
-        <p:nvSpPr>
-          <p:cNvPr id="2" name="Title 1"/>
-          <p:cNvSpPr>
-            <a:spLocks noGrp="1"/>
-          </p:cNvSpPr>
-          <p:nvPr>
-            <p:ph type="title"/>
-          </p:nvPr>
-        </p:nvSpPr>
-        <p:spPr/>
-        <p:txBody>
-          <a:bodyPr/>
-          <a:lstStyle/>
-          <a:p>
-            <a:r>
-              <a:rPr lang="en-US" dirty="0" smtClean="0"/>
-              <a:t>Reason for Negative Result</a:t>
-            </a:r>
-            <a:endParaRPr lang="en-US" dirty="0"/>
-          </a:p>
-        </p:txBody>
-      </p:sp>
-      <p:sp>
-        <p:nvSpPr>
-          <p:cNvPr id="3" name="Content Placeholder 2"/>
-          <p:cNvSpPr>
-            <a:spLocks noGrp="1"/>
-          </p:cNvSpPr>
-          <p:nvPr>
-            <p:ph idx="1"/>
-          </p:nvPr>
-        </p:nvSpPr>
-        <p:spPr/>
-        <p:txBody>
-          <a:bodyPr/>
-          <a:lstStyle/>
-          <a:p>
             <a:r>
               <a:rPr lang="en-US" dirty="0" smtClean="0"/>
               <a:t>Feature change, A/B Test, OEC is PV</a:t>
@@ -7036,6 +7690,13 @@
             <a:r>
               <a:rPr lang="en-US" dirty="0" smtClean="0"/>
               <a:t>#2: B is slower (e.g. on average takes 10ms longer to render)</a:t>
+            </a:r>
+          </a:p>
+          <a:p>
+            <a:pPr lvl="2"/>
+            <a:r>
+              <a:rPr lang="en-US" dirty="0" smtClean="0"/>
+              <a:t>Slowdown could come from server side (e.g. extra DB read), client side (e.g. redirect) or both</a:t>
             </a:r>
             <a:br>
               <a:rPr lang="en-US" dirty="0" smtClean="0"/>
@@ -7363,15 +8024,33 @@
                                   </p:childTnLst>
                                 </p:cTn>
                               </p:par>
+                            </p:childTnLst>
+                          </p:cTn>
+                        </p:par>
+                      </p:childTnLst>
+                    </p:cTn>
+                  </p:par>
+                  <p:par>
+                    <p:cTn id="25" fill="hold">
+                      <p:stCondLst>
+                        <p:cond delay="indefinite"/>
+                      </p:stCondLst>
+                      <p:childTnLst>
+                        <p:par>
+                          <p:cTn id="26" fill="hold">
+                            <p:stCondLst>
+                              <p:cond delay="0"/>
+                            </p:stCondLst>
+                            <p:childTnLst>
                               <p:par>
-                                <p:cTn id="25" presetID="1" presetClass="entr" presetSubtype="0" fill="hold" nodeType="withEffect">
+                                <p:cTn id="27" presetID="1" presetClass="entr" presetSubtype="0" fill="hold" nodeType="clickEffect">
                                   <p:stCondLst>
                                     <p:cond delay="0"/>
                                   </p:stCondLst>
                                   <p:childTnLst>
                                     <p:set>
                                       <p:cBhvr>
-                                        <p:cTn id="26" dur="1" fill="hold">
+                                        <p:cTn id="28" dur="1" fill="hold">
                                           <p:stCondLst>
                                             <p:cond delay="0"/>
                                           </p:stCondLst>
@@ -7395,14 +8074,14 @@
                                 </p:cTn>
                               </p:par>
                               <p:par>
-                                <p:cTn id="27" presetID="1" presetClass="entr" presetSubtype="0" fill="hold" nodeType="withEffect">
+                                <p:cTn id="29" presetID="1" presetClass="entr" presetSubtype="0" fill="hold" nodeType="withEffect">
                                   <p:stCondLst>
                                     <p:cond delay="0"/>
                                   </p:stCondLst>
                                   <p:childTnLst>
                                     <p:set>
                                       <p:cBhvr>
-                                        <p:cTn id="28" dur="1" fill="hold">
+                                        <p:cTn id="30" dur="1" fill="hold">
                                           <p:stCondLst>
                                             <p:cond delay="0"/>
                                           </p:stCondLst>
@@ -7411,6 +8090,37 @@
                                           <p:spTgt spid="3">
                                             <p:txEl>
                                               <p:pRg st="7" end="7"/>
+                                            </p:txEl>
+                                          </p:spTgt>
+                                        </p:tgtEl>
+                                        <p:attrNameLst>
+                                          <p:attrName>style.visibility</p:attrName>
+                                        </p:attrNameLst>
+                                      </p:cBhvr>
+                                      <p:to>
+                                        <p:strVal val="visible"/>
+                                      </p:to>
+                                    </p:set>
+                                  </p:childTnLst>
+                                </p:cTn>
+                              </p:par>
+                              <p:par>
+                                <p:cTn id="31" presetID="1" presetClass="entr" presetSubtype="0" fill="hold" nodeType="withEffect">
+                                  <p:stCondLst>
+                                    <p:cond delay="0"/>
+                                  </p:stCondLst>
+                                  <p:childTnLst>
+                                    <p:set>
+                                      <p:cBhvr>
+                                        <p:cTn id="32" dur="1" fill="hold">
+                                          <p:stCondLst>
+                                            <p:cond delay="0"/>
+                                          </p:stCondLst>
+                                        </p:cTn>
+                                        <p:tgtEl>
+                                          <p:spTgt spid="3">
+                                            <p:txEl>
+                                              <p:pRg st="8" end="8"/>
                                             </p:txEl>
                                           </p:spTgt>
                                         </p:tgtEl>
@@ -7456,7 +8166,168 @@
 </p:sld>
 </file>
 
-<file path=ppt/slides/slide21.xml><?xml version="1.0" encoding="utf-8"?>
+<file path=ppt/slides/slide23.xml><?xml version="1.0" encoding="utf-8"?>
+<p:sld xmlns:a="http://schemas.openxmlformats.org/drawingml/2006/main" xmlns:r="http://schemas.openxmlformats.org/officeDocument/2006/relationships" xmlns:p="http://schemas.openxmlformats.org/presentationml/2006/main">
+  <p:cSld>
+    <p:spTree>
+      <p:nvGrpSpPr>
+        <p:cNvPr id="1" name=""/>
+        <p:cNvGrpSpPr/>
+        <p:nvPr/>
+      </p:nvGrpSpPr>
+      <p:grpSpPr>
+        <a:xfrm>
+          <a:off x="0" y="0"/>
+          <a:ext cx="0" cy="0"/>
+          <a:chOff x="0" y="0"/>
+          <a:chExt cx="0" cy="0"/>
+        </a:xfrm>
+      </p:grpSpPr>
+      <p:sp>
+        <p:nvSpPr>
+          <p:cNvPr id="4" name="Title 3"/>
+          <p:cNvSpPr>
+            <a:spLocks noGrp="1"/>
+          </p:cNvSpPr>
+          <p:nvPr>
+            <p:ph type="title"/>
+          </p:nvPr>
+        </p:nvSpPr>
+        <p:spPr/>
+        <p:txBody>
+          <a:bodyPr/>
+          <a:lstStyle/>
+          <a:p>
+            <a:r>
+              <a:rPr lang="en-US" dirty="0" smtClean="0"/>
+              <a:t>Novelty Effect and Inter-temporal Substitution</a:t>
+            </a:r>
+            <a:endParaRPr lang="en-US" dirty="0"/>
+          </a:p>
+        </p:txBody>
+      </p:sp>
+      <p:sp>
+        <p:nvSpPr>
+          <p:cNvPr id="5" name="Content Placeholder 4"/>
+          <p:cNvSpPr>
+            <a:spLocks noGrp="1"/>
+          </p:cNvSpPr>
+          <p:nvPr>
+            <p:ph idx="1"/>
+          </p:nvPr>
+        </p:nvSpPr>
+        <p:spPr/>
+        <p:txBody>
+          <a:bodyPr/>
+          <a:lstStyle/>
+          <a:p>
+            <a:r>
+              <a:rPr lang="en-US" dirty="0" smtClean="0"/>
+              <a:t>Novelty Effect:</a:t>
+            </a:r>
+          </a:p>
+          <a:p>
+            <a:pPr lvl="1"/>
+            <a:r>
+              <a:rPr lang="en-US" dirty="0" smtClean="0"/>
+              <a:t>Example:</a:t>
+            </a:r>
+          </a:p>
+          <a:p>
+            <a:pPr lvl="2"/>
+            <a:r>
+              <a:rPr lang="en-US" dirty="0" smtClean="0"/>
+              <a:t>Change: UI design; A/B Test</a:t>
+            </a:r>
+          </a:p>
+          <a:p>
+            <a:pPr lvl="2"/>
+            <a:r>
+              <a:rPr lang="en-US" dirty="0" smtClean="0"/>
+              <a:t>Want to measure “user engagement”</a:t>
+            </a:r>
+          </a:p>
+          <a:p>
+            <a:pPr lvl="2"/>
+            <a:r>
+              <a:rPr lang="en-US" dirty="0" smtClean="0"/>
+              <a:t>OEC = time spent on the page</a:t>
+            </a:r>
+          </a:p>
+          <a:p>
+            <a:pPr lvl="1"/>
+            <a:r>
+              <a:rPr lang="en-US" dirty="0" smtClean="0"/>
+              <a:t>Result:</a:t>
+            </a:r>
+          </a:p>
+          <a:p>
+            <a:pPr lvl="2"/>
+            <a:r>
+              <a:rPr lang="en-US" dirty="0" smtClean="0"/>
+              <a:t>B is higher than A by 10%</a:t>
+            </a:r>
+            <a:br>
+              <a:rPr lang="en-US" dirty="0" smtClean="0"/>
+            </a:br>
+            <a:endParaRPr lang="en-US" dirty="0" smtClean="0"/>
+          </a:p>
+          <a:p>
+            <a:r>
+              <a:rPr lang="en-US" dirty="0" smtClean="0"/>
+              <a:t>Inter-temporal Substitution:</a:t>
+            </a:r>
+          </a:p>
+          <a:p>
+            <a:pPr lvl="1"/>
+            <a:r>
+              <a:rPr lang="en-US" dirty="0" smtClean="0"/>
+              <a:t>A </a:t>
+            </a:r>
+            <a:r>
+              <a:rPr lang="en-US" smtClean="0"/>
+              <a:t>fancy term </a:t>
+            </a:r>
+            <a:r>
+              <a:rPr lang="en-US" smtClean="0">
+                <a:sym typeface="Wingdings"/>
+              </a:rPr>
+              <a:t></a:t>
+            </a:r>
+            <a:endParaRPr lang="en-US" dirty="0" smtClean="0">
+              <a:sym typeface="Wingdings"/>
+            </a:endParaRPr>
+          </a:p>
+          <a:p>
+            <a:pPr lvl="1"/>
+            <a:r>
+              <a:rPr lang="en-US" dirty="0" smtClean="0">
+                <a:sym typeface="Wingdings"/>
+              </a:rPr>
+              <a:t>E.g. A big sales for men’s suit</a:t>
+            </a:r>
+            <a:endParaRPr lang="en-US" dirty="0" smtClean="0"/>
+          </a:p>
+          <a:p>
+            <a:pPr lvl="1"/>
+            <a:endParaRPr lang="en-US" dirty="0"/>
+          </a:p>
+        </p:txBody>
+      </p:sp>
+    </p:spTree>
+    <p:extLst>
+      <p:ext uri="{BB962C8B-B14F-4D97-AF65-F5344CB8AC3E}">
+        <p14:creationId xmlns:p14="http://schemas.microsoft.com/office/powerpoint/2010/main" val="1233774680"/>
+      </p:ext>
+    </p:extLst>
+  </p:cSld>
+  <p:clrMapOvr>
+    <a:masterClrMapping/>
+  </p:clrMapOvr>
+</p:sld>
+</file>
+
+<file path=ppt/slides/slide24.xml><?xml version="1.0" encoding="utf-8"?>
 <p:sld xmlns:a="http://schemas.openxmlformats.org/drawingml/2006/main" xmlns:r="http://schemas.openxmlformats.org/officeDocument/2006/relationships" xmlns:p="http://schemas.openxmlformats.org/presentationml/2006/main">
   <p:cSld>
     <p:spTree>
@@ -7890,7 +8761,7 @@
 </p:sld>
 </file>
 
-<file path=ppt/slides/slide22.xml><?xml version="1.0" encoding="utf-8"?>
+<file path=ppt/slides/slide25.xml><?xml version="1.0" encoding="utf-8"?>
 <p:sld xmlns:a="http://schemas.openxmlformats.org/drawingml/2006/main" xmlns:r="http://schemas.openxmlformats.org/officeDocument/2006/relationships" xmlns:p="http://schemas.openxmlformats.org/presentationml/2006/main">
   <p:cSld>
     <p:spTree>
@@ -8414,7 +9285,7 @@
 </p:sld>
 </file>
 
-<file path=ppt/slides/slide23.xml><?xml version="1.0" encoding="utf-8"?>
+<file path=ppt/slides/slide26.xml><?xml version="1.0" encoding="utf-8"?>
 <p:sld xmlns:a="http://schemas.openxmlformats.org/drawingml/2006/main" xmlns:r="http://schemas.openxmlformats.org/officeDocument/2006/relationships" xmlns:p="http://schemas.openxmlformats.org/presentationml/2006/main">
   <p:cSld>
     <p:spTree>
@@ -8495,7 +9366,7 @@
 </p:sld>
 </file>
 
-<file path=ppt/slides/slide24.xml><?xml version="1.0" encoding="utf-8"?>
+<file path=ppt/slides/slide27.xml><?xml version="1.0" encoding="utf-8"?>
 <p:sld xmlns:a="http://schemas.openxmlformats.org/drawingml/2006/main" xmlns:r="http://schemas.openxmlformats.org/officeDocument/2006/relationships" xmlns:p="http://schemas.openxmlformats.org/presentationml/2006/main">
   <p:cSld>
     <p:spTree>
@@ -9039,7 +9910,7 @@
 </p:sld>
 </file>
 
-<file path=ppt/slides/slide25.xml><?xml version="1.0" encoding="utf-8"?>
+<file path=ppt/slides/slide28.xml><?xml version="1.0" encoding="utf-8"?>
 <p:sld xmlns:a="http://schemas.openxmlformats.org/drawingml/2006/main" xmlns:r="http://schemas.openxmlformats.org/officeDocument/2006/relationships" xmlns:p="http://schemas.openxmlformats.org/presentationml/2006/main">
   <p:cSld>
     <p:spTree>
@@ -9522,294 +10393,6 @@
 </p:sld>
 </file>
 
-<file path=ppt/slides/slide26.xml><?xml version="1.0" encoding="utf-8"?>
-<p:sld xmlns:a="http://schemas.openxmlformats.org/drawingml/2006/main" xmlns:r="http://schemas.openxmlformats.org/officeDocument/2006/relationships" xmlns:p="http://schemas.openxmlformats.org/presentationml/2006/main">
-  <p:cSld>
-    <p:spTree>
-      <p:nvGrpSpPr>
-        <p:cNvPr id="1" name=""/>
-        <p:cNvGrpSpPr/>
-        <p:nvPr/>
-      </p:nvGrpSpPr>
-      <p:grpSpPr>
-        <a:xfrm>
-          <a:off x="0" y="0"/>
-          <a:ext cx="0" cy="0"/>
-          <a:chOff x="0" y="0"/>
-          <a:chExt cx="0" cy="0"/>
-        </a:xfrm>
-      </p:grpSpPr>
-      <p:sp>
-        <p:nvSpPr>
-          <p:cNvPr id="2" name="Title 1"/>
-          <p:cNvSpPr>
-            <a:spLocks noGrp="1"/>
-          </p:cNvSpPr>
-          <p:nvPr>
-            <p:ph type="title"/>
-          </p:nvPr>
-        </p:nvSpPr>
-        <p:spPr/>
-        <p:txBody>
-          <a:bodyPr/>
-          <a:lstStyle/>
-          <a:p>
-            <a:r>
-              <a:rPr lang="en-US" dirty="0" smtClean="0"/>
-              <a:t>Summary</a:t>
-            </a:r>
-            <a:endParaRPr lang="en-US" dirty="0"/>
-          </a:p>
-        </p:txBody>
-      </p:sp>
-      <p:sp>
-        <p:nvSpPr>
-          <p:cNvPr id="3" name="Content Placeholder 2"/>
-          <p:cNvSpPr>
-            <a:spLocks noGrp="1"/>
-          </p:cNvSpPr>
-          <p:nvPr>
-            <p:ph idx="1"/>
-          </p:nvPr>
-        </p:nvSpPr>
-        <p:spPr>
-          <a:xfrm>
-            <a:off x="838200" y="1485900"/>
-            <a:ext cx="10515600" cy="4691063"/>
-          </a:xfrm>
-        </p:spPr>
-        <p:txBody>
-          <a:bodyPr>
-            <a:normAutofit/>
-          </a:bodyPr>
-          <a:lstStyle/>
-          <a:p>
-            <a:r>
-              <a:rPr lang="en-US" sz="3600" dirty="0" smtClean="0"/>
-              <a:t>Measure the impact of new feature / design change</a:t>
-            </a:r>
-          </a:p>
-          <a:p>
-            <a:r>
-              <a:rPr lang="en-US" sz="3600" dirty="0" smtClean="0"/>
-              <a:t>A/B Testing – a fair comparison</a:t>
-            </a:r>
-          </a:p>
-          <a:p>
-            <a:r>
-              <a:rPr lang="en-US" sz="3600" dirty="0" smtClean="0"/>
-              <a:t>Check statistical significance</a:t>
-            </a:r>
-          </a:p>
-          <a:p>
-            <a:r>
-              <a:rPr lang="en-US" sz="3600" dirty="0" smtClean="0"/>
-              <a:t>Have to set an Overall Evaluation Criterion (OEC)</a:t>
-            </a:r>
-          </a:p>
-          <a:p>
-            <a:r>
-              <a:rPr lang="en-US" sz="3600" dirty="0" smtClean="0"/>
-              <a:t>Experiments encourages trying out new ideas!</a:t>
-            </a:r>
-          </a:p>
-          <a:p>
-            <a:r>
-              <a:rPr lang="en-US" sz="3600" dirty="0" smtClean="0"/>
-              <a:t>Experiment often, and correctly  </a:t>
-            </a:r>
-            <a:r>
-              <a:rPr lang="en-US" sz="3600" dirty="0" smtClean="0">
-                <a:sym typeface="Wingdings"/>
-              </a:rPr>
-              <a:t> </a:t>
-            </a:r>
-            <a:endParaRPr lang="en-US" sz="3600" dirty="0" smtClean="0"/>
-          </a:p>
-          <a:p>
-            <a:endParaRPr lang="en-US" sz="3600" dirty="0"/>
-          </a:p>
-        </p:txBody>
-      </p:sp>
-    </p:spTree>
-    <p:extLst>
-      <p:ext uri="{BB962C8B-B14F-4D97-AF65-F5344CB8AC3E}">
-        <p14:creationId xmlns:p14="http://schemas.microsoft.com/office/powerpoint/2010/main" val="1574222478"/>
-      </p:ext>
-    </p:extLst>
-  </p:cSld>
-  <p:clrMapOvr>
-    <a:masterClrMapping/>
-  </p:clrMapOvr>
-  <p:timing>
-    <p:tnLst>
-      <p:par>
-        <p:cTn id="1" dur="indefinite" restart="never" nodeType="tmRoot"/>
-      </p:par>
-    </p:tnLst>
-  </p:timing>
-</p:sld>
-</file>
-
-<file path=ppt/slides/slide27.xml><?xml version="1.0" encoding="utf-8"?>
-<p:sld xmlns:a="http://schemas.openxmlformats.org/drawingml/2006/main" xmlns:r="http://schemas.openxmlformats.org/officeDocument/2006/relationships" xmlns:p="http://schemas.openxmlformats.org/presentationml/2006/main">
-  <p:cSld>
-    <p:spTree>
-      <p:nvGrpSpPr>
-        <p:cNvPr id="1" name=""/>
-        <p:cNvGrpSpPr/>
-        <p:nvPr/>
-      </p:nvGrpSpPr>
-      <p:grpSpPr>
-        <a:xfrm>
-          <a:off x="0" y="0"/>
-          <a:ext cx="0" cy="0"/>
-          <a:chOff x="0" y="0"/>
-          <a:chExt cx="0" cy="0"/>
-        </a:xfrm>
-      </p:grpSpPr>
-      <p:sp>
-        <p:nvSpPr>
-          <p:cNvPr id="2" name="Title 1"/>
-          <p:cNvSpPr>
-            <a:spLocks noGrp="1"/>
-          </p:cNvSpPr>
-          <p:nvPr>
-            <p:ph type="title"/>
-          </p:nvPr>
-        </p:nvSpPr>
-        <p:spPr/>
-        <p:txBody>
-          <a:bodyPr/>
-          <a:lstStyle/>
-          <a:p>
-            <a:pPr algn="ctr"/>
-            <a:r>
-              <a:rPr lang="en-US" dirty="0" smtClean="0"/>
-              <a:t>Thank you!</a:t>
-            </a:r>
-            <a:endParaRPr lang="en-US" dirty="0"/>
-          </a:p>
-        </p:txBody>
-      </p:sp>
-      <p:sp>
-        <p:nvSpPr>
-          <p:cNvPr id="3" name="Text Placeholder 2"/>
-          <p:cNvSpPr>
-            <a:spLocks noGrp="1"/>
-          </p:cNvSpPr>
-          <p:nvPr>
-            <p:ph type="body" idx="1"/>
-          </p:nvPr>
-        </p:nvSpPr>
-        <p:spPr/>
-        <p:txBody>
-          <a:bodyPr/>
-          <a:lstStyle/>
-          <a:p>
-            <a:endParaRPr lang="en-US"/>
-          </a:p>
-        </p:txBody>
-      </p:sp>
-    </p:spTree>
-    <p:extLst>
-      <p:ext uri="{BB962C8B-B14F-4D97-AF65-F5344CB8AC3E}">
-        <p14:creationId xmlns:p14="http://schemas.microsoft.com/office/powerpoint/2010/main" val="20624881"/>
-      </p:ext>
-    </p:extLst>
-  </p:cSld>
-  <p:clrMapOvr>
-    <a:masterClrMapping/>
-  </p:clrMapOvr>
-  <p:timing>
-    <p:tnLst>
-      <p:par>
-        <p:cTn id="1" dur="indefinite" restart="never" nodeType="tmRoot"/>
-      </p:par>
-    </p:tnLst>
-  </p:timing>
-</p:sld>
-</file>
-
-<file path=ppt/slides/slide28.xml><?xml version="1.0" encoding="utf-8"?>
-<p:sld xmlns:a="http://schemas.openxmlformats.org/drawingml/2006/main" xmlns:r="http://schemas.openxmlformats.org/officeDocument/2006/relationships" xmlns:p="http://schemas.openxmlformats.org/presentationml/2006/main">
-  <p:cSld>
-    <p:spTree>
-      <p:nvGrpSpPr>
-        <p:cNvPr id="1" name=""/>
-        <p:cNvGrpSpPr/>
-        <p:nvPr/>
-      </p:nvGrpSpPr>
-      <p:grpSpPr>
-        <a:xfrm>
-          <a:off x="0" y="0"/>
-          <a:ext cx="0" cy="0"/>
-          <a:chOff x="0" y="0"/>
-          <a:chExt cx="0" cy="0"/>
-        </a:xfrm>
-      </p:grpSpPr>
-      <p:sp>
-        <p:nvSpPr>
-          <p:cNvPr id="4" name="Title 3"/>
-          <p:cNvSpPr>
-            <a:spLocks noGrp="1"/>
-          </p:cNvSpPr>
-          <p:nvPr>
-            <p:ph type="title"/>
-          </p:nvPr>
-        </p:nvSpPr>
-        <p:spPr/>
-        <p:txBody>
-          <a:bodyPr/>
-          <a:lstStyle/>
-          <a:p>
-            <a:r>
-              <a:rPr lang="en-US" dirty="0" smtClean="0"/>
-              <a:t>Backup slides</a:t>
-            </a:r>
-            <a:endParaRPr lang="en-US" dirty="0"/>
-          </a:p>
-        </p:txBody>
-      </p:sp>
-      <p:sp>
-        <p:nvSpPr>
-          <p:cNvPr id="5" name="Text Placeholder 4"/>
-          <p:cNvSpPr>
-            <a:spLocks noGrp="1"/>
-          </p:cNvSpPr>
-          <p:nvPr>
-            <p:ph type="body" idx="1"/>
-          </p:nvPr>
-        </p:nvSpPr>
-        <p:spPr/>
-        <p:txBody>
-          <a:bodyPr/>
-          <a:lstStyle/>
-          <a:p>
-            <a:endParaRPr lang="en-US"/>
-          </a:p>
-        </p:txBody>
-      </p:sp>
-    </p:spTree>
-    <p:extLst>
-      <p:ext uri="{BB962C8B-B14F-4D97-AF65-F5344CB8AC3E}">
-        <p14:creationId xmlns:p14="http://schemas.microsoft.com/office/powerpoint/2010/main" val="1149468725"/>
-      </p:ext>
-    </p:extLst>
-  </p:cSld>
-  <p:clrMapOvr>
-    <a:masterClrMapping/>
-  </p:clrMapOvr>
-  <p:timing>
-    <p:tnLst>
-      <p:par>
-        <p:cTn id="1" dur="indefinite" restart="never" nodeType="tmRoot"/>
-      </p:par>
-    </p:tnLst>
-  </p:timing>
-</p:sld>
-</file>
-
 <file path=ppt/slides/slide29.xml><?xml version="1.0" encoding="utf-8"?>
 <p:sld xmlns:a="http://schemas.openxmlformats.org/drawingml/2006/main" xmlns:r="http://schemas.openxmlformats.org/officeDocument/2006/relationships" xmlns:p="http://schemas.openxmlformats.org/presentationml/2006/main">
   <p:cSld>
@@ -9844,7 +10427,7 @@
           <a:p>
             <a:r>
               <a:rPr lang="en-US" dirty="0" smtClean="0"/>
-              <a:t>Don’t ignore Small Changes</a:t>
+              <a:t>Summary</a:t>
             </a:r>
             <a:endParaRPr lang="en-US" dirty="0"/>
           </a:p>
@@ -9852,7 +10435,7 @@
       </p:sp>
       <p:sp>
         <p:nvSpPr>
-          <p:cNvPr id="4" name="Content Placeholder 3"/>
+          <p:cNvPr id="3" name="Content Placeholder 2"/>
           <p:cNvSpPr>
             <a:spLocks noGrp="1"/>
           </p:cNvSpPr>
@@ -9860,67 +10443,69 @@
             <p:ph idx="1"/>
           </p:nvPr>
         </p:nvSpPr>
-        <p:spPr/>
-        <p:txBody>
-          <a:bodyPr/>
-          <a:lstStyle/>
-          <a:p>
-            <a:endParaRPr lang="en-US"/>
-          </a:p>
-        </p:txBody>
-      </p:sp>
-      <p:pic>
-        <p:nvPicPr>
-          <p:cNvPr id="5" name="Picture 4"/>
-          <p:cNvPicPr>
-            <a:picLocks noChangeAspect="1"/>
-          </p:cNvPicPr>
-          <p:nvPr/>
-        </p:nvPicPr>
-        <p:blipFill>
-          <a:blip r:embed="rId2"/>
-          <a:stretch>
-            <a:fillRect/>
-          </a:stretch>
-        </p:blipFill>
         <p:spPr>
           <a:xfrm>
-            <a:off x="351060" y="1870530"/>
-            <a:ext cx="10680593" cy="3844472"/>
+            <a:off x="838200" y="1485900"/>
+            <a:ext cx="10515600" cy="4691063"/>
           </a:xfrm>
-          <a:prstGeom prst="rect">
-            <a:avLst/>
-          </a:prstGeom>
         </p:spPr>
-      </p:pic>
-      <p:pic>
-        <p:nvPicPr>
-          <p:cNvPr id="6" name="Picture 5"/>
-          <p:cNvPicPr>
-            <a:picLocks noChangeAspect="1"/>
-          </p:cNvPicPr>
-          <p:nvPr/>
-        </p:nvPicPr>
-        <p:blipFill>
-          <a:blip r:embed="rId3"/>
-          <a:stretch>
-            <a:fillRect/>
-          </a:stretch>
-        </p:blipFill>
-        <p:spPr>
-          <a:xfrm>
-            <a:off x="5329406" y="5266533"/>
-            <a:ext cx="723900" cy="1358900"/>
-          </a:xfrm>
-          <a:prstGeom prst="rect">
-            <a:avLst/>
-          </a:prstGeom>
-        </p:spPr>
-      </p:pic>
+        <p:txBody>
+          <a:bodyPr>
+            <a:normAutofit/>
+          </a:bodyPr>
+          <a:lstStyle/>
+          <a:p>
+            <a:r>
+              <a:rPr lang="en-US" sz="3600" dirty="0" smtClean="0"/>
+              <a:t>Measure the impact of new feature / design change</a:t>
+            </a:r>
+          </a:p>
+          <a:p>
+            <a:r>
+              <a:rPr lang="en-US" sz="3600" dirty="0" smtClean="0"/>
+              <a:t>A/B Testing – a fair comparison</a:t>
+            </a:r>
+          </a:p>
+          <a:p>
+            <a:r>
+              <a:rPr lang="en-US" sz="3600" dirty="0" smtClean="0"/>
+              <a:t>Check statistical significance</a:t>
+            </a:r>
+          </a:p>
+          <a:p>
+            <a:r>
+              <a:rPr lang="en-US" sz="3600" dirty="0" smtClean="0"/>
+              <a:t>Have to set an Overall Evaluation Criterion (OEC)</a:t>
+            </a:r>
+          </a:p>
+          <a:p>
+            <a:r>
+              <a:rPr lang="en-US" sz="3600" dirty="0" smtClean="0"/>
+              <a:t>Experiments encourages trying out new ideas!</a:t>
+            </a:r>
+          </a:p>
+          <a:p>
+            <a:r>
+              <a:rPr lang="en-US" sz="3600" dirty="0" smtClean="0"/>
+              <a:t>Experiment often, and correctly  </a:t>
+            </a:r>
+            <a:r>
+              <a:rPr lang="en-US" sz="3600" dirty="0" smtClean="0">
+                <a:sym typeface="Wingdings"/>
+              </a:rPr>
+              <a:t> </a:t>
+            </a:r>
+            <a:endParaRPr lang="en-US" sz="3600" dirty="0" smtClean="0"/>
+          </a:p>
+          <a:p>
+            <a:endParaRPr lang="en-US" sz="3600" dirty="0"/>
+          </a:p>
+        </p:txBody>
+      </p:sp>
     </p:spTree>
     <p:extLst>
       <p:ext uri="{BB962C8B-B14F-4D97-AF65-F5344CB8AC3E}">
-        <p14:creationId xmlns:p14="http://schemas.microsoft.com/office/powerpoint/2010/main" val="474915376"/>
+        <p14:creationId xmlns:p14="http://schemas.microsoft.com/office/powerpoint/2010/main" val="1574222478"/>
       </p:ext>
     </p:extLst>
   </p:cSld>
@@ -10157,6 +10742,292 @@
 </file>
 
 <file path=ppt/slides/slide30.xml><?xml version="1.0" encoding="utf-8"?>
+<p:sld xmlns:a="http://schemas.openxmlformats.org/drawingml/2006/main" xmlns:r="http://schemas.openxmlformats.org/officeDocument/2006/relationships" xmlns:p="http://schemas.openxmlformats.org/presentationml/2006/main">
+  <p:cSld>
+    <p:spTree>
+      <p:nvGrpSpPr>
+        <p:cNvPr id="1" name=""/>
+        <p:cNvGrpSpPr/>
+        <p:nvPr/>
+      </p:nvGrpSpPr>
+      <p:grpSpPr>
+        <a:xfrm>
+          <a:off x="0" y="0"/>
+          <a:ext cx="0" cy="0"/>
+          <a:chOff x="0" y="0"/>
+          <a:chExt cx="0" cy="0"/>
+        </a:xfrm>
+      </p:grpSpPr>
+      <p:sp>
+        <p:nvSpPr>
+          <p:cNvPr id="2" name="Title 1"/>
+          <p:cNvSpPr>
+            <a:spLocks noGrp="1"/>
+          </p:cNvSpPr>
+          <p:nvPr>
+            <p:ph type="title"/>
+          </p:nvPr>
+        </p:nvSpPr>
+        <p:spPr/>
+        <p:txBody>
+          <a:bodyPr/>
+          <a:lstStyle/>
+          <a:p>
+            <a:pPr algn="ctr"/>
+            <a:r>
+              <a:rPr lang="en-US" dirty="0" smtClean="0"/>
+              <a:t>Thank you!</a:t>
+            </a:r>
+            <a:endParaRPr lang="en-US" dirty="0"/>
+          </a:p>
+        </p:txBody>
+      </p:sp>
+      <p:sp>
+        <p:nvSpPr>
+          <p:cNvPr id="3" name="Text Placeholder 2"/>
+          <p:cNvSpPr>
+            <a:spLocks noGrp="1"/>
+          </p:cNvSpPr>
+          <p:nvPr>
+            <p:ph type="body" idx="1"/>
+          </p:nvPr>
+        </p:nvSpPr>
+        <p:spPr/>
+        <p:txBody>
+          <a:bodyPr/>
+          <a:lstStyle/>
+          <a:p>
+            <a:endParaRPr lang="en-US"/>
+          </a:p>
+        </p:txBody>
+      </p:sp>
+    </p:spTree>
+    <p:extLst>
+      <p:ext uri="{BB962C8B-B14F-4D97-AF65-F5344CB8AC3E}">
+        <p14:creationId xmlns:p14="http://schemas.microsoft.com/office/powerpoint/2010/main" val="20624881"/>
+      </p:ext>
+    </p:extLst>
+  </p:cSld>
+  <p:clrMapOvr>
+    <a:masterClrMapping/>
+  </p:clrMapOvr>
+  <p:timing>
+    <p:tnLst>
+      <p:par>
+        <p:cTn id="1" dur="indefinite" restart="never" nodeType="tmRoot"/>
+      </p:par>
+    </p:tnLst>
+  </p:timing>
+</p:sld>
+</file>
+
+<file path=ppt/slides/slide31.xml><?xml version="1.0" encoding="utf-8"?>
+<p:sld xmlns:a="http://schemas.openxmlformats.org/drawingml/2006/main" xmlns:r="http://schemas.openxmlformats.org/officeDocument/2006/relationships" xmlns:p="http://schemas.openxmlformats.org/presentationml/2006/main">
+  <p:cSld>
+    <p:spTree>
+      <p:nvGrpSpPr>
+        <p:cNvPr id="1" name=""/>
+        <p:cNvGrpSpPr/>
+        <p:nvPr/>
+      </p:nvGrpSpPr>
+      <p:grpSpPr>
+        <a:xfrm>
+          <a:off x="0" y="0"/>
+          <a:ext cx="0" cy="0"/>
+          <a:chOff x="0" y="0"/>
+          <a:chExt cx="0" cy="0"/>
+        </a:xfrm>
+      </p:grpSpPr>
+      <p:sp>
+        <p:nvSpPr>
+          <p:cNvPr id="4" name="Title 3"/>
+          <p:cNvSpPr>
+            <a:spLocks noGrp="1"/>
+          </p:cNvSpPr>
+          <p:nvPr>
+            <p:ph type="title"/>
+          </p:nvPr>
+        </p:nvSpPr>
+        <p:spPr/>
+        <p:txBody>
+          <a:bodyPr/>
+          <a:lstStyle/>
+          <a:p>
+            <a:r>
+              <a:rPr lang="en-US" dirty="0" smtClean="0"/>
+              <a:t>Backup slides</a:t>
+            </a:r>
+            <a:endParaRPr lang="en-US" dirty="0"/>
+          </a:p>
+        </p:txBody>
+      </p:sp>
+      <p:sp>
+        <p:nvSpPr>
+          <p:cNvPr id="5" name="Text Placeholder 4"/>
+          <p:cNvSpPr>
+            <a:spLocks noGrp="1"/>
+          </p:cNvSpPr>
+          <p:nvPr>
+            <p:ph type="body" idx="1"/>
+          </p:nvPr>
+        </p:nvSpPr>
+        <p:spPr/>
+        <p:txBody>
+          <a:bodyPr/>
+          <a:lstStyle/>
+          <a:p>
+            <a:endParaRPr lang="en-US"/>
+          </a:p>
+        </p:txBody>
+      </p:sp>
+    </p:spTree>
+    <p:extLst>
+      <p:ext uri="{BB962C8B-B14F-4D97-AF65-F5344CB8AC3E}">
+        <p14:creationId xmlns:p14="http://schemas.microsoft.com/office/powerpoint/2010/main" val="1149468725"/>
+      </p:ext>
+    </p:extLst>
+  </p:cSld>
+  <p:clrMapOvr>
+    <a:masterClrMapping/>
+  </p:clrMapOvr>
+  <p:timing>
+    <p:tnLst>
+      <p:par>
+        <p:cTn id="1" dur="indefinite" restart="never" nodeType="tmRoot"/>
+      </p:par>
+    </p:tnLst>
+  </p:timing>
+</p:sld>
+</file>
+
+<file path=ppt/slides/slide32.xml><?xml version="1.0" encoding="utf-8"?>
+<p:sld xmlns:a="http://schemas.openxmlformats.org/drawingml/2006/main" xmlns:r="http://schemas.openxmlformats.org/officeDocument/2006/relationships" xmlns:p="http://schemas.openxmlformats.org/presentationml/2006/main">
+  <p:cSld>
+    <p:spTree>
+      <p:nvGrpSpPr>
+        <p:cNvPr id="1" name=""/>
+        <p:cNvGrpSpPr/>
+        <p:nvPr/>
+      </p:nvGrpSpPr>
+      <p:grpSpPr>
+        <a:xfrm>
+          <a:off x="0" y="0"/>
+          <a:ext cx="0" cy="0"/>
+          <a:chOff x="0" y="0"/>
+          <a:chExt cx="0" cy="0"/>
+        </a:xfrm>
+      </p:grpSpPr>
+      <p:sp>
+        <p:nvSpPr>
+          <p:cNvPr id="2" name="Title 1"/>
+          <p:cNvSpPr>
+            <a:spLocks noGrp="1"/>
+          </p:cNvSpPr>
+          <p:nvPr>
+            <p:ph type="title"/>
+          </p:nvPr>
+        </p:nvSpPr>
+        <p:spPr/>
+        <p:txBody>
+          <a:bodyPr/>
+          <a:lstStyle/>
+          <a:p>
+            <a:r>
+              <a:rPr lang="en-US" dirty="0" smtClean="0"/>
+              <a:t>Don’t ignore Small Changes</a:t>
+            </a:r>
+            <a:endParaRPr lang="en-US" dirty="0"/>
+          </a:p>
+        </p:txBody>
+      </p:sp>
+      <p:sp>
+        <p:nvSpPr>
+          <p:cNvPr id="4" name="Content Placeholder 3"/>
+          <p:cNvSpPr>
+            <a:spLocks noGrp="1"/>
+          </p:cNvSpPr>
+          <p:nvPr>
+            <p:ph idx="1"/>
+          </p:nvPr>
+        </p:nvSpPr>
+        <p:spPr/>
+        <p:txBody>
+          <a:bodyPr/>
+          <a:lstStyle/>
+          <a:p>
+            <a:endParaRPr lang="en-US"/>
+          </a:p>
+        </p:txBody>
+      </p:sp>
+      <p:pic>
+        <p:nvPicPr>
+          <p:cNvPr id="5" name="Picture 4"/>
+          <p:cNvPicPr>
+            <a:picLocks noChangeAspect="1"/>
+          </p:cNvPicPr>
+          <p:nvPr/>
+        </p:nvPicPr>
+        <p:blipFill>
+          <a:blip r:embed="rId2"/>
+          <a:stretch>
+            <a:fillRect/>
+          </a:stretch>
+        </p:blipFill>
+        <p:spPr>
+          <a:xfrm>
+            <a:off x="351060" y="1870530"/>
+            <a:ext cx="10680593" cy="3844472"/>
+          </a:xfrm>
+          <a:prstGeom prst="rect">
+            <a:avLst/>
+          </a:prstGeom>
+        </p:spPr>
+      </p:pic>
+      <p:pic>
+        <p:nvPicPr>
+          <p:cNvPr id="6" name="Picture 5"/>
+          <p:cNvPicPr>
+            <a:picLocks noChangeAspect="1"/>
+          </p:cNvPicPr>
+          <p:nvPr/>
+        </p:nvPicPr>
+        <p:blipFill>
+          <a:blip r:embed="rId3"/>
+          <a:stretch>
+            <a:fillRect/>
+          </a:stretch>
+        </p:blipFill>
+        <p:spPr>
+          <a:xfrm>
+            <a:off x="5329406" y="5266533"/>
+            <a:ext cx="723900" cy="1358900"/>
+          </a:xfrm>
+          <a:prstGeom prst="rect">
+            <a:avLst/>
+          </a:prstGeom>
+        </p:spPr>
+      </p:pic>
+    </p:spTree>
+    <p:extLst>
+      <p:ext uri="{BB962C8B-B14F-4D97-AF65-F5344CB8AC3E}">
+        <p14:creationId xmlns:p14="http://schemas.microsoft.com/office/powerpoint/2010/main" val="474915376"/>
+      </p:ext>
+    </p:extLst>
+  </p:cSld>
+  <p:clrMapOvr>
+    <a:masterClrMapping/>
+  </p:clrMapOvr>
+  <p:timing>
+    <p:tnLst>
+      <p:par>
+        <p:cTn id="1" dur="indefinite" restart="never" nodeType="tmRoot"/>
+      </p:par>
+    </p:tnLst>
+  </p:timing>
+</p:sld>
+</file>
+
+<file path=ppt/slides/slide33.xml><?xml version="1.0" encoding="utf-8"?>
 <p:sld xmlns:a="http://schemas.openxmlformats.org/drawingml/2006/main" xmlns:r="http://schemas.openxmlformats.org/officeDocument/2006/relationships" xmlns:p="http://schemas.openxmlformats.org/presentationml/2006/main">
   <p:cSld>
     <p:spTree>

--- a/FieldExperiments/AB Testing.pptx
+++ b/FieldExperiments/AB Testing.pptx
@@ -229,7 +229,7 @@
           <a:p>
             <a:fld id="{0337917A-A60C-5244-BE8E-4D0A98559167}" type="datetimeFigureOut">
               <a:rPr lang="en-US" smtClean="0"/>
-              <a:t>3/15/16</a:t>
+              <a:t>4/7/16</a:t>
             </a:fld>
             <a:endParaRPr lang="en-US"/>
           </a:p>
@@ -880,7 +880,7 @@
           <a:p>
             <a:fld id="{24D15155-0E0B-3F46-8B87-6AAF3857DCAB}" type="datetimeFigureOut">
               <a:rPr lang="en-US" smtClean="0"/>
-              <a:t>3/15/16</a:t>
+              <a:t>4/7/16</a:t>
             </a:fld>
             <a:endParaRPr lang="en-US"/>
           </a:p>
@@ -1050,7 +1050,7 @@
           <a:p>
             <a:fld id="{24D15155-0E0B-3F46-8B87-6AAF3857DCAB}" type="datetimeFigureOut">
               <a:rPr lang="en-US" smtClean="0"/>
-              <a:t>3/15/16</a:t>
+              <a:t>4/7/16</a:t>
             </a:fld>
             <a:endParaRPr lang="en-US"/>
           </a:p>
@@ -1230,7 +1230,7 @@
           <a:p>
             <a:fld id="{24D15155-0E0B-3F46-8B87-6AAF3857DCAB}" type="datetimeFigureOut">
               <a:rPr lang="en-US" smtClean="0"/>
-              <a:t>3/15/16</a:t>
+              <a:t>4/7/16</a:t>
             </a:fld>
             <a:endParaRPr lang="en-US"/>
           </a:p>
@@ -1400,7 +1400,7 @@
           <a:p>
             <a:fld id="{24D15155-0E0B-3F46-8B87-6AAF3857DCAB}" type="datetimeFigureOut">
               <a:rPr lang="en-US" smtClean="0"/>
-              <a:t>3/15/16</a:t>
+              <a:t>4/7/16</a:t>
             </a:fld>
             <a:endParaRPr lang="en-US"/>
           </a:p>
@@ -1646,7 +1646,7 @@
           <a:p>
             <a:fld id="{24D15155-0E0B-3F46-8B87-6AAF3857DCAB}" type="datetimeFigureOut">
               <a:rPr lang="en-US" smtClean="0"/>
-              <a:t>3/15/16</a:t>
+              <a:t>4/7/16</a:t>
             </a:fld>
             <a:endParaRPr lang="en-US"/>
           </a:p>
@@ -1878,7 +1878,7 @@
           <a:p>
             <a:fld id="{24D15155-0E0B-3F46-8B87-6AAF3857DCAB}" type="datetimeFigureOut">
               <a:rPr lang="en-US" smtClean="0"/>
-              <a:t>3/15/16</a:t>
+              <a:t>4/7/16</a:t>
             </a:fld>
             <a:endParaRPr lang="en-US"/>
           </a:p>
@@ -2245,7 +2245,7 @@
           <a:p>
             <a:fld id="{24D15155-0E0B-3F46-8B87-6AAF3857DCAB}" type="datetimeFigureOut">
               <a:rPr lang="en-US" smtClean="0"/>
-              <a:t>3/15/16</a:t>
+              <a:t>4/7/16</a:t>
             </a:fld>
             <a:endParaRPr lang="en-US"/>
           </a:p>
@@ -2363,7 +2363,7 @@
           <a:p>
             <a:fld id="{24D15155-0E0B-3F46-8B87-6AAF3857DCAB}" type="datetimeFigureOut">
               <a:rPr lang="en-US" smtClean="0"/>
-              <a:t>3/15/16</a:t>
+              <a:t>4/7/16</a:t>
             </a:fld>
             <a:endParaRPr lang="en-US"/>
           </a:p>
@@ -2458,7 +2458,7 @@
           <a:p>
             <a:fld id="{24D15155-0E0B-3F46-8B87-6AAF3857DCAB}" type="datetimeFigureOut">
               <a:rPr lang="en-US" smtClean="0"/>
-              <a:t>3/15/16</a:t>
+              <a:t>4/7/16</a:t>
             </a:fld>
             <a:endParaRPr lang="en-US"/>
           </a:p>
@@ -2735,7 +2735,7 @@
           <a:p>
             <a:fld id="{24D15155-0E0B-3F46-8B87-6AAF3857DCAB}" type="datetimeFigureOut">
               <a:rPr lang="en-US" smtClean="0"/>
-              <a:t>3/15/16</a:t>
+              <a:t>4/7/16</a:t>
             </a:fld>
             <a:endParaRPr lang="en-US"/>
           </a:p>
@@ -2988,7 +2988,7 @@
           <a:p>
             <a:fld id="{24D15155-0E0B-3F46-8B87-6AAF3857DCAB}" type="datetimeFigureOut">
               <a:rPr lang="en-US" smtClean="0"/>
-              <a:t>3/15/16</a:t>
+              <a:t>4/7/16</a:t>
             </a:fld>
             <a:endParaRPr lang="en-US"/>
           </a:p>
@@ -3201,7 +3201,7 @@
           <a:p>
             <a:fld id="{24D15155-0E0B-3F46-8B87-6AAF3857DCAB}" type="datetimeFigureOut">
               <a:rPr lang="en-US" smtClean="0"/>
-              <a:t>3/15/16</a:t>
+              <a:t>4/7/16</a:t>
             </a:fld>
             <a:endParaRPr lang="en-US"/>
           </a:p>
@@ -3686,7 +3686,7 @@
         </p:blipFill>
         <p:spPr bwMode="auto">
           <a:xfrm>
-            <a:off x="8752114" y="5682343"/>
+            <a:off x="8801100" y="169863"/>
             <a:ext cx="2857500" cy="952500"/>
           </a:xfrm>
           <a:prstGeom prst="rect">
@@ -3704,6 +3704,36 @@
           </a:extLst>
         </p:spPr>
       </p:pic>
+      <p:sp>
+        <p:nvSpPr>
+          <p:cNvPr id="4" name="TextBox 3"/>
+          <p:cNvSpPr txBox="1"/>
+          <p:nvPr/>
+        </p:nvSpPr>
+        <p:spPr>
+          <a:xfrm>
+            <a:off x="10229850" y="5976257"/>
+            <a:ext cx="1129925" cy="369332"/>
+          </a:xfrm>
+          <a:prstGeom prst="rect">
+            <a:avLst/>
+          </a:prstGeom>
+          <a:noFill/>
+        </p:spPr>
+        <p:txBody>
+          <a:bodyPr wrap="none" rtlCol="0">
+            <a:spAutoFit/>
+          </a:bodyPr>
+          <a:lstStyle/>
+          <a:p>
+            <a:r>
+              <a:rPr lang="en-US" dirty="0" smtClean="0"/>
+              <a:t>Patrick Ng</a:t>
+            </a:r>
+            <a:endParaRPr lang="en-US" dirty="0"/>
+          </a:p>
+        </p:txBody>
+      </p:sp>
     </p:spTree>
     <p:extLst>
       <p:ext uri="{BB962C8B-B14F-4D97-AF65-F5344CB8AC3E}">
@@ -4421,7 +4451,7 @@
           <a:p>
             <a:r>
               <a:rPr lang="en-US" dirty="0" smtClean="0"/>
-              <a:t>What could go wrong?</a:t>
+              <a:t>Look at a scenario</a:t>
             </a:r>
             <a:endParaRPr lang="en-US" dirty="0"/>
           </a:p>
@@ -4465,12 +4495,31 @@
             <a:pPr lvl="1"/>
             <a:r>
               <a:rPr lang="en-US" sz="2800" dirty="0" smtClean="0"/>
-              <a:t>Probability of clicking = 0.03</a:t>
+              <a:t>When a user sees the button:</a:t>
+            </a:r>
+          </a:p>
+          <a:p>
+            <a:pPr lvl="2"/>
+            <a:r>
+              <a:rPr lang="en-US" sz="2800" dirty="0" smtClean="0"/>
+              <a:t>Probability </a:t>
+            </a:r>
+            <a:r>
+              <a:rPr lang="en-US" sz="2800" dirty="0" smtClean="0"/>
+              <a:t>of clicking = </a:t>
+            </a:r>
+            <a:r>
+              <a:rPr lang="en-US" sz="2800" dirty="0" smtClean="0"/>
+              <a:t>3%</a:t>
+            </a:r>
+            <a:r>
+              <a:rPr lang="en-US" dirty="0" smtClean="0"/>
+              <a:t/>
             </a:r>
             <a:br>
-              <a:rPr lang="en-US" sz="2800" dirty="0" smtClean="0"/>
+              <a:rPr lang="en-US" dirty="0" smtClean="0"/>
             </a:br>
-            <a:endParaRPr lang="en-US" sz="2800" dirty="0" smtClean="0"/>
+            <a:endParaRPr lang="en-US" dirty="0" smtClean="0"/>
           </a:p>
           <a:p>
             <a:pPr lvl="1"/>
@@ -4516,19 +4565,32 @@
             <a:pPr lvl="1"/>
             <a:r>
               <a:rPr lang="en-US" sz="2800" dirty="0" smtClean="0"/>
-              <a:t>Probability of clicking = 0.03</a:t>
-            </a:r>
+              <a:t>Same probability </a:t>
+            </a:r>
+            <a:r>
+              <a:rPr lang="en-US" sz="2800" dirty="0" smtClean="0"/>
+              <a:t>of </a:t>
+            </a:r>
+            <a:r>
+              <a:rPr lang="en-US" sz="2800" dirty="0" smtClean="0"/>
+              <a:t>clicking: 3%</a:t>
+            </a:r>
+            <a:endParaRPr lang="en-US" sz="2800" dirty="0" smtClean="0"/>
           </a:p>
           <a:p>
             <a:r>
               <a:rPr lang="en-US" sz="3200" dirty="0" smtClean="0"/>
-              <a:t>Let’s do a simulation  </a:t>
+              <a:t>Let’s do a simulation </a:t>
+            </a:r>
+            <a:r>
+              <a:rPr lang="en-US" sz="3200" dirty="0" smtClean="0"/>
+              <a:t> (coding time! </a:t>
             </a:r>
             <a:r>
               <a:rPr lang="en-US" sz="3200" dirty="0" smtClean="0">
                 <a:sym typeface="Wingdings"/>
               </a:rPr>
-              <a:t></a:t>
+              <a:t>)</a:t>
             </a:r>
             <a:endParaRPr lang="en-US" sz="3200" dirty="0" smtClean="0"/>
           </a:p>
@@ -4586,7 +4648,7 @@
                                         <p:tgtEl>
                                           <p:spTgt spid="3">
                                             <p:txEl>
-                                              <p:pRg st="8" end="8"/>
+                                              <p:pRg st="9" end="9"/>
                                             </p:txEl>
                                           </p:spTgt>
                                         </p:tgtEl>
@@ -4685,7 +4747,7 @@
         <p:spPr/>
         <p:txBody>
           <a:bodyPr>
-            <a:normAutofit fontScale="92500" lnSpcReduction="20000"/>
+            <a:normAutofit fontScale="85000" lnSpcReduction="20000"/>
           </a:bodyPr>
           <a:lstStyle/>
           <a:p>
@@ -4711,8 +4773,17 @@
             </a:r>
             <a:r>
               <a:rPr lang="en-US" sz="2800" dirty="0" smtClean="0"/>
-              <a:t> probability: 0.03</a:t>
-            </a:r>
+              <a:t> probability: </a:t>
+            </a:r>
+            <a:r>
+              <a:rPr lang="en-US" sz="2800" dirty="0" smtClean="0"/>
+              <a:t>0.03 (i.e. </a:t>
+            </a:r>
+            <a:r>
+              <a:rPr lang="en-US" sz="2800" dirty="0" smtClean="0"/>
+              <a:t>existing click rate = 0.03 or 3%)</a:t>
+            </a:r>
+            <a:endParaRPr lang="en-US" sz="2800" dirty="0" smtClean="0"/>
           </a:p>
           <a:p>
             <a:pPr marL="228600" lvl="1">
@@ -4737,6 +4808,54 @@
             </a:r>
           </a:p>
           <a:p>
+            <a:pPr marL="1143000" lvl="3">
+              <a:spcBef>
+                <a:spcPts val="1000"/>
+              </a:spcBef>
+            </a:pPr>
+            <a:r>
+              <a:rPr lang="en-US" sz="2200" dirty="0" smtClean="0"/>
+              <a:t>In </a:t>
+            </a:r>
+            <a:r>
+              <a:rPr lang="en-US" sz="2200" b="1" dirty="0" smtClean="0">
+                <a:solidFill>
+                  <a:srgbClr val="FF0000"/>
+                </a:solidFill>
+              </a:rPr>
+              <a:t>~</a:t>
+            </a:r>
+            <a:r>
+              <a:rPr lang="en-US" sz="2200" b="1" dirty="0" smtClean="0">
+                <a:solidFill>
+                  <a:srgbClr val="FF0000"/>
+                </a:solidFill>
+              </a:rPr>
+              <a:t>30%</a:t>
+            </a:r>
+            <a:r>
+              <a:rPr lang="en-US" sz="2200" dirty="0" smtClean="0"/>
+              <a:t> </a:t>
+            </a:r>
+            <a:r>
+              <a:rPr lang="en-US" sz="2200" dirty="0" smtClean="0"/>
+              <a:t>of </a:t>
+            </a:r>
+            <a:r>
+              <a:rPr lang="en-US" sz="2200" dirty="0" smtClean="0"/>
+              <a:t>A/B tests, “click rates” is 0.03</a:t>
+            </a:r>
+            <a:r>
+              <a:rPr lang="en-US" sz="2200" b="1" dirty="0" smtClean="0"/>
+              <a:t>3</a:t>
+            </a:r>
+            <a:r>
+              <a:rPr lang="en-US" sz="2200" dirty="0" smtClean="0"/>
+              <a:t> or higher</a:t>
+            </a:r>
+            <a:endParaRPr lang="en-US" sz="2200" dirty="0" smtClean="0"/>
+          </a:p>
+          <a:p>
             <a:pPr marL="685800" lvl="2">
               <a:spcBef>
                 <a:spcPts val="1000"/>
@@ -4744,41 +4863,66 @@
             </a:pPr>
             <a:r>
               <a:rPr lang="en-US" sz="2400" dirty="0" smtClean="0"/>
-              <a:t>~1/3 of the time you can B wins by ten percent</a:t>
-            </a:r>
-          </a:p>
-          <a:p>
-            <a:pPr marL="685800" lvl="2">
+              <a:t>Increase </a:t>
+            </a:r>
+            <a:r>
+              <a:rPr lang="en-US" sz="2400" b="1" dirty="0" smtClean="0"/>
+              <a:t>sample size</a:t>
+            </a:r>
+            <a:r>
+              <a:rPr lang="en-US" sz="2400" dirty="0" smtClean="0"/>
+              <a:t> to </a:t>
+            </a:r>
+            <a:r>
+              <a:rPr lang="en-US" sz="2400" dirty="0" smtClean="0"/>
+              <a:t>5</a:t>
+            </a:r>
+            <a:r>
+              <a:rPr lang="en-US" sz="2400" dirty="0" smtClean="0"/>
+              <a:t>,000</a:t>
+            </a:r>
+            <a:endParaRPr lang="en-US" sz="2400" dirty="0" smtClean="0">
+              <a:sym typeface="Wingdings"/>
+            </a:endParaRPr>
+          </a:p>
+          <a:p>
+            <a:pPr marL="1143000" lvl="3">
               <a:spcBef>
                 <a:spcPts val="1000"/>
               </a:spcBef>
             </a:pPr>
             <a:r>
-              <a:rPr lang="en-US" sz="2400" dirty="0" smtClean="0"/>
-              <a:t>Increase </a:t>
-            </a:r>
-            <a:r>
-              <a:rPr lang="en-US" sz="2400" b="1" dirty="0" smtClean="0"/>
-              <a:t>sample size</a:t>
-            </a:r>
-            <a:r>
-              <a:rPr lang="en-US" sz="2400" dirty="0" smtClean="0"/>
-              <a:t> to 10,000: ~1/3 </a:t>
-            </a:r>
-            <a:r>
-              <a:rPr lang="en-US" sz="2400" dirty="0" smtClean="0">
-                <a:sym typeface="Wingdings"/>
+              <a:rPr lang="en-US" sz="2200" dirty="0"/>
+              <a:t>In </a:t>
+            </a:r>
+            <a:r>
+              <a:rPr lang="en-US" sz="2200" b="1" dirty="0" smtClean="0">
+                <a:solidFill>
+                  <a:srgbClr val="FF0000"/>
+                </a:solidFill>
               </a:rPr>
-              <a:t> 12%</a:t>
-            </a:r>
-            <a:r>
-              <a:rPr lang="en-US" sz="2400" dirty="0" smtClean="0"/>
+              <a:t>~20</a:t>
+            </a:r>
+            <a:r>
+              <a:rPr lang="en-US" sz="2200" b="1" dirty="0">
+                <a:solidFill>
+                  <a:srgbClr val="FF0000"/>
+                </a:solidFill>
+              </a:rPr>
+              <a:t>%</a:t>
+            </a:r>
+            <a:r>
+              <a:rPr lang="en-US" sz="2200" dirty="0"/>
+              <a:t> of A/B tests, “click rates” is 0.033 or higher </a:t>
+            </a:r>
+            <a:r>
+              <a:rPr lang="en-US" sz="2200" dirty="0" smtClean="0"/>
               <a:t/>
             </a:r>
             <a:br>
-              <a:rPr lang="en-US" sz="2400" dirty="0" smtClean="0"/>
+              <a:rPr lang="en-US" sz="2200" dirty="0" smtClean="0"/>
             </a:br>
-            <a:endParaRPr lang="en-US" sz="2400" dirty="0" smtClean="0"/>
+            <a:endParaRPr lang="en-US" sz="2200" dirty="0" smtClean="0"/>
           </a:p>
           <a:p>
             <a:pPr marL="228600" lvl="1">
@@ -4788,14 +4932,10 @@
             </a:pPr>
             <a:r>
               <a:rPr lang="en-US" sz="2800" b="1" dirty="0" smtClean="0"/>
-              <a:t>Key question</a:t>
-            </a:r>
-            <a:r>
-              <a:rPr lang="en-US" sz="2800" b="1" smtClean="0"/>
-              <a:t>: </a:t>
+              <a:t>Key question: </a:t>
             </a:r>
             <a:br>
-              <a:rPr lang="en-US" sz="2800" b="1" smtClean="0"/>
+              <a:rPr lang="en-US" sz="2800" b="1" dirty="0" smtClean="0"/>
             </a:br>
             <a:r>
               <a:rPr lang="en-US" sz="2800" b="1" dirty="0" smtClean="0"/>
@@ -5011,6 +5151,55 @@
                       </p:childTnLst>
                     </p:cTn>
                   </p:par>
+                  <p:par>
+                    <p:cTn id="15" fill="hold">
+                      <p:stCondLst>
+                        <p:cond delay="indefinite"/>
+                      </p:stCondLst>
+                      <p:childTnLst>
+                        <p:par>
+                          <p:cTn id="16" fill="hold">
+                            <p:stCondLst>
+                              <p:cond delay="0"/>
+                            </p:stCondLst>
+                            <p:childTnLst>
+                              <p:par>
+                                <p:cTn id="17" presetID="1" presetClass="entr" presetSubtype="0" fill="hold" nodeType="clickEffect">
+                                  <p:stCondLst>
+                                    <p:cond delay="0"/>
+                                  </p:stCondLst>
+                                  <p:childTnLst>
+                                    <p:set>
+                                      <p:cBhvr>
+                                        <p:cTn id="18" dur="1" fill="hold">
+                                          <p:stCondLst>
+                                            <p:cond delay="0"/>
+                                          </p:stCondLst>
+                                        </p:cTn>
+                                        <p:tgtEl>
+                                          <p:spTgt spid="3">
+                                            <p:txEl>
+                                              <p:pRg st="7" end="7"/>
+                                            </p:txEl>
+                                          </p:spTgt>
+                                        </p:tgtEl>
+                                        <p:attrNameLst>
+                                          <p:attrName>style.visibility</p:attrName>
+                                        </p:attrNameLst>
+                                      </p:cBhvr>
+                                      <p:to>
+                                        <p:strVal val="visible"/>
+                                      </p:to>
+                                    </p:set>
+                                  </p:childTnLst>
+                                </p:cTn>
+                              </p:par>
+                            </p:childTnLst>
+                          </p:cTn>
+                        </p:par>
+                      </p:childTnLst>
+                    </p:cTn>
+                  </p:par>
                 </p:childTnLst>
               </p:cTn>
               <p:prevCondLst>
@@ -5610,6 +5799,363 @@
   <p:clrMapOvr>
     <a:masterClrMapping/>
   </p:clrMapOvr>
+  <p:timing>
+    <p:tnLst>
+      <p:par>
+        <p:cTn id="1" dur="indefinite" restart="never" nodeType="tmRoot">
+          <p:childTnLst>
+            <p:seq concurrent="1" nextAc="seek">
+              <p:cTn id="2" dur="indefinite" nodeType="mainSeq">
+                <p:childTnLst>
+                  <p:par>
+                    <p:cTn id="3" fill="hold">
+                      <p:stCondLst>
+                        <p:cond delay="indefinite"/>
+                      </p:stCondLst>
+                      <p:childTnLst>
+                        <p:par>
+                          <p:cTn id="4" fill="hold">
+                            <p:stCondLst>
+                              <p:cond delay="0"/>
+                            </p:stCondLst>
+                            <p:childTnLst>
+                              <p:par>
+                                <p:cTn id="5" presetID="1" presetClass="entr" presetSubtype="0" fill="hold" grpId="0" nodeType="clickEffect">
+                                  <p:stCondLst>
+                                    <p:cond delay="0"/>
+                                  </p:stCondLst>
+                                  <p:childTnLst>
+                                    <p:set>
+                                      <p:cBhvr>
+                                        <p:cTn id="6" dur="1" fill="hold">
+                                          <p:stCondLst>
+                                            <p:cond delay="0"/>
+                                          </p:stCondLst>
+                                        </p:cTn>
+                                        <p:tgtEl>
+                                          <p:spTgt spid="3">
+                                            <p:txEl>
+                                              <p:pRg st="0" end="0"/>
+                                            </p:txEl>
+                                          </p:spTgt>
+                                        </p:tgtEl>
+                                        <p:attrNameLst>
+                                          <p:attrName>style.visibility</p:attrName>
+                                        </p:attrNameLst>
+                                      </p:cBhvr>
+                                      <p:to>
+                                        <p:strVal val="visible"/>
+                                      </p:to>
+                                    </p:set>
+                                  </p:childTnLst>
+                                </p:cTn>
+                              </p:par>
+                              <p:par>
+                                <p:cTn id="7" presetID="1" presetClass="entr" presetSubtype="0" fill="hold" grpId="0" nodeType="withEffect">
+                                  <p:stCondLst>
+                                    <p:cond delay="0"/>
+                                  </p:stCondLst>
+                                  <p:childTnLst>
+                                    <p:set>
+                                      <p:cBhvr>
+                                        <p:cTn id="8" dur="1" fill="hold">
+                                          <p:stCondLst>
+                                            <p:cond delay="0"/>
+                                          </p:stCondLst>
+                                        </p:cTn>
+                                        <p:tgtEl>
+                                          <p:spTgt spid="3">
+                                            <p:txEl>
+                                              <p:pRg st="1" end="1"/>
+                                            </p:txEl>
+                                          </p:spTgt>
+                                        </p:tgtEl>
+                                        <p:attrNameLst>
+                                          <p:attrName>style.visibility</p:attrName>
+                                        </p:attrNameLst>
+                                      </p:cBhvr>
+                                      <p:to>
+                                        <p:strVal val="visible"/>
+                                      </p:to>
+                                    </p:set>
+                                  </p:childTnLst>
+                                </p:cTn>
+                              </p:par>
+                              <p:par>
+                                <p:cTn id="9" presetID="1" presetClass="entr" presetSubtype="0" fill="hold" grpId="0" nodeType="withEffect">
+                                  <p:stCondLst>
+                                    <p:cond delay="0"/>
+                                  </p:stCondLst>
+                                  <p:childTnLst>
+                                    <p:set>
+                                      <p:cBhvr>
+                                        <p:cTn id="10" dur="1" fill="hold">
+                                          <p:stCondLst>
+                                            <p:cond delay="0"/>
+                                          </p:stCondLst>
+                                        </p:cTn>
+                                        <p:tgtEl>
+                                          <p:spTgt spid="3">
+                                            <p:txEl>
+                                              <p:pRg st="2" end="2"/>
+                                            </p:txEl>
+                                          </p:spTgt>
+                                        </p:tgtEl>
+                                        <p:attrNameLst>
+                                          <p:attrName>style.visibility</p:attrName>
+                                        </p:attrNameLst>
+                                      </p:cBhvr>
+                                      <p:to>
+                                        <p:strVal val="visible"/>
+                                      </p:to>
+                                    </p:set>
+                                  </p:childTnLst>
+                                </p:cTn>
+                              </p:par>
+                              <p:par>
+                                <p:cTn id="11" presetID="1" presetClass="entr" presetSubtype="0" fill="hold" grpId="0" nodeType="withEffect">
+                                  <p:stCondLst>
+                                    <p:cond delay="0"/>
+                                  </p:stCondLst>
+                                  <p:childTnLst>
+                                    <p:set>
+                                      <p:cBhvr>
+                                        <p:cTn id="12" dur="1" fill="hold">
+                                          <p:stCondLst>
+                                            <p:cond delay="0"/>
+                                          </p:stCondLst>
+                                        </p:cTn>
+                                        <p:tgtEl>
+                                          <p:spTgt spid="3">
+                                            <p:txEl>
+                                              <p:pRg st="3" end="3"/>
+                                            </p:txEl>
+                                          </p:spTgt>
+                                        </p:tgtEl>
+                                        <p:attrNameLst>
+                                          <p:attrName>style.visibility</p:attrName>
+                                        </p:attrNameLst>
+                                      </p:cBhvr>
+                                      <p:to>
+                                        <p:strVal val="visible"/>
+                                      </p:to>
+                                    </p:set>
+                                  </p:childTnLst>
+                                </p:cTn>
+                              </p:par>
+                              <p:par>
+                                <p:cTn id="13" presetID="1" presetClass="entr" presetSubtype="0" fill="hold" grpId="0" nodeType="withEffect">
+                                  <p:stCondLst>
+                                    <p:cond delay="0"/>
+                                  </p:stCondLst>
+                                  <p:childTnLst>
+                                    <p:set>
+                                      <p:cBhvr>
+                                        <p:cTn id="14" dur="1" fill="hold">
+                                          <p:stCondLst>
+                                            <p:cond delay="0"/>
+                                          </p:stCondLst>
+                                        </p:cTn>
+                                        <p:tgtEl>
+                                          <p:spTgt spid="3">
+                                            <p:txEl>
+                                              <p:pRg st="4" end="4"/>
+                                            </p:txEl>
+                                          </p:spTgt>
+                                        </p:tgtEl>
+                                        <p:attrNameLst>
+                                          <p:attrName>style.visibility</p:attrName>
+                                        </p:attrNameLst>
+                                      </p:cBhvr>
+                                      <p:to>
+                                        <p:strVal val="visible"/>
+                                      </p:to>
+                                    </p:set>
+                                  </p:childTnLst>
+                                </p:cTn>
+                              </p:par>
+                              <p:par>
+                                <p:cTn id="15" presetID="1" presetClass="entr" presetSubtype="0" fill="hold" grpId="0" nodeType="withEffect">
+                                  <p:stCondLst>
+                                    <p:cond delay="0"/>
+                                  </p:stCondLst>
+                                  <p:childTnLst>
+                                    <p:set>
+                                      <p:cBhvr>
+                                        <p:cTn id="16" dur="1" fill="hold">
+                                          <p:stCondLst>
+                                            <p:cond delay="0"/>
+                                          </p:stCondLst>
+                                        </p:cTn>
+                                        <p:tgtEl>
+                                          <p:spTgt spid="3">
+                                            <p:txEl>
+                                              <p:pRg st="5" end="5"/>
+                                            </p:txEl>
+                                          </p:spTgt>
+                                        </p:tgtEl>
+                                        <p:attrNameLst>
+                                          <p:attrName>style.visibility</p:attrName>
+                                        </p:attrNameLst>
+                                      </p:cBhvr>
+                                      <p:to>
+                                        <p:strVal val="visible"/>
+                                      </p:to>
+                                    </p:set>
+                                  </p:childTnLst>
+                                </p:cTn>
+                              </p:par>
+                              <p:par>
+                                <p:cTn id="17" presetID="1" presetClass="entr" presetSubtype="0" fill="hold" grpId="0" nodeType="withEffect">
+                                  <p:stCondLst>
+                                    <p:cond delay="0"/>
+                                  </p:stCondLst>
+                                  <p:childTnLst>
+                                    <p:set>
+                                      <p:cBhvr>
+                                        <p:cTn id="18" dur="1" fill="hold">
+                                          <p:stCondLst>
+                                            <p:cond delay="0"/>
+                                          </p:stCondLst>
+                                        </p:cTn>
+                                        <p:tgtEl>
+                                          <p:spTgt spid="3">
+                                            <p:txEl>
+                                              <p:pRg st="6" end="6"/>
+                                            </p:txEl>
+                                          </p:spTgt>
+                                        </p:tgtEl>
+                                        <p:attrNameLst>
+                                          <p:attrName>style.visibility</p:attrName>
+                                        </p:attrNameLst>
+                                      </p:cBhvr>
+                                      <p:to>
+                                        <p:strVal val="visible"/>
+                                      </p:to>
+                                    </p:set>
+                                  </p:childTnLst>
+                                </p:cTn>
+                              </p:par>
+                              <p:par>
+                                <p:cTn id="19" presetID="1" presetClass="entr" presetSubtype="0" fill="hold" grpId="0" nodeType="withEffect">
+                                  <p:stCondLst>
+                                    <p:cond delay="0"/>
+                                  </p:stCondLst>
+                                  <p:childTnLst>
+                                    <p:set>
+                                      <p:cBhvr>
+                                        <p:cTn id="20" dur="1" fill="hold">
+                                          <p:stCondLst>
+                                            <p:cond delay="0"/>
+                                          </p:stCondLst>
+                                        </p:cTn>
+                                        <p:tgtEl>
+                                          <p:spTgt spid="3">
+                                            <p:txEl>
+                                              <p:pRg st="7" end="7"/>
+                                            </p:txEl>
+                                          </p:spTgt>
+                                        </p:tgtEl>
+                                        <p:attrNameLst>
+                                          <p:attrName>style.visibility</p:attrName>
+                                        </p:attrNameLst>
+                                      </p:cBhvr>
+                                      <p:to>
+                                        <p:strVal val="visible"/>
+                                      </p:to>
+                                    </p:set>
+                                  </p:childTnLst>
+                                </p:cTn>
+                              </p:par>
+                              <p:par>
+                                <p:cTn id="21" presetID="1" presetClass="entr" presetSubtype="0" fill="hold" grpId="0" nodeType="withEffect">
+                                  <p:stCondLst>
+                                    <p:cond delay="0"/>
+                                  </p:stCondLst>
+                                  <p:childTnLst>
+                                    <p:set>
+                                      <p:cBhvr>
+                                        <p:cTn id="22" dur="1" fill="hold">
+                                          <p:stCondLst>
+                                            <p:cond delay="0"/>
+                                          </p:stCondLst>
+                                        </p:cTn>
+                                        <p:tgtEl>
+                                          <p:spTgt spid="3">
+                                            <p:txEl>
+                                              <p:pRg st="8" end="8"/>
+                                            </p:txEl>
+                                          </p:spTgt>
+                                        </p:tgtEl>
+                                        <p:attrNameLst>
+                                          <p:attrName>style.visibility</p:attrName>
+                                        </p:attrNameLst>
+                                      </p:cBhvr>
+                                      <p:to>
+                                        <p:strVal val="visible"/>
+                                      </p:to>
+                                    </p:set>
+                                  </p:childTnLst>
+                                </p:cTn>
+                              </p:par>
+                              <p:par>
+                                <p:cTn id="23" presetID="1" presetClass="entr" presetSubtype="0" fill="hold" nodeType="withEffect">
+                                  <p:stCondLst>
+                                    <p:cond delay="0"/>
+                                  </p:stCondLst>
+                                  <p:childTnLst>
+                                    <p:set>
+                                      <p:cBhvr>
+                                        <p:cTn id="24" dur="1" fill="hold">
+                                          <p:stCondLst>
+                                            <p:cond delay="0"/>
+                                          </p:stCondLst>
+                                        </p:cTn>
+                                        <p:tgtEl>
+                                          <p:spTgt spid="5"/>
+                                        </p:tgtEl>
+                                        <p:attrNameLst>
+                                          <p:attrName>style.visibility</p:attrName>
+                                        </p:attrNameLst>
+                                      </p:cBhvr>
+                                      <p:to>
+                                        <p:strVal val="visible"/>
+                                      </p:to>
+                                    </p:set>
+                                  </p:childTnLst>
+                                </p:cTn>
+                              </p:par>
+                            </p:childTnLst>
+                          </p:cTn>
+                        </p:par>
+                      </p:childTnLst>
+                    </p:cTn>
+                  </p:par>
+                </p:childTnLst>
+              </p:cTn>
+              <p:prevCondLst>
+                <p:cond evt="onPrev" delay="0">
+                  <p:tgtEl>
+                    <p:sldTgt/>
+                  </p:tgtEl>
+                </p:cond>
+              </p:prevCondLst>
+              <p:nextCondLst>
+                <p:cond evt="onNext" delay="0">
+                  <p:tgtEl>
+                    <p:sldTgt/>
+                  </p:tgtEl>
+                </p:cond>
+              </p:nextCondLst>
+            </p:seq>
+          </p:childTnLst>
+        </p:cTn>
+      </p:par>
+    </p:tnLst>
+    <p:bldLst>
+      <p:bldP spid="3" grpId="0" build="p"/>
+    </p:bldLst>
+  </p:timing>
 </p:sld>
 </file>
 
@@ -6150,7 +6696,11 @@
             </a:r>
             <a:r>
               <a:rPr lang="en-US" sz="2400" dirty="0" smtClean="0"/>
-              <a:t>widget on the homepage</a:t>
+              <a:t>widget on the </a:t>
+            </a:r>
+            <a:r>
+              <a:rPr lang="en-US" sz="2400" b="1" dirty="0" smtClean="0"/>
+              <a:t>homepage</a:t>
             </a:r>
           </a:p>
           <a:p>
@@ -6248,12 +6798,13 @@
             </a:pPr>
             <a:r>
               <a:rPr lang="en-US" sz="2400" b="1" dirty="0" smtClean="0"/>
-              <a:t>No of Clicks</a:t>
+              <a:t># of referrals </a:t>
             </a:r>
             <a:r>
               <a:rPr lang="en-US" sz="2400" dirty="0" smtClean="0"/>
-              <a:t> from homepage</a:t>
-            </a:r>
+              <a:t>from homepage to other MSN sites</a:t>
+            </a:r>
+            <a:endParaRPr lang="en-US" sz="2400" dirty="0" smtClean="0"/>
           </a:p>
           <a:p>
             <a:pPr marL="742950" lvl="1" indent="-285750">
@@ -6820,7 +7371,7 @@
         <p:spPr>
           <a:xfrm>
             <a:off x="7860535" y="5698671"/>
-            <a:ext cx="2341543" cy="923330"/>
+            <a:ext cx="3003055" cy="646331"/>
           </a:xfrm>
           <a:prstGeom prst="rect">
             <a:avLst/>
@@ -6856,7 +7407,7 @@
         </p:nvSpPr>
         <p:spPr>
           <a:xfrm>
-            <a:off x="3575958" y="4865989"/>
+            <a:off x="3712383" y="4406010"/>
             <a:ext cx="7494460" cy="1754326"/>
           </a:xfrm>
           <a:prstGeom prst="rect">
@@ -7663,7 +8214,11 @@
           <a:p>
             <a:r>
               <a:rPr lang="en-US" dirty="0" smtClean="0"/>
-              <a:t>Feature change, A/B Test, OEC is PV</a:t>
+              <a:t>Scenario: A feature change; do A/B Test; OEC </a:t>
+            </a:r>
+            <a:r>
+              <a:rPr lang="en-US" dirty="0" smtClean="0"/>
+              <a:t>is PV</a:t>
             </a:r>
           </a:p>
           <a:p>
@@ -7720,8 +8275,25 @@
             <a:pPr lvl="1"/>
             <a:r>
               <a:rPr lang="en-US" dirty="0" smtClean="0"/>
-              <a:t>B and A’ have the same speed performance</a:t>
-            </a:r>
+              <a:t>Engineer B </a:t>
+            </a:r>
+            <a:r>
+              <a:rPr lang="en-US" dirty="0" smtClean="0"/>
+              <a:t>and A’ </a:t>
+            </a:r>
+            <a:r>
+              <a:rPr lang="en-US" dirty="0" smtClean="0"/>
+              <a:t>to have </a:t>
+            </a:r>
+            <a:r>
+              <a:rPr lang="en-US" dirty="0" smtClean="0"/>
+              <a:t>the same </a:t>
+            </a:r>
+            <a:r>
+              <a:rPr lang="en-US" dirty="0" smtClean="0"/>
+              <a:t>speed</a:t>
+            </a:r>
+            <a:endParaRPr lang="en-US" dirty="0" smtClean="0"/>
           </a:p>
           <a:p>
             <a:pPr lvl="1"/>
@@ -8218,7 +8790,9 @@
         </p:nvSpPr>
         <p:spPr/>
         <p:txBody>
-          <a:bodyPr/>
+          <a:bodyPr>
+            <a:normAutofit lnSpcReduction="10000"/>
+          </a:bodyPr>
           <a:lstStyle/>
           <a:p>
             <a:r>
@@ -8265,7 +8839,29 @@
             <a:pPr lvl="2"/>
             <a:r>
               <a:rPr lang="en-US" dirty="0" smtClean="0"/>
-              <a:t>B is higher than A by 10%</a:t>
+              <a:t>B is higher than A by 10</a:t>
+            </a:r>
+            <a:r>
+              <a:rPr lang="en-US" dirty="0" smtClean="0"/>
+              <a:t>%</a:t>
+            </a:r>
+          </a:p>
+          <a:p>
+            <a:pPr lvl="2"/>
+            <a:r>
+              <a:rPr lang="en-US" dirty="0" smtClean="0"/>
+              <a:t>After one month, user are used to new design, and</a:t>
+            </a:r>
+            <a:br>
+              <a:rPr lang="en-US" dirty="0" smtClean="0"/>
+            </a:br>
+            <a:r>
+              <a:rPr lang="en-US" dirty="0" smtClean="0"/>
+              <a:t>“user engagement” dropped to original level</a:t>
+            </a:r>
+            <a:r>
+              <a:rPr lang="en-US" dirty="0" smtClean="0"/>
+              <a:t/>
             </a:r>
             <a:br>
               <a:rPr lang="en-US" dirty="0" smtClean="0"/>
@@ -8282,21 +8878,14 @@
             <a:pPr lvl="1"/>
             <a:r>
               <a:rPr lang="en-US" dirty="0" smtClean="0"/>
-              <a:t>A </a:t>
-            </a:r>
-            <a:r>
-              <a:rPr lang="en-US" smtClean="0"/>
-              <a:t>fancy term </a:t>
-            </a:r>
-            <a:r>
-              <a:rPr lang="en-US" smtClean="0">
+              <a:t>A fancy term </a:t>
+            </a:r>
+            <a:r>
+              <a:rPr lang="en-US" dirty="0" smtClean="0">
                 <a:sym typeface="Wingdings"/>
               </a:rPr>
               <a:t></a:t>
             </a:r>
-            <a:endParaRPr lang="en-US" dirty="0" smtClean="0">
-              <a:sym typeface="Wingdings"/>
-            </a:endParaRPr>
           </a:p>
           <a:p>
             <a:pPr lvl="1"/>
@@ -8324,6 +8913,13 @@
   <p:clrMapOvr>
     <a:masterClrMapping/>
   </p:clrMapOvr>
+  <p:timing>
+    <p:tnLst>
+      <p:par>
+        <p:cTn id="1" dur="indefinite" restart="never" nodeType="tmRoot"/>
+      </p:par>
+    </p:tnLst>
+  </p:timing>
 </p:sld>
 </file>
 
@@ -8379,7 +8975,9 @@
         </p:nvSpPr>
         <p:spPr/>
         <p:txBody>
-          <a:bodyPr/>
+          <a:bodyPr>
+            <a:normAutofit/>
+          </a:bodyPr>
           <a:lstStyle/>
           <a:p>
             <a:r>
@@ -8434,8 +9032,20 @@
             </a:r>
             <a:r>
               <a:rPr lang="en-US" dirty="0" smtClean="0"/>
-              <a:t> robots – impact can be significant</a:t>
-            </a:r>
+              <a:t> robots – impact can be </a:t>
+            </a:r>
+            <a:r>
+              <a:rPr lang="en-US" dirty="0" smtClean="0"/>
+              <a:t>significant</a:t>
+            </a:r>
+          </a:p>
+          <a:p>
+            <a:pPr lvl="2"/>
+            <a:r>
+              <a:rPr lang="en-US" dirty="0" smtClean="0"/>
+              <a:t>See example</a:t>
+            </a:r>
+            <a:endParaRPr lang="en-US" dirty="0" smtClean="0"/>
           </a:p>
           <a:p>
             <a:r>
@@ -8668,15 +9278,33 @@
                                   </p:childTnLst>
                                 </p:cTn>
                               </p:par>
+                            </p:childTnLst>
+                          </p:cTn>
+                        </p:par>
+                      </p:childTnLst>
+                    </p:cTn>
+                  </p:par>
+                  <p:par>
+                    <p:cTn id="19" fill="hold">
+                      <p:stCondLst>
+                        <p:cond delay="indefinite"/>
+                      </p:stCondLst>
+                      <p:childTnLst>
+                        <p:par>
+                          <p:cTn id="20" fill="hold">
+                            <p:stCondLst>
+                              <p:cond delay="0"/>
+                            </p:stCondLst>
+                            <p:childTnLst>
                               <p:par>
-                                <p:cTn id="19" presetID="1" presetClass="entr" presetSubtype="0" fill="hold" nodeType="withEffect">
+                                <p:cTn id="21" presetID="1" presetClass="entr" presetSubtype="0" fill="hold" nodeType="clickEffect">
                                   <p:stCondLst>
                                     <p:cond delay="0"/>
                                   </p:stCondLst>
                                   <p:childTnLst>
                                     <p:set>
                                       <p:cBhvr>
-                                        <p:cTn id="20" dur="1" fill="hold">
+                                        <p:cTn id="22" dur="1" fill="hold">
                                           <p:stCondLst>
                                             <p:cond delay="0"/>
                                           </p:stCondLst>
@@ -8700,14 +9328,14 @@
                                 </p:cTn>
                               </p:par>
                               <p:par>
-                                <p:cTn id="21" presetID="1" presetClass="entr" presetSubtype="0" fill="hold" nodeType="withEffect">
+                                <p:cTn id="23" presetID="1" presetClass="entr" presetSubtype="0" fill="hold" nodeType="withEffect">
                                   <p:stCondLst>
                                     <p:cond delay="0"/>
                                   </p:stCondLst>
                                   <p:childTnLst>
                                     <p:set>
                                       <p:cBhvr>
-                                        <p:cTn id="22" dur="1" fill="hold">
+                                        <p:cTn id="24" dur="1" fill="hold">
                                           <p:stCondLst>
                                             <p:cond delay="0"/>
                                           </p:stCondLst>
@@ -8716,6 +9344,37 @@
                                           <p:spTgt spid="3">
                                             <p:txEl>
                                               <p:pRg st="7" end="7"/>
+                                            </p:txEl>
+                                          </p:spTgt>
+                                        </p:tgtEl>
+                                        <p:attrNameLst>
+                                          <p:attrName>style.visibility</p:attrName>
+                                        </p:attrNameLst>
+                                      </p:cBhvr>
+                                      <p:to>
+                                        <p:strVal val="visible"/>
+                                      </p:to>
+                                    </p:set>
+                                  </p:childTnLst>
+                                </p:cTn>
+                              </p:par>
+                              <p:par>
+                                <p:cTn id="25" presetID="1" presetClass="entr" presetSubtype="0" fill="hold" nodeType="withEffect">
+                                  <p:stCondLst>
+                                    <p:cond delay="0"/>
+                                  </p:stCondLst>
+                                  <p:childTnLst>
+                                    <p:set>
+                                      <p:cBhvr>
+                                        <p:cTn id="26" dur="1" fill="hold">
+                                          <p:stCondLst>
+                                            <p:cond delay="0"/>
+                                          </p:stCondLst>
+                                        </p:cTn>
+                                        <p:tgtEl>
+                                          <p:spTgt spid="3">
+                                            <p:txEl>
+                                              <p:pRg st="8" end="8"/>
                                             </p:txEl>
                                           </p:spTgt>
                                         </p:tgtEl>
@@ -9429,7 +10088,7 @@
         </p:spPr>
         <p:txBody>
           <a:bodyPr>
-            <a:normAutofit/>
+            <a:normAutofit lnSpcReduction="10000"/>
           </a:bodyPr>
           <a:lstStyle/>
           <a:p>
@@ -9483,7 +10142,31 @@
             </a:r>
             <a:r>
               <a:rPr lang="en-US" sz="3200" dirty="0" smtClean="0"/>
-              <a:t>: 75% of important business decisions and improvement ideas shows no or negative impact to business</a:t>
+              <a:t>: </a:t>
+            </a:r>
+            <a:endParaRPr lang="en-US" sz="3200" dirty="0" smtClean="0"/>
+          </a:p>
+          <a:p>
+            <a:pPr lvl="1"/>
+            <a:r>
+              <a:rPr lang="en-US" dirty="0" smtClean="0"/>
+              <a:t>Tested 150,000 </a:t>
+            </a:r>
+            <a:r>
+              <a:rPr lang="en-US" dirty="0"/>
+              <a:t>business improvement ideas over 22years </a:t>
+            </a:r>
+            <a:endParaRPr lang="en-US" dirty="0" smtClean="0"/>
+          </a:p>
+          <a:p>
+            <a:pPr lvl="1"/>
+            <a:r>
+              <a:rPr lang="en-US" dirty="0" smtClean="0"/>
+              <a:t>75</a:t>
+            </a:r>
+            <a:r>
+              <a:rPr lang="en-US" dirty="0" smtClean="0"/>
+              <a:t>% of important business decisions and improvement ideas shows no or negative impact to business</a:t>
             </a:r>
           </a:p>
           <a:p>
@@ -9496,8 +10179,13 @@
             <a:pPr lvl="1"/>
             <a:r>
               <a:rPr lang="en-US" sz="2800" dirty="0" smtClean="0"/>
-              <a:t>Experiment often!</a:t>
-            </a:r>
+              <a:t>Experiment often</a:t>
+            </a:r>
+            <a:r>
+              <a:rPr lang="en-US" sz="2800" dirty="0" smtClean="0"/>
+              <a:t>! (because most of them will fail; think of testing)</a:t>
+            </a:r>
+            <a:endParaRPr lang="en-US" sz="2800" dirty="0" smtClean="0"/>
           </a:p>
           <a:p>
             <a:pPr lvl="1"/>
@@ -9510,7 +10198,27 @@
             <a:pPr lvl="1"/>
             <a:r>
               <a:rPr lang="en-US" sz="2800" dirty="0" smtClean="0"/>
-              <a:t>Fail to experiment, or do it incorrectly is a mistake.  </a:t>
+              <a:t>“Fail </a:t>
+            </a:r>
+            <a:r>
+              <a:rPr lang="en-US" sz="2800" dirty="0" smtClean="0"/>
+              <a:t>to </a:t>
+            </a:r>
+            <a:r>
+              <a:rPr lang="en-US" sz="2800" dirty="0" smtClean="0"/>
+              <a:t>experiment or </a:t>
+            </a:r>
+            <a:r>
+              <a:rPr lang="en-US" sz="2800" dirty="0" smtClean="0"/>
+              <a:t>do it </a:t>
+            </a:r>
+            <a:r>
+              <a:rPr lang="en-US" sz="2800" dirty="0" smtClean="0"/>
+              <a:t>incorrectly” </a:t>
+            </a:r>
+            <a:r>
+              <a:rPr lang="en-US" sz="2800" dirty="0" smtClean="0"/>
+              <a:t>is a mistake.  </a:t>
             </a:r>
             <a:r>
               <a:rPr lang="en-US" sz="2800" dirty="0" smtClean="0">
@@ -9885,6 +10593,104 @@
                       </p:childTnLst>
                     </p:cTn>
                   </p:par>
+                  <p:par>
+                    <p:cTn id="31" fill="hold">
+                      <p:stCondLst>
+                        <p:cond delay="indefinite"/>
+                      </p:stCondLst>
+                      <p:childTnLst>
+                        <p:par>
+                          <p:cTn id="32" fill="hold">
+                            <p:stCondLst>
+                              <p:cond delay="0"/>
+                            </p:stCondLst>
+                            <p:childTnLst>
+                              <p:par>
+                                <p:cTn id="33" presetID="1" presetClass="entr" presetSubtype="0" fill="hold" nodeType="clickEffect">
+                                  <p:stCondLst>
+                                    <p:cond delay="0"/>
+                                  </p:stCondLst>
+                                  <p:childTnLst>
+                                    <p:set>
+                                      <p:cBhvr>
+                                        <p:cTn id="34" dur="1" fill="hold">
+                                          <p:stCondLst>
+                                            <p:cond delay="0"/>
+                                          </p:stCondLst>
+                                        </p:cTn>
+                                        <p:tgtEl>
+                                          <p:spTgt spid="3">
+                                            <p:txEl>
+                                              <p:pRg st="7" end="7"/>
+                                            </p:txEl>
+                                          </p:spTgt>
+                                        </p:tgtEl>
+                                        <p:attrNameLst>
+                                          <p:attrName>style.visibility</p:attrName>
+                                        </p:attrNameLst>
+                                      </p:cBhvr>
+                                      <p:to>
+                                        <p:strVal val="visible"/>
+                                      </p:to>
+                                    </p:set>
+                                  </p:childTnLst>
+                                </p:cTn>
+                              </p:par>
+                            </p:childTnLst>
+                          </p:cTn>
+                        </p:par>
+                      </p:childTnLst>
+                    </p:cTn>
+                  </p:par>
+                  <p:par>
+                    <p:cTn id="35" fill="hold">
+                      <p:stCondLst>
+                        <p:cond delay="indefinite"/>
+                      </p:stCondLst>
+                      <p:childTnLst>
+                        <p:par>
+                          <p:cTn id="36" fill="hold">
+                            <p:stCondLst>
+                              <p:cond delay="0"/>
+                            </p:stCondLst>
+                            <p:childTnLst>
+                              <p:par>
+                                <p:cTn id="37" presetID="1" presetClass="entr" presetSubtype="0" fill="hold" nodeType="clickEffect">
+                                  <p:stCondLst>
+                                    <p:cond delay="0"/>
+                                  </p:stCondLst>
+                                  <p:childTnLst>
+                                    <p:set>
+                                      <p:cBhvr>
+                                        <p:cTn id="38" dur="1" fill="hold">
+                                          <p:stCondLst>
+                                            <p:cond delay="0"/>
+                                          </p:stCondLst>
+                                        </p:cTn>
+                                        <p:tgtEl>
+                                          <p:spTgt spid="3">
+                                            <p:txEl>
+                                              <p:pRg st="8" end="8"/>
+                                            </p:txEl>
+                                          </p:spTgt>
+                                        </p:tgtEl>
+                                        <p:attrNameLst>
+                                          <p:attrName>style.visibility</p:attrName>
+                                        </p:attrNameLst>
+                                      </p:cBhvr>
+                                      <p:to>
+                                        <p:strVal val="visible"/>
+                                      </p:to>
+                                    </p:set>
+                                  </p:childTnLst>
+                                </p:cTn>
+                              </p:par>
+                            </p:childTnLst>
+                          </p:cTn>
+                        </p:par>
+                      </p:childTnLst>
+                    </p:cTn>
+                  </p:par>
                 </p:childTnLst>
               </p:cTn>
               <p:prevCondLst>
@@ -12106,7 +12912,21 @@
             </a:br>
             <a:r>
               <a:rPr lang="en-US" b="1" dirty="0" smtClean="0"/>
-              <a:t>Cannot prove “new design” is the main reason.</a:t>
+              <a:t> “new </a:t>
+            </a:r>
+            <a:r>
+              <a:rPr lang="en-US" b="1" dirty="0" smtClean="0"/>
+              <a:t>design” </a:t>
+            </a:r>
+            <a:r>
+              <a:rPr lang="en-US" b="1" dirty="0" smtClean="0">
+                <a:sym typeface="Wingdings"/>
+              </a:rPr>
+              <a:t> the </a:t>
+            </a:r>
+            <a:r>
+              <a:rPr lang="en-US" b="1" dirty="0" smtClean="0"/>
+              <a:t>key reason for click rate increase?</a:t>
             </a:r>
             <a:endParaRPr lang="en-US" b="1" dirty="0"/>
           </a:p>
